--- a/images/Presentation1.pptx
+++ b/images/Presentation1.pptx
@@ -5,15 +5,13 @@
     <p:sldMasterId id="2147483648" r:id="rId1"/>
   </p:sldMasterIdLst>
   <p:notesMasterIdLst>
-    <p:notesMasterId r:id="rId6"/>
+    <p:notesMasterId r:id="rId4"/>
   </p:notesMasterIdLst>
   <p:handoutMasterIdLst>
-    <p:handoutMasterId r:id="rId7"/>
+    <p:handoutMasterId r:id="rId5"/>
   </p:handoutMasterIdLst>
   <p:sldIdLst>
-    <p:sldId id="256" r:id="rId3"/>
-    <p:sldId id="257" r:id="rId4"/>
-    <p:sldId id="258" r:id="rId5"/>
+    <p:sldId id="259" r:id="rId3"/>
   </p:sldIdLst>
   <p:sldSz cx="12192000" cy="6858000"/>
   <p:notesSz cx="7103745" cy="10234295"/>
@@ -113,3175 +111,6 @@
     </a:lvl9pPr>
   </p:defaultTextStyle>
 </p:presentation>
-</file>
-
-<file path=ppt/diagrams/colors1.xml><?xml version="1.0" encoding="utf-8"?>
-<dgm:colorsDef xmlns:dgm="http://schemas.openxmlformats.org/drawingml/2006/diagram" xmlns:a="http://schemas.openxmlformats.org/drawingml/2006/main" uniqueId="urn:microsoft.com/office/officeart/2005/8/colors/accent0_3">
-  <dgm:title val=""/>
-  <dgm:desc val=""/>
-  <dgm:catLst>
-    <dgm:cat type="mainScheme" pri="10300"/>
-  </dgm:catLst>
-  <dgm:styleLbl name="alignAcc1">
-    <dgm:fillClrLst meth="repeat">
-      <a:schemeClr val="lt2">
-        <a:alpha val="90000"/>
-      </a:schemeClr>
-    </dgm:fillClrLst>
-    <dgm:linClrLst meth="repeat">
-      <a:schemeClr val="dk2"/>
-    </dgm:linClrLst>
-    <dgm:effectClrLst/>
-    <dgm:txLinClrLst/>
-    <dgm:txFillClrLst meth="repeat">
-      <a:schemeClr val="dk1"/>
-    </dgm:txFillClrLst>
-    <dgm:txEffectClrLst/>
-  </dgm:styleLbl>
-  <dgm:styleLbl name="alignAccFollowNode1">
-    <dgm:fillClrLst meth="repeat">
-      <a:schemeClr val="dk2">
-        <a:alpha val="90000"/>
-        <a:tint val="40000"/>
-      </a:schemeClr>
-    </dgm:fillClrLst>
-    <dgm:linClrLst meth="repeat">
-      <a:schemeClr val="dk2">
-        <a:alpha val="90000"/>
-        <a:tint val="40000"/>
-      </a:schemeClr>
-    </dgm:linClrLst>
-    <dgm:effectClrLst/>
-    <dgm:txLinClrLst/>
-    <dgm:txFillClrLst meth="repeat">
-      <a:schemeClr val="dk1"/>
-    </dgm:txFillClrLst>
-    <dgm:txEffectClrLst/>
-  </dgm:styleLbl>
-  <dgm:styleLbl name="alignImgPlace1">
-    <dgm:fillClrLst meth="repeat">
-      <a:schemeClr val="dk2">
-        <a:tint val="50000"/>
-      </a:schemeClr>
-    </dgm:fillClrLst>
-    <dgm:linClrLst meth="repeat">
-      <a:schemeClr val="dk2">
-        <a:shade val="80000"/>
-      </a:schemeClr>
-    </dgm:linClrLst>
-    <dgm:effectClrLst/>
-    <dgm:txLinClrLst/>
-    <dgm:txFillClrLst meth="repeat">
-      <a:schemeClr val="lt2"/>
-    </dgm:txFillClrLst>
-    <dgm:txEffectClrLst/>
-  </dgm:styleLbl>
-  <dgm:styleLbl name="alignNode1">
-    <dgm:fillClrLst meth="repeat">
-      <a:schemeClr val="dk2"/>
-    </dgm:fillClrLst>
-    <dgm:linClrLst meth="repeat">
-      <a:schemeClr val="dk2"/>
-    </dgm:linClrLst>
-    <dgm:effectClrLst/>
-    <dgm:txLinClrLst/>
-    <dgm:txFillClrLst/>
-    <dgm:txEffectClrLst/>
-  </dgm:styleLbl>
-  <dgm:styleLbl name="asst0">
-    <dgm:fillClrLst meth="repeat">
-      <a:schemeClr val="dk2"/>
-    </dgm:fillClrLst>
-    <dgm:linClrLst meth="repeat">
-      <a:schemeClr val="lt2"/>
-    </dgm:linClrLst>
-    <dgm:effectClrLst/>
-    <dgm:txLinClrLst/>
-    <dgm:txFillClrLst/>
-    <dgm:txEffectClrLst/>
-  </dgm:styleLbl>
-  <dgm:styleLbl name="asst1">
-    <dgm:fillClrLst meth="repeat">
-      <a:schemeClr val="dk2"/>
-    </dgm:fillClrLst>
-    <dgm:linClrLst meth="repeat">
-      <a:schemeClr val="lt2"/>
-    </dgm:linClrLst>
-    <dgm:effectClrLst/>
-    <dgm:txLinClrLst/>
-    <dgm:txFillClrLst/>
-    <dgm:txEffectClrLst/>
-  </dgm:styleLbl>
-  <dgm:styleLbl name="asst2">
-    <dgm:fillClrLst meth="repeat">
-      <a:schemeClr val="dk2"/>
-    </dgm:fillClrLst>
-    <dgm:linClrLst meth="repeat">
-      <a:schemeClr val="lt2"/>
-    </dgm:linClrLst>
-    <dgm:effectClrLst/>
-    <dgm:txLinClrLst/>
-    <dgm:txFillClrLst/>
-    <dgm:txEffectClrLst/>
-  </dgm:styleLbl>
-  <dgm:styleLbl name="asst3">
-    <dgm:fillClrLst meth="repeat">
-      <a:schemeClr val="dk2"/>
-    </dgm:fillClrLst>
-    <dgm:linClrLst meth="repeat">
-      <a:schemeClr val="lt2"/>
-    </dgm:linClrLst>
-    <dgm:effectClrLst/>
-    <dgm:txLinClrLst/>
-    <dgm:txFillClrLst/>
-    <dgm:txEffectClrLst/>
-  </dgm:styleLbl>
-  <dgm:styleLbl name="asst4">
-    <dgm:fillClrLst meth="repeat">
-      <a:schemeClr val="dk2"/>
-    </dgm:fillClrLst>
-    <dgm:linClrLst meth="repeat">
-      <a:schemeClr val="lt2"/>
-    </dgm:linClrLst>
-    <dgm:effectClrLst/>
-    <dgm:txLinClrLst/>
-    <dgm:txFillClrLst/>
-    <dgm:txEffectClrLst/>
-  </dgm:styleLbl>
-  <dgm:styleLbl name="bgAcc1">
-    <dgm:fillClrLst meth="repeat">
-      <a:schemeClr val="lt2">
-        <a:alpha val="90000"/>
-      </a:schemeClr>
-    </dgm:fillClrLst>
-    <dgm:linClrLst meth="repeat">
-      <a:schemeClr val="dk2"/>
-    </dgm:linClrLst>
-    <dgm:effectClrLst/>
-    <dgm:txLinClrLst/>
-    <dgm:txFillClrLst meth="repeat">
-      <a:schemeClr val="dk1"/>
-    </dgm:txFillClrLst>
-    <dgm:txEffectClrLst/>
-  </dgm:styleLbl>
-  <dgm:styleLbl name="bgAccFollowNode1">
-    <dgm:fillClrLst meth="repeat">
-      <a:schemeClr val="dk2">
-        <a:alpha val="90000"/>
-        <a:tint val="40000"/>
-      </a:schemeClr>
-    </dgm:fillClrLst>
-    <dgm:linClrLst meth="repeat">
-      <a:schemeClr val="dk2">
-        <a:alpha val="90000"/>
-        <a:tint val="40000"/>
-      </a:schemeClr>
-    </dgm:linClrLst>
-    <dgm:effectClrLst/>
-    <dgm:txLinClrLst/>
-    <dgm:txFillClrLst meth="repeat">
-      <a:schemeClr val="dk1"/>
-    </dgm:txFillClrLst>
-    <dgm:txEffectClrLst/>
-  </dgm:styleLbl>
-  <dgm:styleLbl name="bgImgPlace1">
-    <dgm:fillClrLst meth="repeat">
-      <a:schemeClr val="dk2">
-        <a:tint val="50000"/>
-      </a:schemeClr>
-    </dgm:fillClrLst>
-    <dgm:linClrLst meth="repeat">
-      <a:schemeClr val="dk2">
-        <a:shade val="80000"/>
-      </a:schemeClr>
-    </dgm:linClrLst>
-    <dgm:effectClrLst/>
-    <dgm:txLinClrLst/>
-    <dgm:txFillClrLst meth="repeat">
-      <a:schemeClr val="lt2"/>
-    </dgm:txFillClrLst>
-    <dgm:txEffectClrLst/>
-  </dgm:styleLbl>
-  <dgm:styleLbl name="bgShp">
-    <dgm:fillClrLst meth="repeat">
-      <a:schemeClr val="dk2">
-        <a:tint val="40000"/>
-      </a:schemeClr>
-    </dgm:fillClrLst>
-    <dgm:linClrLst meth="repeat">
-      <a:schemeClr val="dk2"/>
-    </dgm:linClrLst>
-    <dgm:effectClrLst/>
-    <dgm:txLinClrLst/>
-    <dgm:txFillClrLst meth="repeat">
-      <a:schemeClr val="dk1"/>
-    </dgm:txFillClrLst>
-    <dgm:txEffectClrLst/>
-  </dgm:styleLbl>
-  <dgm:styleLbl name="bgSibTrans2D1">
-    <dgm:fillClrLst meth="repeat">
-      <a:schemeClr val="dk2">
-        <a:tint val="60000"/>
-      </a:schemeClr>
-    </dgm:fillClrLst>
-    <dgm:linClrLst meth="repeat">
-      <a:schemeClr val="dk2">
-        <a:tint val="60000"/>
-      </a:schemeClr>
-    </dgm:linClrLst>
-    <dgm:effectClrLst/>
-    <dgm:txLinClrLst/>
-    <dgm:txFillClrLst/>
-    <dgm:txEffectClrLst/>
-  </dgm:styleLbl>
-  <dgm:styleLbl name="callout">
-    <dgm:fillClrLst meth="repeat">
-      <a:schemeClr val="dk2"/>
-    </dgm:fillClrLst>
-    <dgm:linClrLst meth="repeat">
-      <a:schemeClr val="dk2">
-        <a:tint val="50000"/>
-      </a:schemeClr>
-    </dgm:linClrLst>
-    <dgm:effectClrLst/>
-    <dgm:txLinClrLst/>
-    <dgm:txFillClrLst meth="repeat">
-      <a:schemeClr val="lt2"/>
-    </dgm:txFillClrLst>
-    <dgm:txEffectClrLst/>
-  </dgm:styleLbl>
-  <dgm:styleLbl name="conFgAcc1">
-    <dgm:fillClrLst meth="repeat">
-      <a:schemeClr val="lt2">
-        <a:alpha val="90000"/>
-      </a:schemeClr>
-    </dgm:fillClrLst>
-    <dgm:linClrLst meth="repeat">
-      <a:schemeClr val="dk2"/>
-    </dgm:linClrLst>
-    <dgm:effectClrLst/>
-    <dgm:txLinClrLst/>
-    <dgm:txFillClrLst meth="repeat">
-      <a:schemeClr val="dk1"/>
-    </dgm:txFillClrLst>
-    <dgm:txEffectClrLst/>
-  </dgm:styleLbl>
-  <dgm:styleLbl name="dkBgShp">
-    <dgm:fillClrLst meth="repeat">
-      <a:schemeClr val="dk2">
-        <a:shade val="80000"/>
-      </a:schemeClr>
-    </dgm:fillClrLst>
-    <dgm:linClrLst meth="repeat">
-      <a:schemeClr val="dk2"/>
-    </dgm:linClrLst>
-    <dgm:effectClrLst/>
-    <dgm:txLinClrLst/>
-    <dgm:txFillClrLst meth="repeat">
-      <a:schemeClr val="lt1"/>
-    </dgm:txFillClrLst>
-    <dgm:txEffectClrLst/>
-  </dgm:styleLbl>
-  <dgm:styleLbl name="fgAcc0">
-    <dgm:fillClrLst meth="repeat">
-      <a:schemeClr val="lt2">
-        <a:alpha val="90000"/>
-      </a:schemeClr>
-    </dgm:fillClrLst>
-    <dgm:linClrLst meth="repeat">
-      <a:schemeClr val="dk2"/>
-    </dgm:linClrLst>
-    <dgm:effectClrLst/>
-    <dgm:txLinClrLst/>
-    <dgm:txFillClrLst meth="repeat">
-      <a:schemeClr val="dk1"/>
-    </dgm:txFillClrLst>
-    <dgm:txEffectClrLst/>
-  </dgm:styleLbl>
-  <dgm:styleLbl name="fgAcc1">
-    <dgm:fillClrLst meth="repeat">
-      <a:schemeClr val="lt2">
-        <a:alpha val="90000"/>
-      </a:schemeClr>
-    </dgm:fillClrLst>
-    <dgm:linClrLst meth="repeat">
-      <a:schemeClr val="dk2"/>
-    </dgm:linClrLst>
-    <dgm:effectClrLst/>
-    <dgm:txLinClrLst/>
-    <dgm:txFillClrLst meth="repeat">
-      <a:schemeClr val="dk1"/>
-    </dgm:txFillClrLst>
-    <dgm:txEffectClrLst/>
-  </dgm:styleLbl>
-  <dgm:styleLbl name="fgAcc2">
-    <dgm:fillClrLst meth="repeat">
-      <a:schemeClr val="lt2">
-        <a:alpha val="90000"/>
-      </a:schemeClr>
-    </dgm:fillClrLst>
-    <dgm:linClrLst meth="repeat">
-      <a:schemeClr val="dk2"/>
-    </dgm:linClrLst>
-    <dgm:effectClrLst/>
-    <dgm:txLinClrLst/>
-    <dgm:txFillClrLst meth="repeat">
-      <a:schemeClr val="dk1"/>
-    </dgm:txFillClrLst>
-    <dgm:txEffectClrLst/>
-  </dgm:styleLbl>
-  <dgm:styleLbl name="fgAcc3">
-    <dgm:fillClrLst meth="repeat">
-      <a:schemeClr val="lt2">
-        <a:alpha val="90000"/>
-      </a:schemeClr>
-    </dgm:fillClrLst>
-    <dgm:linClrLst meth="repeat">
-      <a:schemeClr val="dk2"/>
-    </dgm:linClrLst>
-    <dgm:effectClrLst/>
-    <dgm:txLinClrLst/>
-    <dgm:txFillClrLst meth="repeat">
-      <a:schemeClr val="dk1"/>
-    </dgm:txFillClrLst>
-    <dgm:txEffectClrLst/>
-  </dgm:styleLbl>
-  <dgm:styleLbl name="fgAcc4">
-    <dgm:fillClrLst meth="repeat">
-      <a:schemeClr val="lt2">
-        <a:alpha val="90000"/>
-      </a:schemeClr>
-    </dgm:fillClrLst>
-    <dgm:linClrLst meth="repeat">
-      <a:schemeClr val="dk2"/>
-    </dgm:linClrLst>
-    <dgm:effectClrLst/>
-    <dgm:txLinClrLst/>
-    <dgm:txFillClrLst meth="repeat">
-      <a:schemeClr val="dk1"/>
-    </dgm:txFillClrLst>
-    <dgm:txEffectClrLst/>
-  </dgm:styleLbl>
-  <dgm:styleLbl name="fgAccFollowNode1">
-    <dgm:fillClrLst meth="repeat">
-      <a:schemeClr val="dk2">
-        <a:alpha val="90000"/>
-        <a:tint val="40000"/>
-      </a:schemeClr>
-    </dgm:fillClrLst>
-    <dgm:linClrLst meth="repeat">
-      <a:schemeClr val="dk2">
-        <a:alpha val="90000"/>
-        <a:tint val="40000"/>
-      </a:schemeClr>
-    </dgm:linClrLst>
-    <dgm:effectClrLst/>
-    <dgm:txLinClrLst/>
-    <dgm:txFillClrLst meth="repeat">
-      <a:schemeClr val="dk1"/>
-    </dgm:txFillClrLst>
-    <dgm:txEffectClrLst/>
-  </dgm:styleLbl>
-  <dgm:styleLbl name="fgImgPlace1">
-    <dgm:fillClrLst meth="repeat">
-      <a:schemeClr val="dk2">
-        <a:tint val="50000"/>
-      </a:schemeClr>
-    </dgm:fillClrLst>
-    <dgm:linClrLst meth="repeat">
-      <a:schemeClr val="lt2"/>
-    </dgm:linClrLst>
-    <dgm:effectClrLst/>
-    <dgm:txLinClrLst/>
-    <dgm:txFillClrLst meth="repeat">
-      <a:schemeClr val="lt2"/>
-    </dgm:txFillClrLst>
-    <dgm:txEffectClrLst/>
-  </dgm:styleLbl>
-  <dgm:styleLbl name="fgShp">
-    <dgm:fillClrLst meth="repeat">
-      <a:schemeClr val="dk2">
-        <a:tint val="60000"/>
-      </a:schemeClr>
-    </dgm:fillClrLst>
-    <dgm:linClrLst meth="repeat">
-      <a:schemeClr val="lt2"/>
-    </dgm:linClrLst>
-    <dgm:effectClrLst/>
-    <dgm:txLinClrLst/>
-    <dgm:txFillClrLst meth="repeat">
-      <a:schemeClr val="dk1"/>
-    </dgm:txFillClrLst>
-    <dgm:txEffectClrLst/>
-  </dgm:styleLbl>
-  <dgm:styleLbl name="fgSibTrans2D1">
-    <dgm:fillClrLst meth="repeat">
-      <a:schemeClr val="dk2">
-        <a:tint val="60000"/>
-      </a:schemeClr>
-    </dgm:fillClrLst>
-    <dgm:linClrLst meth="repeat">
-      <a:schemeClr val="dk2">
-        <a:tint val="60000"/>
-      </a:schemeClr>
-    </dgm:linClrLst>
-    <dgm:effectClrLst/>
-    <dgm:txLinClrLst/>
-    <dgm:txFillClrLst/>
-    <dgm:txEffectClrLst/>
-  </dgm:styleLbl>
-  <dgm:styleLbl name="lnNode1">
-    <dgm:fillClrLst meth="repeat">
-      <a:schemeClr val="dk2"/>
-    </dgm:fillClrLst>
-    <dgm:linClrLst meth="repeat">
-      <a:schemeClr val="lt2"/>
-    </dgm:linClrLst>
-    <dgm:effectClrLst/>
-    <dgm:txLinClrLst/>
-    <dgm:txFillClrLst/>
-    <dgm:txEffectClrLst/>
-  </dgm:styleLbl>
-  <dgm:styleLbl name="node0">
-    <dgm:fillClrLst meth="repeat">
-      <a:schemeClr val="dk2"/>
-    </dgm:fillClrLst>
-    <dgm:linClrLst meth="repeat">
-      <a:schemeClr val="lt2"/>
-    </dgm:linClrLst>
-    <dgm:effectClrLst/>
-    <dgm:txLinClrLst/>
-    <dgm:txFillClrLst/>
-    <dgm:txEffectClrLst/>
-  </dgm:styleLbl>
-  <dgm:styleLbl name="node1">
-    <dgm:fillClrLst meth="repeat">
-      <a:schemeClr val="dk2"/>
-    </dgm:fillClrLst>
-    <dgm:linClrLst meth="repeat">
-      <a:schemeClr val="lt2"/>
-    </dgm:linClrLst>
-    <dgm:effectClrLst/>
-    <dgm:txLinClrLst/>
-    <dgm:txFillClrLst/>
-    <dgm:txEffectClrLst/>
-  </dgm:styleLbl>
-  <dgm:styleLbl name="node2">
-    <dgm:fillClrLst meth="repeat">
-      <a:schemeClr val="dk2"/>
-    </dgm:fillClrLst>
-    <dgm:linClrLst meth="repeat">
-      <a:schemeClr val="lt2"/>
-    </dgm:linClrLst>
-    <dgm:effectClrLst/>
-    <dgm:txLinClrLst/>
-    <dgm:txFillClrLst/>
-    <dgm:txEffectClrLst/>
-  </dgm:styleLbl>
-  <dgm:styleLbl name="node3">
-    <dgm:fillClrLst meth="repeat">
-      <a:schemeClr val="dk2"/>
-    </dgm:fillClrLst>
-    <dgm:linClrLst meth="repeat">
-      <a:schemeClr val="lt2"/>
-    </dgm:linClrLst>
-    <dgm:effectClrLst/>
-    <dgm:txLinClrLst/>
-    <dgm:txFillClrLst/>
-    <dgm:txEffectClrLst/>
-  </dgm:styleLbl>
-  <dgm:styleLbl name="node4">
-    <dgm:fillClrLst meth="repeat">
-      <a:schemeClr val="dk2"/>
-    </dgm:fillClrLst>
-    <dgm:linClrLst meth="repeat">
-      <a:schemeClr val="lt2"/>
-    </dgm:linClrLst>
-    <dgm:effectClrLst/>
-    <dgm:txLinClrLst/>
-    <dgm:txFillClrLst/>
-    <dgm:txEffectClrLst/>
-  </dgm:styleLbl>
-  <dgm:styleLbl name="parChTrans1D1">
-    <dgm:fillClrLst meth="repeat">
-      <a:schemeClr val="dk2"/>
-    </dgm:fillClrLst>
-    <dgm:linClrLst meth="repeat">
-      <a:schemeClr val="dk2">
-        <a:shade val="60000"/>
-      </a:schemeClr>
-    </dgm:linClrLst>
-    <dgm:effectClrLst/>
-    <dgm:txLinClrLst/>
-    <dgm:txFillClrLst meth="repeat">
-      <a:schemeClr val="tx1"/>
-    </dgm:txFillClrLst>
-    <dgm:txEffectClrLst/>
-  </dgm:styleLbl>
-  <dgm:styleLbl name="parChTrans1D2">
-    <dgm:fillClrLst meth="repeat">
-      <a:schemeClr val="dk2"/>
-    </dgm:fillClrLst>
-    <dgm:linClrLst meth="repeat">
-      <a:schemeClr val="dk2">
-        <a:shade val="60000"/>
-      </a:schemeClr>
-    </dgm:linClrLst>
-    <dgm:effectClrLst/>
-    <dgm:txLinClrLst/>
-    <dgm:txFillClrLst meth="repeat">
-      <a:schemeClr val="tx1"/>
-    </dgm:txFillClrLst>
-    <dgm:txEffectClrLst/>
-  </dgm:styleLbl>
-  <dgm:styleLbl name="parChTrans1D3">
-    <dgm:fillClrLst meth="repeat">
-      <a:schemeClr val="dk2"/>
-    </dgm:fillClrLst>
-    <dgm:linClrLst meth="repeat">
-      <a:schemeClr val="dk2">
-        <a:shade val="80000"/>
-      </a:schemeClr>
-    </dgm:linClrLst>
-    <dgm:effectClrLst/>
-    <dgm:txLinClrLst/>
-    <dgm:txFillClrLst meth="repeat">
-      <a:schemeClr val="tx1"/>
-    </dgm:txFillClrLst>
-    <dgm:txEffectClrLst/>
-  </dgm:styleLbl>
-  <dgm:styleLbl name="parChTrans1D4">
-    <dgm:fillClrLst meth="repeat">
-      <a:schemeClr val="dk2"/>
-    </dgm:fillClrLst>
-    <dgm:linClrLst meth="repeat">
-      <a:schemeClr val="dk2">
-        <a:shade val="80000"/>
-      </a:schemeClr>
-    </dgm:linClrLst>
-    <dgm:effectClrLst/>
-    <dgm:txLinClrLst/>
-    <dgm:txFillClrLst meth="repeat">
-      <a:schemeClr val="tx1"/>
-    </dgm:txFillClrLst>
-    <dgm:txEffectClrLst/>
-  </dgm:styleLbl>
-  <dgm:styleLbl name="parChTrans2D1">
-    <dgm:fillClrLst meth="repeat">
-      <a:schemeClr val="dk2">
-        <a:tint val="60000"/>
-      </a:schemeClr>
-    </dgm:fillClrLst>
-    <dgm:linClrLst meth="repeat">
-      <a:schemeClr val="dk2">
-        <a:tint val="60000"/>
-      </a:schemeClr>
-    </dgm:linClrLst>
-    <dgm:effectClrLst/>
-    <dgm:txLinClrLst/>
-    <dgm:txFillClrLst meth="repeat">
-      <a:schemeClr val="lt2"/>
-    </dgm:txFillClrLst>
-    <dgm:txEffectClrLst/>
-  </dgm:styleLbl>
-  <dgm:styleLbl name="parChTrans2D2">
-    <dgm:fillClrLst meth="repeat">
-      <a:schemeClr val="dk2"/>
-    </dgm:fillClrLst>
-    <dgm:linClrLst meth="repeat">
-      <a:schemeClr val="dk2"/>
-    </dgm:linClrLst>
-    <dgm:effectClrLst/>
-    <dgm:txLinClrLst/>
-    <dgm:txFillClrLst meth="repeat">
-      <a:schemeClr val="lt2"/>
-    </dgm:txFillClrLst>
-    <dgm:txEffectClrLst/>
-  </dgm:styleLbl>
-  <dgm:styleLbl name="parChTrans2D3">
-    <dgm:fillClrLst meth="repeat">
-      <a:schemeClr val="dk2"/>
-    </dgm:fillClrLst>
-    <dgm:linClrLst meth="repeat">
-      <a:schemeClr val="dk2"/>
-    </dgm:linClrLst>
-    <dgm:effectClrLst/>
-    <dgm:txLinClrLst/>
-    <dgm:txFillClrLst meth="repeat">
-      <a:schemeClr val="lt2"/>
-    </dgm:txFillClrLst>
-    <dgm:txEffectClrLst/>
-  </dgm:styleLbl>
-  <dgm:styleLbl name="parChTrans2D4">
-    <dgm:fillClrLst meth="repeat">
-      <a:schemeClr val="dk2"/>
-    </dgm:fillClrLst>
-    <dgm:linClrLst meth="repeat">
-      <a:schemeClr val="dk2"/>
-    </dgm:linClrLst>
-    <dgm:effectClrLst/>
-    <dgm:txLinClrLst/>
-    <dgm:txFillClrLst meth="repeat">
-      <a:schemeClr val="lt2"/>
-    </dgm:txFillClrLst>
-    <dgm:txEffectClrLst/>
-  </dgm:styleLbl>
-  <dgm:styleLbl name="revTx">
-    <dgm:fillClrLst meth="repeat">
-      <a:schemeClr val="lt2">
-        <a:alpha val="0"/>
-      </a:schemeClr>
-    </dgm:fillClrLst>
-    <dgm:linClrLst meth="repeat">
-      <a:schemeClr val="dk1">
-        <a:alpha val="0"/>
-      </a:schemeClr>
-    </dgm:linClrLst>
-    <dgm:effectClrLst/>
-    <dgm:txLinClrLst/>
-    <dgm:txFillClrLst meth="repeat">
-      <a:schemeClr val="tx1"/>
-    </dgm:txFillClrLst>
-    <dgm:txEffectClrLst/>
-  </dgm:styleLbl>
-  <dgm:styleLbl name="sibTrans1D1">
-    <dgm:fillClrLst meth="repeat">
-      <a:schemeClr val="dk2"/>
-    </dgm:fillClrLst>
-    <dgm:linClrLst meth="repeat">
-      <a:schemeClr val="dk2"/>
-    </dgm:linClrLst>
-    <dgm:effectClrLst/>
-    <dgm:txLinClrLst/>
-    <dgm:txFillClrLst meth="repeat">
-      <a:schemeClr val="lt2"/>
-    </dgm:txFillClrLst>
-    <dgm:txEffectClrLst/>
-  </dgm:styleLbl>
-  <dgm:styleLbl name="sibTrans2D1">
-    <dgm:fillClrLst meth="repeat">
-      <a:schemeClr val="dk2">
-        <a:tint val="60000"/>
-      </a:schemeClr>
-    </dgm:fillClrLst>
-    <dgm:linClrLst meth="repeat">
-      <a:schemeClr val="dk2">
-        <a:tint val="60000"/>
-      </a:schemeClr>
-    </dgm:linClrLst>
-    <dgm:effectClrLst/>
-    <dgm:txLinClrLst/>
-    <dgm:txFillClrLst/>
-    <dgm:txEffectClrLst/>
-  </dgm:styleLbl>
-  <dgm:styleLbl name="solidAlignAcc1">
-    <dgm:fillClrLst meth="repeat">
-      <a:schemeClr val="lt2"/>
-    </dgm:fillClrLst>
-    <dgm:linClrLst meth="repeat">
-      <a:schemeClr val="dk2"/>
-    </dgm:linClrLst>
-    <dgm:effectClrLst/>
-    <dgm:txLinClrLst/>
-    <dgm:txFillClrLst meth="repeat">
-      <a:schemeClr val="dk1"/>
-    </dgm:txFillClrLst>
-    <dgm:txEffectClrLst/>
-  </dgm:styleLbl>
-  <dgm:styleLbl name="solidBgAcc1">
-    <dgm:fillClrLst meth="repeat">
-      <a:schemeClr val="lt2"/>
-    </dgm:fillClrLst>
-    <dgm:linClrLst meth="repeat">
-      <a:schemeClr val="dk2"/>
-    </dgm:linClrLst>
-    <dgm:effectClrLst/>
-    <dgm:txLinClrLst/>
-    <dgm:txFillClrLst meth="repeat">
-      <a:schemeClr val="dk1"/>
-    </dgm:txFillClrLst>
-    <dgm:txEffectClrLst/>
-  </dgm:styleLbl>
-  <dgm:styleLbl name="solidFgAcc1">
-    <dgm:fillClrLst meth="repeat">
-      <a:schemeClr val="lt2"/>
-    </dgm:fillClrLst>
-    <dgm:linClrLst meth="repeat">
-      <a:schemeClr val="dk2"/>
-    </dgm:linClrLst>
-    <dgm:effectClrLst/>
-    <dgm:txLinClrLst/>
-    <dgm:txFillClrLst meth="repeat">
-      <a:schemeClr val="dk1"/>
-    </dgm:txFillClrLst>
-    <dgm:txEffectClrLst/>
-  </dgm:styleLbl>
-  <dgm:styleLbl name="trAlignAcc1">
-    <dgm:fillClrLst meth="repeat">
-      <a:schemeClr val="lt2">
-        <a:alpha val="40000"/>
-      </a:schemeClr>
-    </dgm:fillClrLst>
-    <dgm:linClrLst meth="repeat">
-      <a:schemeClr val="dk2"/>
-    </dgm:linClrLst>
-    <dgm:effectClrLst/>
-    <dgm:txLinClrLst/>
-    <dgm:txFillClrLst meth="repeat">
-      <a:schemeClr val="dk1"/>
-    </dgm:txFillClrLst>
-    <dgm:txEffectClrLst/>
-  </dgm:styleLbl>
-  <dgm:styleLbl name="trBgShp">
-    <dgm:fillClrLst meth="repeat">
-      <a:schemeClr val="dk2">
-        <a:tint val="50000"/>
-        <a:alpha val="40000"/>
-      </a:schemeClr>
-    </dgm:fillClrLst>
-    <dgm:linClrLst meth="repeat">
-      <a:schemeClr val="dk2"/>
-    </dgm:linClrLst>
-    <dgm:effectClrLst/>
-    <dgm:txLinClrLst/>
-    <dgm:txFillClrLst meth="repeat">
-      <a:schemeClr val="lt1"/>
-    </dgm:txFillClrLst>
-    <dgm:txEffectClrLst/>
-  </dgm:styleLbl>
-  <dgm:styleLbl name="vennNode1">
-    <dgm:fillClrLst meth="repeat">
-      <a:schemeClr val="dk2">
-        <a:alpha val="50000"/>
-      </a:schemeClr>
-    </dgm:fillClrLst>
-    <dgm:linClrLst meth="repeat">
-      <a:schemeClr val="lt2"/>
-    </dgm:linClrLst>
-    <dgm:effectClrLst/>
-    <dgm:txLinClrLst/>
-    <dgm:txFillClrLst/>
-    <dgm:txEffectClrLst/>
-  </dgm:styleLbl>
-</dgm:colorsDef>
-</file>
-
-<file path=ppt/diagrams/data1.xml><?xml version="1.0" encoding="utf-8"?>
-<dgm:dataModel xmlns:dgm="http://schemas.openxmlformats.org/drawingml/2006/diagram" xmlns:a="http://schemas.openxmlformats.org/drawingml/2006/main">
-  <dgm:ptLst>
-    <dgm:pt modelId="{DF9829FD-DD90-4EE7-BCD7-4AF299D6F45A}" type="doc">
-      <dgm:prSet loTypeId="process" loCatId="process" qsTypeId="urn:microsoft.com/office/officeart/2005/8/quickstyle/simple1" qsCatId="simple" csTypeId="urn:microsoft.com/office/officeart/2005/8/colors/accent0_3" csCatId="accent1" phldr="0"/>
-      <dgm:spPr/>
-      <dgm:t>
-        <a:bodyPr/>
-        <a:p>
-          <a:endParaRPr lang="en-US"/>
-        </a:p>
-      </dgm:t>
-    </dgm:pt>
-    <dgm:pt modelId="{FCC504F5-317D-4294-815B-28489BDC5845}">
-      <dgm:prSet phldrT="[Text]" phldr="0" custT="1"/>
-      <dgm:spPr/>
-      <dgm:t>
-        <a:bodyPr vert="horz" wrap="square"/>
-        <a:p>
-          <a:pPr>
-            <a:lnSpc>
-              <a:spcPct val="100000"/>
-            </a:lnSpc>
-            <a:spcBef>
-              <a:spcPct val="0"/>
-            </a:spcBef>
-            <a:spcAft>
-              <a:spcPct val="35000"/>
-            </a:spcAft>
-          </a:pPr>
-          <a:r>
-            <a:rPr lang="en-US" altLang="en-US" sz="1200"/>
-            <a:t>Product </a:t>
-          </a:r>
-          <a:r>
-            <a:rPr lang="en-US" altLang="en-US" sz="1200"/>
-            <a:t>Design</a:t>
-          </a:r>
-          <a:r>
-            <a:rPr lang="en-US" altLang="en-US" sz="1200"/>
-            <a:t/>
-          </a:r>
-          <a:endParaRPr lang="en-US" altLang="en-US" sz="1200"/>
-        </a:p>
-      </dgm:t>
-    </dgm:pt>
-    <dgm:pt modelId="{8F05BE86-1921-41BD-B82E-72272E9475E9}" cxnId="{8E0B9B41-9252-4873-89DA-F051CCC6C646}" type="parTrans">
-      <dgm:prSet/>
-      <dgm:spPr/>
-      <dgm:t>
-        <a:bodyPr/>
-        <a:p>
-          <a:endParaRPr lang="en-US"/>
-        </a:p>
-      </dgm:t>
-    </dgm:pt>
-    <dgm:pt modelId="{67223200-D196-44B3-9DFD-D095DDBC10AB}" cxnId="{8E0B9B41-9252-4873-89DA-F051CCC6C646}" type="sibTrans">
-      <dgm:prSet/>
-      <dgm:spPr/>
-      <dgm:t>
-        <a:bodyPr/>
-        <a:p>
-          <a:endParaRPr lang="en-US"/>
-        </a:p>
-      </dgm:t>
-    </dgm:pt>
-    <dgm:pt modelId="{F3F66F6A-184E-4CBB-A544-AC2BF2A74FC0}">
-      <dgm:prSet phldrT="[Text]" phldr="0" custT="1"/>
-      <dgm:spPr/>
-      <dgm:t>
-        <a:bodyPr vert="horz" wrap="square"/>
-        <a:p>
-          <a:pPr>
-            <a:lnSpc>
-              <a:spcPct val="100000"/>
-            </a:lnSpc>
-            <a:spcBef>
-              <a:spcPct val="0"/>
-            </a:spcBef>
-            <a:spcAft>
-              <a:spcPct val="15000"/>
-            </a:spcAft>
-          </a:pPr>
-          <a:r>
-            <a:rPr lang="en-US" altLang="en-US" sz="1400"/>
-            <a:t>fluid structure coupling</a:t>
-          </a:r>
-          <a:r>
-            <a:rPr lang="en-US" sz="1400"/>
-            <a:t/>
-          </a:r>
-          <a:endParaRPr lang="en-US" sz="1400"/>
-        </a:p>
-      </dgm:t>
-    </dgm:pt>
-    <dgm:pt modelId="{7A0C70B0-5DAE-45AB-9915-863AC3FA4D2D}" cxnId="{FFC29832-6D31-4EF2-B5EF-70855AFFB306}" type="parTrans">
-      <dgm:prSet/>
-      <dgm:spPr/>
-      <dgm:t>
-        <a:bodyPr/>
-        <a:p>
-          <a:endParaRPr lang="en-US"/>
-        </a:p>
-      </dgm:t>
-    </dgm:pt>
-    <dgm:pt modelId="{47DD308A-8526-455B-A37F-FEE2CC1C75AF}" cxnId="{FFC29832-6D31-4EF2-B5EF-70855AFFB306}" type="sibTrans">
-      <dgm:prSet/>
-      <dgm:spPr/>
-      <dgm:t>
-        <a:bodyPr/>
-        <a:p>
-          <a:endParaRPr lang="en-US"/>
-        </a:p>
-      </dgm:t>
-    </dgm:pt>
-    <dgm:pt modelId="{13B30D4F-CCF0-4B5F-B083-F43D49A1739A}">
-      <dgm:prSet phldr="0" custT="1"/>
-      <dgm:spPr/>
-      <dgm:t>
-        <a:bodyPr vert="horz" wrap="square"/>
-        <a:p>
-          <a:pPr>
-            <a:lnSpc>
-              <a:spcPct val="100000"/>
-            </a:lnSpc>
-            <a:spcBef>
-              <a:spcPct val="0"/>
-            </a:spcBef>
-            <a:spcAft>
-              <a:spcPct val="15000"/>
-            </a:spcAft>
-          </a:pPr>
-          <a:r>
-            <a:rPr lang="en-US" altLang="en-US" sz="1400"/>
-            <a:t>system simulation</a:t>
-          </a:r>
-          <a:r>
-            <a:rPr lang="en-US" altLang="en-US" sz="1400"/>
-            <a:t/>
-          </a:r>
-          <a:endParaRPr lang="en-US" altLang="en-US" sz="1400"/>
-        </a:p>
-      </dgm:t>
-    </dgm:pt>
-    <dgm:pt modelId="{77630EE1-9C73-4909-99D7-359579875EF0}" cxnId="{BBB76887-FA8A-446D-B672-016871D1BDA9}" type="parTrans">
-      <dgm:prSet/>
-      <dgm:spPr/>
-    </dgm:pt>
-    <dgm:pt modelId="{0CB27D06-B6F2-4BD2-9D0F-82114CA6C4A6}" cxnId="{BBB76887-FA8A-446D-B672-016871D1BDA9}" type="sibTrans">
-      <dgm:prSet/>
-      <dgm:spPr/>
-    </dgm:pt>
-    <dgm:pt modelId="{780FAED3-C4BD-4FF1-8B67-8499CCFAE2ED}">
-      <dgm:prSet phldrT="[Text]" phldr="0" custT="1"/>
-      <dgm:spPr/>
-      <dgm:t>
-        <a:bodyPr vert="horz" wrap="square"/>
-        <a:p>
-          <a:pPr>
-            <a:lnSpc>
-              <a:spcPct val="100000"/>
-            </a:lnSpc>
-            <a:spcBef>
-              <a:spcPct val="0"/>
-            </a:spcBef>
-            <a:spcAft>
-              <a:spcPct val="35000"/>
-            </a:spcAft>
-          </a:pPr>
-          <a:r>
-            <a:rPr lang="en-US" altLang="en-US" sz="1200"/>
-            <a:t>Manufacturing</a:t>
-          </a:r>
-          <a:r>
-            <a:rPr lang="en-US" altLang="en-US" sz="1200"/>
-            <a:t/>
-          </a:r>
-          <a:endParaRPr lang="en-US" altLang="en-US" sz="1200"/>
-        </a:p>
-      </dgm:t>
-    </dgm:pt>
-    <dgm:pt modelId="{88C57C74-C9C4-46CF-A10B-13A1A1E7714C}" cxnId="{DF64B4B7-B473-4A09-BC81-BEFAEA94B099}" type="parTrans">
-      <dgm:prSet/>
-      <dgm:spPr/>
-      <dgm:t>
-        <a:bodyPr/>
-        <a:p>
-          <a:endParaRPr lang="en-US"/>
-        </a:p>
-      </dgm:t>
-    </dgm:pt>
-    <dgm:pt modelId="{34435F2A-D730-405E-99D5-BBC9FB7499FA}" cxnId="{DF64B4B7-B473-4A09-BC81-BEFAEA94B099}" type="sibTrans">
-      <dgm:prSet/>
-      <dgm:spPr/>
-      <dgm:t>
-        <a:bodyPr/>
-        <a:p>
-          <a:endParaRPr lang="en-US"/>
-        </a:p>
-      </dgm:t>
-    </dgm:pt>
-    <dgm:pt modelId="{3E6D5D4F-935E-467F-A6CA-DFB49E904BF2}">
-      <dgm:prSet phldrT="[Text]" phldr="0" custT="1"/>
-      <dgm:spPr/>
-      <dgm:t>
-        <a:bodyPr vert="horz" wrap="square"/>
-        <a:p>
-          <a:pPr>
-            <a:lnSpc>
-              <a:spcPct val="100000"/>
-            </a:lnSpc>
-            <a:spcBef>
-              <a:spcPct val="0"/>
-            </a:spcBef>
-            <a:spcAft>
-              <a:spcPct val="15000"/>
-            </a:spcAft>
-          </a:pPr>
-          <a:r>
-            <a:rPr lang="en-US" altLang="en-US" sz="1400"/>
-            <a:t>addative manufacturing</a:t>
-          </a:r>
-          <a:r>
-            <a:rPr lang="en-US" sz="1400"/>
-            <a:t/>
-          </a:r>
-          <a:endParaRPr lang="en-US" sz="1400"/>
-        </a:p>
-      </dgm:t>
-    </dgm:pt>
-    <dgm:pt modelId="{DFE6860A-9AF6-4E3A-8810-968954321458}" cxnId="{CF9CD718-55E3-4524-9552-853042CE5EB5}" type="parTrans">
-      <dgm:prSet/>
-      <dgm:spPr/>
-      <dgm:t>
-        <a:bodyPr/>
-        <a:p>
-          <a:endParaRPr lang="en-US"/>
-        </a:p>
-      </dgm:t>
-    </dgm:pt>
-    <dgm:pt modelId="{F6E211F9-5728-4C1B-B4EC-036ED0730A63}" cxnId="{CF9CD718-55E3-4524-9552-853042CE5EB5}" type="sibTrans">
-      <dgm:prSet/>
-      <dgm:spPr/>
-      <dgm:t>
-        <a:bodyPr/>
-        <a:p>
-          <a:endParaRPr lang="en-US"/>
-        </a:p>
-      </dgm:t>
-    </dgm:pt>
-    <dgm:pt modelId="{49F47759-5728-452C-B39F-CD69E73675CC}">
-      <dgm:prSet phldr="0" custT="1"/>
-      <dgm:spPr/>
-      <dgm:t>
-        <a:bodyPr vert="horz" wrap="square"/>
-        <a:p>
-          <a:pPr>
-            <a:lnSpc>
-              <a:spcPct val="100000"/>
-            </a:lnSpc>
-            <a:spcBef>
-              <a:spcPct val="0"/>
-            </a:spcBef>
-            <a:spcAft>
-              <a:spcPct val="15000"/>
-            </a:spcAft>
-          </a:pPr>
-          <a:r>
-            <a:rPr lang="en-US" altLang="en-US" sz="1400"/>
-            <a:t>3d scanner</a:t>
-          </a:r>
-          <a:r>
-            <a:rPr lang="en-US" altLang="en-US" sz="1400"/>
-            <a:t/>
-          </a:r>
-          <a:endParaRPr lang="en-US" altLang="en-US" sz="1400"/>
-        </a:p>
-      </dgm:t>
-    </dgm:pt>
-    <dgm:pt modelId="{4A7CD7B4-827E-48BB-8EB6-C13AF89EAF1F}" cxnId="{EBF68CF4-E084-4DF8-AA98-A863BBF369D7}" type="parTrans">
-      <dgm:prSet/>
-      <dgm:spPr/>
-    </dgm:pt>
-    <dgm:pt modelId="{DA9B9611-118A-404C-AFA1-C6456D6C0739}" cxnId="{EBF68CF4-E084-4DF8-AA98-A863BBF369D7}" type="sibTrans">
-      <dgm:prSet/>
-      <dgm:spPr/>
-    </dgm:pt>
-    <dgm:pt modelId="{1D70B282-9875-47E1-864B-0DB9F83A3309}">
-      <dgm:prSet phldrT="[Text]" phldr="0" custT="1"/>
-      <dgm:spPr/>
-      <dgm:t>
-        <a:bodyPr vert="horz" wrap="square"/>
-        <a:p>
-          <a:pPr>
-            <a:lnSpc>
-              <a:spcPct val="100000"/>
-            </a:lnSpc>
-            <a:spcBef>
-              <a:spcPct val="0"/>
-            </a:spcBef>
-            <a:spcAft>
-              <a:spcPct val="35000"/>
-            </a:spcAft>
-          </a:pPr>
-          <a:r>
-            <a:rPr lang="en-US" altLang="en-US" sz="1200"/>
-            <a:t>Operation</a:t>
-          </a:r>
-          <a:r>
-            <a:rPr lang="en-US" altLang="en-US" sz="1200"/>
-            <a:t/>
-          </a:r>
-          <a:endParaRPr lang="en-US" altLang="en-US" sz="1200"/>
-        </a:p>
-      </dgm:t>
-    </dgm:pt>
-    <dgm:pt modelId="{4682E278-8387-4875-A48B-989607C0A09E}" cxnId="{2976F9EF-9C9C-4818-97AF-BA7CDBDCDD70}" type="parTrans">
-      <dgm:prSet/>
-      <dgm:spPr/>
-      <dgm:t>
-        <a:bodyPr/>
-        <a:p>
-          <a:endParaRPr lang="en-US"/>
-        </a:p>
-      </dgm:t>
-    </dgm:pt>
-    <dgm:pt modelId="{DF77052B-043C-4E4A-8039-9D1D7DFB40F4}" cxnId="{2976F9EF-9C9C-4818-97AF-BA7CDBDCDD70}" type="sibTrans">
-      <dgm:prSet/>
-      <dgm:spPr/>
-      <dgm:t>
-        <a:bodyPr/>
-        <a:p>
-          <a:endParaRPr lang="en-US"/>
-        </a:p>
-      </dgm:t>
-    </dgm:pt>
-    <dgm:pt modelId="{30BE85C4-8BB0-4C0C-B58F-618B83FFA907}">
-      <dgm:prSet phldrT="[Text]" phldr="0" custT="1"/>
-      <dgm:spPr/>
-      <dgm:t>
-        <a:bodyPr vert="horz" wrap="square"/>
-        <a:p>
-          <a:pPr>
-            <a:lnSpc>
-              <a:spcPct val="100000"/>
-            </a:lnSpc>
-            <a:spcBef>
-              <a:spcPct val="0"/>
-            </a:spcBef>
-            <a:spcAft>
-              <a:spcPct val="15000"/>
-            </a:spcAft>
-          </a:pPr>
-          <a:r>
-            <a:rPr lang="en-US" altLang="en-US" sz="1400"/>
-            <a:t>Educational Wind Tunnel</a:t>
-          </a:r>
-          <a:r>
-            <a:rPr lang="en-US" sz="1400"/>
-            <a:t/>
-          </a:r>
-          <a:endParaRPr lang="en-US" sz="1400"/>
-        </a:p>
-      </dgm:t>
-    </dgm:pt>
-    <dgm:pt modelId="{99A19955-80B2-46DE-B74C-C0C8C4D708F2}" cxnId="{F40AC68E-FABF-4ED9-9C4E-8B536DA844B0}" type="parTrans">
-      <dgm:prSet/>
-      <dgm:spPr/>
-      <dgm:t>
-        <a:bodyPr/>
-        <a:p>
-          <a:endParaRPr lang="en-US"/>
-        </a:p>
-      </dgm:t>
-    </dgm:pt>
-    <dgm:pt modelId="{CB48F5C6-507D-451D-9B2B-7C607BFEAF95}" cxnId="{F40AC68E-FABF-4ED9-9C4E-8B536DA844B0}" type="sibTrans">
-      <dgm:prSet/>
-      <dgm:spPr/>
-      <dgm:t>
-        <a:bodyPr/>
-        <a:p>
-          <a:endParaRPr lang="en-US"/>
-        </a:p>
-      </dgm:t>
-    </dgm:pt>
-    <dgm:pt modelId="{CDDD87BA-3462-4A29-ADA1-BF1FFADE547C}">
-      <dgm:prSet phldr="0" custT="1"/>
-      <dgm:spPr/>
-      <dgm:t>
-        <a:bodyPr vert="horz" wrap="square"/>
-        <a:p>
-          <a:pPr>
-            <a:lnSpc>
-              <a:spcPct val="100000"/>
-            </a:lnSpc>
-            <a:spcBef>
-              <a:spcPct val="0"/>
-            </a:spcBef>
-            <a:spcAft>
-              <a:spcPct val="15000"/>
-            </a:spcAft>
-          </a:pPr>
-          <a:r>
-            <a:rPr lang="en-US" altLang="en-US" sz="1400"/>
-            <a:t>ARM cluster</a:t>
-          </a:r>
-          <a:r>
-            <a:rPr lang="en-US" altLang="en-US" sz="1400"/>
-            <a:t/>
-          </a:r>
-          <a:endParaRPr lang="en-US" altLang="en-US" sz="1400"/>
-        </a:p>
-      </dgm:t>
-    </dgm:pt>
-    <dgm:pt modelId="{EC37F040-29EB-4AF6-91FF-7E7A92A7C237}" cxnId="{D81B28D1-0D23-440A-94A7-2D465865E279}" type="parTrans">
-      <dgm:prSet/>
-      <dgm:spPr/>
-    </dgm:pt>
-    <dgm:pt modelId="{AFF3764D-5EA6-4128-8B5E-675858F15A67}" cxnId="{D81B28D1-0D23-440A-94A7-2D465865E279}" type="sibTrans">
-      <dgm:prSet/>
-      <dgm:spPr/>
-    </dgm:pt>
-    <dgm:pt modelId="{7BB0B505-7D43-42E4-8FC0-6C91316CBFEB}" type="pres">
-      <dgm:prSet presAssocID="{DF9829FD-DD90-4EE7-BCD7-4AF299D6F45A}" presName="linearFlow" presStyleCnt="0">
-        <dgm:presLayoutVars>
-          <dgm:dir/>
-          <dgm:animLvl val="lvl"/>
-          <dgm:resizeHandles val="exact"/>
-        </dgm:presLayoutVars>
-      </dgm:prSet>
-      <dgm:spPr/>
-    </dgm:pt>
-    <dgm:pt modelId="{97F2BEE4-0E0F-4FCA-A4B0-E20AD8C04C13}" type="pres">
-      <dgm:prSet presAssocID="{FCC504F5-317D-4294-815B-28489BDC5845}" presName="composite" presStyleCnt="0"/>
-      <dgm:spPr/>
-    </dgm:pt>
-    <dgm:pt modelId="{A16E3110-57E1-4619-A55C-DCD0DD5CE084}" type="pres">
-      <dgm:prSet presAssocID="{FCC504F5-317D-4294-815B-28489BDC5845}" presName="parentText" presStyleLbl="alignNode1" presStyleIdx="0" presStyleCnt="3">
-        <dgm:presLayoutVars>
-          <dgm:chMax val="1"/>
-          <dgm:bulletEnabled val="1"/>
-        </dgm:presLayoutVars>
-      </dgm:prSet>
-      <dgm:spPr/>
-    </dgm:pt>
-    <dgm:pt modelId="{544D3F38-216B-445A-B1B9-8008AEDB7A9D}" type="pres">
-      <dgm:prSet presAssocID="{FCC504F5-317D-4294-815B-28489BDC5845}" presName="descendantText" presStyleLbl="alignAcc1" presStyleIdx="0" presStyleCnt="3">
-        <dgm:presLayoutVars>
-          <dgm:bulletEnabled val="1"/>
-        </dgm:presLayoutVars>
-      </dgm:prSet>
-      <dgm:spPr/>
-    </dgm:pt>
-    <dgm:pt modelId="{D3A691E5-F443-4F8D-81BB-9D15C0875E8C}" type="pres">
-      <dgm:prSet presAssocID="{67223200-D196-44B3-9DFD-D095DDBC10AB}" presName="sp" presStyleCnt="0"/>
-      <dgm:spPr/>
-    </dgm:pt>
-    <dgm:pt modelId="{D4BECBBB-7CE2-4791-839D-9FE6F36B775D}" type="pres">
-      <dgm:prSet presAssocID="{780FAED3-C4BD-4FF1-8B67-8499CCFAE2ED}" presName="composite" presStyleCnt="0"/>
-      <dgm:spPr/>
-    </dgm:pt>
-    <dgm:pt modelId="{722E1094-83C7-45E2-B20F-DB9D09AD94F0}" type="pres">
-      <dgm:prSet presAssocID="{780FAED3-C4BD-4FF1-8B67-8499CCFAE2ED}" presName="parentText" presStyleLbl="alignNode1" presStyleIdx="1" presStyleCnt="3">
-        <dgm:presLayoutVars>
-          <dgm:chMax val="1"/>
-          <dgm:bulletEnabled val="1"/>
-        </dgm:presLayoutVars>
-      </dgm:prSet>
-      <dgm:spPr/>
-    </dgm:pt>
-    <dgm:pt modelId="{AC67BBE6-9B82-4D3D-BF22-48713AF46E9C}" type="pres">
-      <dgm:prSet presAssocID="{780FAED3-C4BD-4FF1-8B67-8499CCFAE2ED}" presName="descendantText" presStyleLbl="alignAcc1" presStyleIdx="1" presStyleCnt="3">
-        <dgm:presLayoutVars>
-          <dgm:bulletEnabled val="1"/>
-        </dgm:presLayoutVars>
-      </dgm:prSet>
-      <dgm:spPr/>
-    </dgm:pt>
-    <dgm:pt modelId="{5C381A65-34D3-41B1-9499-0884AAA35FC6}" type="pres">
-      <dgm:prSet presAssocID="{34435F2A-D730-405E-99D5-BBC9FB7499FA}" presName="sp" presStyleCnt="0"/>
-      <dgm:spPr/>
-    </dgm:pt>
-    <dgm:pt modelId="{C1BF0EA4-CB4D-4391-82EF-EC1874A282F9}" type="pres">
-      <dgm:prSet presAssocID="{1D70B282-9875-47E1-864B-0DB9F83A3309}" presName="composite" presStyleCnt="0"/>
-      <dgm:spPr/>
-    </dgm:pt>
-    <dgm:pt modelId="{95C8A2DE-C1F8-4D5A-A3A4-1DC2FA1C0073}" type="pres">
-      <dgm:prSet presAssocID="{1D70B282-9875-47E1-864B-0DB9F83A3309}" presName="parentText" presStyleLbl="alignNode1" presStyleIdx="2" presStyleCnt="3">
-        <dgm:presLayoutVars>
-          <dgm:chMax val="1"/>
-          <dgm:bulletEnabled val="1"/>
-        </dgm:presLayoutVars>
-      </dgm:prSet>
-      <dgm:spPr/>
-    </dgm:pt>
-    <dgm:pt modelId="{BE17FEF5-EEE1-41BB-96FD-8FBB3FCF3860}" type="pres">
-      <dgm:prSet presAssocID="{1D70B282-9875-47E1-864B-0DB9F83A3309}" presName="descendantText" presStyleLbl="alignAcc1" presStyleIdx="2" presStyleCnt="3">
-        <dgm:presLayoutVars>
-          <dgm:bulletEnabled val="1"/>
-        </dgm:presLayoutVars>
-      </dgm:prSet>
-      <dgm:spPr/>
-    </dgm:pt>
-  </dgm:ptLst>
-  <dgm:cxnLst>
-    <dgm:cxn modelId="{8E0B9B41-9252-4873-89DA-F051CCC6C646}" srcId="{DF9829FD-DD90-4EE7-BCD7-4AF299D6F45A}" destId="{FCC504F5-317D-4294-815B-28489BDC5845}" srcOrd="0" destOrd="0" parTransId="{8F05BE86-1921-41BD-B82E-72272E9475E9}" sibTransId="{67223200-D196-44B3-9DFD-D095DDBC10AB}"/>
-    <dgm:cxn modelId="{FFC29832-6D31-4EF2-B5EF-70855AFFB306}" srcId="{FCC504F5-317D-4294-815B-28489BDC5845}" destId="{F3F66F6A-184E-4CBB-A544-AC2BF2A74FC0}" srcOrd="0" destOrd="0" parTransId="{7A0C70B0-5DAE-45AB-9915-863AC3FA4D2D}" sibTransId="{47DD308A-8526-455B-A37F-FEE2CC1C75AF}"/>
-    <dgm:cxn modelId="{BBB76887-FA8A-446D-B672-016871D1BDA9}" srcId="{FCC504F5-317D-4294-815B-28489BDC5845}" destId="{13B30D4F-CCF0-4B5F-B083-F43D49A1739A}" srcOrd="1" destOrd="0" parTransId="{77630EE1-9C73-4909-99D7-359579875EF0}" sibTransId="{0CB27D06-B6F2-4BD2-9D0F-82114CA6C4A6}"/>
-    <dgm:cxn modelId="{DF64B4B7-B473-4A09-BC81-BEFAEA94B099}" srcId="{DF9829FD-DD90-4EE7-BCD7-4AF299D6F45A}" destId="{780FAED3-C4BD-4FF1-8B67-8499CCFAE2ED}" srcOrd="1" destOrd="0" parTransId="{88C57C74-C9C4-46CF-A10B-13A1A1E7714C}" sibTransId="{34435F2A-D730-405E-99D5-BBC9FB7499FA}"/>
-    <dgm:cxn modelId="{CF9CD718-55E3-4524-9552-853042CE5EB5}" srcId="{780FAED3-C4BD-4FF1-8B67-8499CCFAE2ED}" destId="{3E6D5D4F-935E-467F-A6CA-DFB49E904BF2}" srcOrd="0" destOrd="1" parTransId="{DFE6860A-9AF6-4E3A-8810-968954321458}" sibTransId="{F6E211F9-5728-4C1B-B4EC-036ED0730A63}"/>
-    <dgm:cxn modelId="{EBF68CF4-E084-4DF8-AA98-A863BBF369D7}" srcId="{780FAED3-C4BD-4FF1-8B67-8499CCFAE2ED}" destId="{49F47759-5728-452C-B39F-CD69E73675CC}" srcOrd="1" destOrd="1" parTransId="{4A7CD7B4-827E-48BB-8EB6-C13AF89EAF1F}" sibTransId="{DA9B9611-118A-404C-AFA1-C6456D6C0739}"/>
-    <dgm:cxn modelId="{2976F9EF-9C9C-4818-97AF-BA7CDBDCDD70}" srcId="{DF9829FD-DD90-4EE7-BCD7-4AF299D6F45A}" destId="{1D70B282-9875-47E1-864B-0DB9F83A3309}" srcOrd="2" destOrd="0" parTransId="{4682E278-8387-4875-A48B-989607C0A09E}" sibTransId="{DF77052B-043C-4E4A-8039-9D1D7DFB40F4}"/>
-    <dgm:cxn modelId="{F40AC68E-FABF-4ED9-9C4E-8B536DA844B0}" srcId="{1D70B282-9875-47E1-864B-0DB9F83A3309}" destId="{30BE85C4-8BB0-4C0C-B58F-618B83FFA907}" srcOrd="0" destOrd="2" parTransId="{99A19955-80B2-46DE-B74C-C0C8C4D708F2}" sibTransId="{CB48F5C6-507D-451D-9B2B-7C607BFEAF95}"/>
-    <dgm:cxn modelId="{D81B28D1-0D23-440A-94A7-2D465865E279}" srcId="{1D70B282-9875-47E1-864B-0DB9F83A3309}" destId="{CDDD87BA-3462-4A29-ADA1-BF1FFADE547C}" srcOrd="1" destOrd="2" parTransId="{EC37F040-29EB-4AF6-91FF-7E7A92A7C237}" sibTransId="{AFF3764D-5EA6-4128-8B5E-675858F15A67}"/>
-    <dgm:cxn modelId="{AC8C4F54-36F7-413F-9836-1AF9234AC84D}" type="presOf" srcId="{DF9829FD-DD90-4EE7-BCD7-4AF299D6F45A}" destId="{7BB0B505-7D43-42E4-8FC0-6C91316CBFEB}" srcOrd="0" destOrd="0" presId="urn:microsoft.com/office/officeart/2005/8/layout/chevron2"/>
-    <dgm:cxn modelId="{95EA1639-67F8-4CFE-BAF1-63E7F930FC0F}" type="presParOf" srcId="{7BB0B505-7D43-42E4-8FC0-6C91316CBFEB}" destId="{97F2BEE4-0E0F-4FCA-A4B0-E20AD8C04C13}" srcOrd="0" destOrd="0" presId="urn:microsoft.com/office/officeart/2005/8/layout/chevron2"/>
-    <dgm:cxn modelId="{3406D402-50E6-4610-9E4D-6A346F60B67F}" type="presParOf" srcId="{97F2BEE4-0E0F-4FCA-A4B0-E20AD8C04C13}" destId="{A16E3110-57E1-4619-A55C-DCD0DD5CE084}" srcOrd="0" destOrd="0" presId="urn:microsoft.com/office/officeart/2005/8/layout/chevron2"/>
-    <dgm:cxn modelId="{CA125A90-5BA9-4560-B803-98CCD0557F77}" type="presOf" srcId="{FCC504F5-317D-4294-815B-28489BDC5845}" destId="{A16E3110-57E1-4619-A55C-DCD0DD5CE084}" srcOrd="0" destOrd="0" presId="urn:microsoft.com/office/officeart/2005/8/layout/chevron2"/>
-    <dgm:cxn modelId="{42A60125-90E8-44DD-B17D-8F6821ADC669}" type="presParOf" srcId="{97F2BEE4-0E0F-4FCA-A4B0-E20AD8C04C13}" destId="{544D3F38-216B-445A-B1B9-8008AEDB7A9D}" srcOrd="1" destOrd="0" presId="urn:microsoft.com/office/officeart/2005/8/layout/chevron2"/>
-    <dgm:cxn modelId="{FCB8CCBD-031F-4C52-8A02-966C728FB410}" type="presOf" srcId="{F3F66F6A-184E-4CBB-A544-AC2BF2A74FC0}" destId="{544D3F38-216B-445A-B1B9-8008AEDB7A9D}" srcOrd="0" destOrd="0" presId="urn:microsoft.com/office/officeart/2005/8/layout/chevron2"/>
-    <dgm:cxn modelId="{342BF72E-180A-4146-A426-27183A8F36CF}" type="presOf" srcId="{13B30D4F-CCF0-4B5F-B083-F43D49A1739A}" destId="{544D3F38-216B-445A-B1B9-8008AEDB7A9D}" srcOrd="0" destOrd="1" presId="urn:microsoft.com/office/officeart/2005/8/layout/chevron2"/>
-    <dgm:cxn modelId="{A9A5B87D-6667-40E7-BD08-9B36E51E3DDA}" type="presParOf" srcId="{7BB0B505-7D43-42E4-8FC0-6C91316CBFEB}" destId="{D3A691E5-F443-4F8D-81BB-9D15C0875E8C}" srcOrd="1" destOrd="0" presId="urn:microsoft.com/office/officeart/2005/8/layout/chevron2"/>
-    <dgm:cxn modelId="{20B178C3-7A42-4088-BF81-1B1B5BB646B2}" type="presOf" srcId="{67223200-D196-44B3-9DFD-D095DDBC10AB}" destId="{D3A691E5-F443-4F8D-81BB-9D15C0875E8C}" srcOrd="0" destOrd="0" presId="urn:microsoft.com/office/officeart/2005/8/layout/chevron2"/>
-    <dgm:cxn modelId="{9B13CF26-74C2-4F47-A4F5-6AF1E7493283}" type="presParOf" srcId="{7BB0B505-7D43-42E4-8FC0-6C91316CBFEB}" destId="{D4BECBBB-7CE2-4791-839D-9FE6F36B775D}" srcOrd="2" destOrd="0" presId="urn:microsoft.com/office/officeart/2005/8/layout/chevron2"/>
-    <dgm:cxn modelId="{4624037E-E99A-4E7D-AC2C-4B215874EC74}" type="presParOf" srcId="{D4BECBBB-7CE2-4791-839D-9FE6F36B775D}" destId="{722E1094-83C7-45E2-B20F-DB9D09AD94F0}" srcOrd="0" destOrd="2" presId="urn:microsoft.com/office/officeart/2005/8/layout/chevron2"/>
-    <dgm:cxn modelId="{7BA04539-191C-429E-B9DE-F57989798B1F}" type="presOf" srcId="{780FAED3-C4BD-4FF1-8B67-8499CCFAE2ED}" destId="{722E1094-83C7-45E2-B20F-DB9D09AD94F0}" srcOrd="0" destOrd="0" presId="urn:microsoft.com/office/officeart/2005/8/layout/chevron2"/>
-    <dgm:cxn modelId="{B2379032-DFAC-4D28-BE83-2A55D2575CC8}" type="presParOf" srcId="{D4BECBBB-7CE2-4791-839D-9FE6F36B775D}" destId="{AC67BBE6-9B82-4D3D-BF22-48713AF46E9C}" srcOrd="1" destOrd="2" presId="urn:microsoft.com/office/officeart/2005/8/layout/chevron2"/>
-    <dgm:cxn modelId="{AED39473-0D52-4D6A-BA6F-3BF83EAD70E3}" type="presOf" srcId="{3E6D5D4F-935E-467F-A6CA-DFB49E904BF2}" destId="{AC67BBE6-9B82-4D3D-BF22-48713AF46E9C}" srcOrd="0" destOrd="0" presId="urn:microsoft.com/office/officeart/2005/8/layout/chevron2"/>
-    <dgm:cxn modelId="{0303D488-02BE-422D-95A0-366D18919874}" type="presOf" srcId="{49F47759-5728-452C-B39F-CD69E73675CC}" destId="{AC67BBE6-9B82-4D3D-BF22-48713AF46E9C}" srcOrd="0" destOrd="1" presId="urn:microsoft.com/office/officeart/2005/8/layout/chevron2"/>
-    <dgm:cxn modelId="{BA68F010-30E0-4525-92B9-64F8DA674CB0}" type="presParOf" srcId="{7BB0B505-7D43-42E4-8FC0-6C91316CBFEB}" destId="{5C381A65-34D3-41B1-9499-0884AAA35FC6}" srcOrd="3" destOrd="0" presId="urn:microsoft.com/office/officeart/2005/8/layout/chevron2"/>
-    <dgm:cxn modelId="{5C26D863-A321-4865-9F65-C5A985F60B4D}" type="presOf" srcId="{34435F2A-D730-405E-99D5-BBC9FB7499FA}" destId="{5C381A65-34D3-41B1-9499-0884AAA35FC6}" srcOrd="0" destOrd="0" presId="urn:microsoft.com/office/officeart/2005/8/layout/chevron2"/>
-    <dgm:cxn modelId="{C081B00E-3CD8-47BA-AC2C-EC865FFA4C1E}" type="presParOf" srcId="{7BB0B505-7D43-42E4-8FC0-6C91316CBFEB}" destId="{C1BF0EA4-CB4D-4391-82EF-EC1874A282F9}" srcOrd="4" destOrd="0" presId="urn:microsoft.com/office/officeart/2005/8/layout/chevron2"/>
-    <dgm:cxn modelId="{50E2943A-C3BF-4A50-9FBD-329E6A3C20D8}" type="presParOf" srcId="{C1BF0EA4-CB4D-4391-82EF-EC1874A282F9}" destId="{95C8A2DE-C1F8-4D5A-A3A4-1DC2FA1C0073}" srcOrd="0" destOrd="4" presId="urn:microsoft.com/office/officeart/2005/8/layout/chevron2"/>
-    <dgm:cxn modelId="{646BC93B-F034-45C1-950C-A13990E360AF}" type="presOf" srcId="{1D70B282-9875-47E1-864B-0DB9F83A3309}" destId="{95C8A2DE-C1F8-4D5A-A3A4-1DC2FA1C0073}" srcOrd="0" destOrd="0" presId="urn:microsoft.com/office/officeart/2005/8/layout/chevron2"/>
-    <dgm:cxn modelId="{D2939DFB-75EE-493B-9C08-201262CAA384}" type="presParOf" srcId="{C1BF0EA4-CB4D-4391-82EF-EC1874A282F9}" destId="{BE17FEF5-EEE1-41BB-96FD-8FBB3FCF3860}" srcOrd="1" destOrd="4" presId="urn:microsoft.com/office/officeart/2005/8/layout/chevron2"/>
-    <dgm:cxn modelId="{8F3CC253-AFBF-4865-B3F4-19C498A0F277}" type="presOf" srcId="{30BE85C4-8BB0-4C0C-B58F-618B83FFA907}" destId="{BE17FEF5-EEE1-41BB-96FD-8FBB3FCF3860}" srcOrd="0" destOrd="0" presId="urn:microsoft.com/office/officeart/2005/8/layout/chevron2"/>
-    <dgm:cxn modelId="{E01DD5BC-D6C5-4B62-8112-F57CB636B790}" type="presOf" srcId="{CDDD87BA-3462-4A29-ADA1-BF1FFADE547C}" destId="{BE17FEF5-EEE1-41BB-96FD-8FBB3FCF3860}" srcOrd="0" destOrd="1" presId="urn:microsoft.com/office/officeart/2005/8/layout/chevron2"/>
-  </dgm:cxnLst>
-  <dgm:bg/>
-  <dgm:whole/>
-  <dgm:extLst>
-    <a:ext uri="http://schemas.microsoft.com/office/drawing/2008/diagram">
-      <dsp:dataModelExt xmlns:dsp="http://schemas.microsoft.com/office/drawing/2008/diagram" relId="rId6" minVer="http://schemas.openxmlformats.org/drawingml/2006/diagram"/>
-    </a:ext>
-  </dgm:extLst>
-</dgm:dataModel>
-</file>
-
-<file path=ppt/diagrams/drawing1.xml><?xml version="1.0" encoding="utf-8"?>
-<dsp:drawing xmlns:dgm="http://schemas.openxmlformats.org/drawingml/2006/diagram" xmlns:dsp="http://schemas.microsoft.com/office/drawing/2008/diagram" xmlns:a="http://schemas.openxmlformats.org/drawingml/2006/main" xmlns:r="http://schemas.openxmlformats.org/officeDocument/2006/relationships">
-  <dsp:spTree>
-    <dsp:nvGrpSpPr>
-      <dsp:cNvPr id="2" name="Group 1"/>
-      <dsp:cNvGrpSpPr/>
-    </dsp:nvGrpSpPr>
-    <dsp:grpSpPr>
-      <a:xfrm>
-        <a:off x="0" y="0"/>
-        <a:ext cx="3719830" cy="3418840"/>
-        <a:chOff x="0" y="0"/>
-        <a:chExt cx="3719830" cy="3418840"/>
-      </a:xfrm>
-    </dsp:grpSpPr>
-    <dsp:sp modelId="{A16E3110-57E1-4619-A55C-DCD0DD5CE084}">
-      <dsp:nvSpPr>
-        <dsp:cNvPr id="3" name="Chevron 2"/>
-        <dsp:cNvSpPr/>
-      </dsp:nvSpPr>
-      <dsp:spPr bwMode="white">
-        <a:xfrm rot="5400000">
-          <a:off x="-190881" y="190881"/>
-          <a:ext cx="1272538" cy="890777"/>
-        </a:xfrm>
-        <a:prstGeom prst="chevron">
-          <a:avLst/>
-        </a:prstGeom>
-      </dsp:spPr>
-      <dsp:style>
-        <a:lnRef idx="2">
-          <a:schemeClr val="dk2"/>
-        </a:lnRef>
-        <a:fillRef idx="1">
-          <a:schemeClr val="dk2"/>
-        </a:fillRef>
-        <a:effectRef idx="0">
-          <a:scrgbClr r="0" g="0" b="0"/>
-        </a:effectRef>
-        <a:fontRef idx="minor">
-          <a:schemeClr val="lt1"/>
-        </a:fontRef>
-      </dsp:style>
-      <dsp:txBody>
-        <a:bodyPr rot="-5400000" vert="horz" wrap="square" lIns="8890" tIns="8890" rIns="8890" bIns="8890" anchor="ctr"/>
-        <a:lstStyle>
-          <a:lvl1pPr algn="ctr">
-            <a:defRPr sz="6500"/>
-          </a:lvl1pPr>
-          <a:lvl2pPr marL="285750" indent="-285750" algn="ctr">
-            <a:defRPr sz="5000"/>
-          </a:lvl2pPr>
-          <a:lvl3pPr marL="571500" indent="-285750" algn="ctr">
-            <a:defRPr sz="5000"/>
-          </a:lvl3pPr>
-          <a:lvl4pPr marL="857250" indent="-285750" algn="ctr">
-            <a:defRPr sz="5000"/>
-          </a:lvl4pPr>
-          <a:lvl5pPr marL="1143000" indent="-285750" algn="ctr">
-            <a:defRPr sz="5000"/>
-          </a:lvl5pPr>
-          <a:lvl6pPr marL="1428750" indent="-285750" algn="ctr">
-            <a:defRPr sz="5000"/>
-          </a:lvl6pPr>
-          <a:lvl7pPr marL="1714500" indent="-285750" algn="ctr">
-            <a:defRPr sz="5000"/>
-          </a:lvl7pPr>
-          <a:lvl8pPr marL="2000250" indent="-285750" algn="ctr">
-            <a:defRPr sz="5000"/>
-          </a:lvl8pPr>
-          <a:lvl9pPr marL="2286000" indent="-285750" algn="ctr">
-            <a:defRPr sz="5000"/>
-          </a:lvl9pPr>
-        </a:lstStyle>
-        <a:p>
-          <a:pPr lvl="0">
-            <a:lnSpc>
-              <a:spcPct val="100000"/>
-            </a:lnSpc>
-            <a:spcBef>
-              <a:spcPct val="0"/>
-            </a:spcBef>
-            <a:spcAft>
-              <a:spcPct val="35000"/>
-            </a:spcAft>
-          </a:pPr>
-          <a:r>
-            <a:rPr lang="" altLang="en-US" sz="1400"/>
-            <a:t>Product Design</a:t>
-          </a:r>
-          <a:endParaRPr lang="" altLang="en-US" sz="1400"/>
-        </a:p>
-      </dsp:txBody>
-      <dsp:txXfrm rot="5400000">
-        <a:off x="-190881" y="190881"/>
-        <a:ext cx="1272538" cy="890777"/>
-      </dsp:txXfrm>
-    </dsp:sp>
-    <dsp:sp modelId="{544D3F38-216B-445A-B1B9-8008AEDB7A9D}">
-      <dsp:nvSpPr>
-        <dsp:cNvPr id="4" name="Round Same Side Corner Rectangle 3"/>
-        <dsp:cNvSpPr/>
-      </dsp:nvSpPr>
-      <dsp:spPr bwMode="white">
-        <a:xfrm rot="5400000">
-          <a:off x="1891728" y="-1000952"/>
-          <a:ext cx="827150" cy="2829053"/>
-        </a:xfrm>
-        <a:prstGeom prst="round2SameRect">
-          <a:avLst/>
-        </a:prstGeom>
-      </dsp:spPr>
-      <dsp:style>
-        <a:lnRef idx="2">
-          <a:schemeClr val="dk2"/>
-        </a:lnRef>
-        <a:fillRef idx="1">
-          <a:schemeClr val="lt2">
-            <a:alpha val="90000"/>
-          </a:schemeClr>
-        </a:fillRef>
-        <a:effectRef idx="0">
-          <a:scrgbClr r="0" g="0" b="0"/>
-        </a:effectRef>
-        <a:fontRef idx="minor"/>
-      </dsp:style>
-      <dsp:txBody>
-        <a:bodyPr rot="-5400000" vert="horz" wrap="square" lIns="99568" tIns="8890" rIns="8890" bIns="8890" anchor="ctr"/>
-        <a:lstStyle>
-          <a:lvl1pPr algn="l">
-            <a:defRPr sz="6500"/>
-          </a:lvl1pPr>
-          <a:lvl2pPr marL="285750" indent="-285750" algn="l">
-            <a:defRPr sz="6500"/>
-          </a:lvl2pPr>
-          <a:lvl3pPr marL="571500" indent="-285750" algn="l">
-            <a:defRPr sz="6500"/>
-          </a:lvl3pPr>
-          <a:lvl4pPr marL="857250" indent="-285750" algn="l">
-            <a:defRPr sz="6500"/>
-          </a:lvl4pPr>
-          <a:lvl5pPr marL="1143000" indent="-285750" algn="l">
-            <a:defRPr sz="6500"/>
-          </a:lvl5pPr>
-          <a:lvl6pPr marL="1428750" indent="-285750" algn="l">
-            <a:defRPr sz="6500"/>
-          </a:lvl6pPr>
-          <a:lvl7pPr marL="1714500" indent="-285750" algn="l">
-            <a:defRPr sz="6500"/>
-          </a:lvl7pPr>
-          <a:lvl8pPr marL="2000250" indent="-285750" algn="l">
-            <a:defRPr sz="6500"/>
-          </a:lvl8pPr>
-          <a:lvl9pPr marL="2286000" indent="-285750" algn="l">
-            <a:defRPr sz="6500"/>
-          </a:lvl9pPr>
-        </a:lstStyle>
-        <a:p>
-          <a:pPr marL="114300" lvl="1" indent="-114300">
-            <a:lnSpc>
-              <a:spcPct val="100000"/>
-            </a:lnSpc>
-            <a:spcBef>
-              <a:spcPct val="0"/>
-            </a:spcBef>
-            <a:spcAft>
-              <a:spcPct val="15000"/>
-            </a:spcAft>
-            <a:buChar char="•"/>
-          </a:pPr>
-          <a:r>
-            <a:rPr lang="" altLang="en-US" sz="1400">
-              <a:solidFill>
-                <a:schemeClr val="dk1"/>
-              </a:solidFill>
-            </a:rPr>
-            <a:t>fluid structure coupling</a:t>
-          </a:r>
-          <a:endParaRPr lang="en-US" sz="1400">
-            <a:solidFill>
-              <a:schemeClr val="dk1"/>
-            </a:solidFill>
-          </a:endParaRPr>
-        </a:p>
-        <a:p>
-          <a:pPr marL="114300" lvl="1" indent="-114300">
-            <a:lnSpc>
-              <a:spcPct val="100000"/>
-            </a:lnSpc>
-            <a:spcBef>
-              <a:spcPct val="0"/>
-            </a:spcBef>
-            <a:spcAft>
-              <a:spcPct val="15000"/>
-            </a:spcAft>
-            <a:buChar char="•"/>
-          </a:pPr>
-          <a:r>
-            <a:rPr lang="" altLang="en-US" sz="1400">
-              <a:solidFill>
-                <a:schemeClr val="dk1"/>
-              </a:solidFill>
-            </a:rPr>
-            <a:t>system simulation</a:t>
-          </a:r>
-          <a:endParaRPr lang="" altLang="en-US" sz="1400">
-            <a:solidFill>
-              <a:schemeClr val="dk1"/>
-            </a:solidFill>
-          </a:endParaRPr>
-        </a:p>
-      </dsp:txBody>
-      <dsp:txXfrm rot="5400000">
-        <a:off x="1891728" y="-1000952"/>
-        <a:ext cx="827150" cy="2829053"/>
-      </dsp:txXfrm>
-    </dsp:sp>
-    <dsp:sp modelId="{722E1094-83C7-45E2-B20F-DB9D09AD94F0}">
-      <dsp:nvSpPr>
-        <dsp:cNvPr id="5" name="Chevron 4"/>
-        <dsp:cNvSpPr/>
-      </dsp:nvSpPr>
-      <dsp:spPr bwMode="white">
-        <a:xfrm rot="5400000">
-          <a:off x="-190881" y="1264032"/>
-          <a:ext cx="1272538" cy="890777"/>
-        </a:xfrm>
-        <a:prstGeom prst="chevron">
-          <a:avLst/>
-        </a:prstGeom>
-      </dsp:spPr>
-      <dsp:style>
-        <a:lnRef idx="2">
-          <a:schemeClr val="dk2"/>
-        </a:lnRef>
-        <a:fillRef idx="1">
-          <a:schemeClr val="dk2"/>
-        </a:fillRef>
-        <a:effectRef idx="0">
-          <a:scrgbClr r="0" g="0" b="0"/>
-        </a:effectRef>
-        <a:fontRef idx="minor">
-          <a:schemeClr val="lt1"/>
-        </a:fontRef>
-      </dsp:style>
-      <dsp:txBody>
-        <a:bodyPr rot="-5400000" vert="horz" wrap="square" lIns="8890" tIns="8890" rIns="8890" bIns="8890" anchor="ctr"/>
-        <a:lstStyle>
-          <a:lvl1pPr algn="ctr">
-            <a:defRPr sz="6500"/>
-          </a:lvl1pPr>
-          <a:lvl2pPr marL="285750" indent="-285750" algn="ctr">
-            <a:defRPr sz="5000"/>
-          </a:lvl2pPr>
-          <a:lvl3pPr marL="571500" indent="-285750" algn="ctr">
-            <a:defRPr sz="5000"/>
-          </a:lvl3pPr>
-          <a:lvl4pPr marL="857250" indent="-285750" algn="ctr">
-            <a:defRPr sz="5000"/>
-          </a:lvl4pPr>
-          <a:lvl5pPr marL="1143000" indent="-285750" algn="ctr">
-            <a:defRPr sz="5000"/>
-          </a:lvl5pPr>
-          <a:lvl6pPr marL="1428750" indent="-285750" algn="ctr">
-            <a:defRPr sz="5000"/>
-          </a:lvl6pPr>
-          <a:lvl7pPr marL="1714500" indent="-285750" algn="ctr">
-            <a:defRPr sz="5000"/>
-          </a:lvl7pPr>
-          <a:lvl8pPr marL="2000250" indent="-285750" algn="ctr">
-            <a:defRPr sz="5000"/>
-          </a:lvl8pPr>
-          <a:lvl9pPr marL="2286000" indent="-285750" algn="ctr">
-            <a:defRPr sz="5000"/>
-          </a:lvl9pPr>
-        </a:lstStyle>
-        <a:p>
-          <a:pPr lvl="0">
-            <a:lnSpc>
-              <a:spcPct val="100000"/>
-            </a:lnSpc>
-            <a:spcBef>
-              <a:spcPct val="0"/>
-            </a:spcBef>
-            <a:spcAft>
-              <a:spcPct val="35000"/>
-            </a:spcAft>
-          </a:pPr>
-          <a:r>
-            <a:rPr lang="" altLang="en-US" sz="1400"/>
-            <a:t>Manufacturing</a:t>
-          </a:r>
-          <a:endParaRPr lang="" altLang="en-US" sz="1400"/>
-        </a:p>
-      </dsp:txBody>
-      <dsp:txXfrm rot="5400000">
-        <a:off x="-190881" y="1264032"/>
-        <a:ext cx="1272538" cy="890777"/>
-      </dsp:txXfrm>
-    </dsp:sp>
-    <dsp:sp modelId="{AC67BBE6-9B82-4D3D-BF22-48713AF46E9C}">
-      <dsp:nvSpPr>
-        <dsp:cNvPr id="6" name="Round Same Side Corner Rectangle 5"/>
-        <dsp:cNvSpPr/>
-      </dsp:nvSpPr>
-      <dsp:spPr bwMode="white">
-        <a:xfrm rot="5400000">
-          <a:off x="1891728" y="72199"/>
-          <a:ext cx="827150" cy="2829053"/>
-        </a:xfrm>
-        <a:prstGeom prst="round2SameRect">
-          <a:avLst/>
-        </a:prstGeom>
-      </dsp:spPr>
-      <dsp:style>
-        <a:lnRef idx="2">
-          <a:schemeClr val="dk2"/>
-        </a:lnRef>
-        <a:fillRef idx="1">
-          <a:schemeClr val="lt2">
-            <a:alpha val="90000"/>
-          </a:schemeClr>
-        </a:fillRef>
-        <a:effectRef idx="0">
-          <a:scrgbClr r="0" g="0" b="0"/>
-        </a:effectRef>
-        <a:fontRef idx="minor"/>
-      </dsp:style>
-      <dsp:txBody>
-        <a:bodyPr rot="-5400000" vert="horz" wrap="square" lIns="99568" tIns="8890" rIns="8890" bIns="8890" anchor="ctr"/>
-        <a:lstStyle>
-          <a:lvl1pPr algn="l">
-            <a:defRPr sz="6500"/>
-          </a:lvl1pPr>
-          <a:lvl2pPr marL="285750" indent="-285750" algn="l">
-            <a:defRPr sz="6500"/>
-          </a:lvl2pPr>
-          <a:lvl3pPr marL="571500" indent="-285750" algn="l">
-            <a:defRPr sz="6500"/>
-          </a:lvl3pPr>
-          <a:lvl4pPr marL="857250" indent="-285750" algn="l">
-            <a:defRPr sz="6500"/>
-          </a:lvl4pPr>
-          <a:lvl5pPr marL="1143000" indent="-285750" algn="l">
-            <a:defRPr sz="6500"/>
-          </a:lvl5pPr>
-          <a:lvl6pPr marL="1428750" indent="-285750" algn="l">
-            <a:defRPr sz="6500"/>
-          </a:lvl6pPr>
-          <a:lvl7pPr marL="1714500" indent="-285750" algn="l">
-            <a:defRPr sz="6500"/>
-          </a:lvl7pPr>
-          <a:lvl8pPr marL="2000250" indent="-285750" algn="l">
-            <a:defRPr sz="6500"/>
-          </a:lvl8pPr>
-          <a:lvl9pPr marL="2286000" indent="-285750" algn="l">
-            <a:defRPr sz="6500"/>
-          </a:lvl9pPr>
-        </a:lstStyle>
-        <a:p>
-          <a:pPr marL="114300" lvl="1" indent="-114300">
-            <a:lnSpc>
-              <a:spcPct val="100000"/>
-            </a:lnSpc>
-            <a:spcBef>
-              <a:spcPct val="0"/>
-            </a:spcBef>
-            <a:spcAft>
-              <a:spcPct val="15000"/>
-            </a:spcAft>
-            <a:buChar char="•"/>
-          </a:pPr>
-          <a:r>
-            <a:rPr lang="" altLang="en-US" sz="1400">
-              <a:solidFill>
-                <a:schemeClr val="dk1"/>
-              </a:solidFill>
-            </a:rPr>
-            <a:t>addative manufacturing</a:t>
-          </a:r>
-          <a:endParaRPr lang="en-US" sz="1400">
-            <a:solidFill>
-              <a:schemeClr val="dk1"/>
-            </a:solidFill>
-          </a:endParaRPr>
-        </a:p>
-        <a:p>
-          <a:pPr marL="114300" lvl="1" indent="-114300">
-            <a:lnSpc>
-              <a:spcPct val="100000"/>
-            </a:lnSpc>
-            <a:spcBef>
-              <a:spcPct val="0"/>
-            </a:spcBef>
-            <a:spcAft>
-              <a:spcPct val="15000"/>
-            </a:spcAft>
-            <a:buChar char="•"/>
-          </a:pPr>
-          <a:r>
-            <a:rPr lang="" altLang="en-US" sz="1400">
-              <a:solidFill>
-                <a:schemeClr val="dk1"/>
-              </a:solidFill>
-            </a:rPr>
-            <a:t>3d scanner</a:t>
-          </a:r>
-          <a:endParaRPr lang="" altLang="en-US" sz="1400">
-            <a:solidFill>
-              <a:schemeClr val="dk1"/>
-            </a:solidFill>
-          </a:endParaRPr>
-        </a:p>
-      </dsp:txBody>
-      <dsp:txXfrm rot="5400000">
-        <a:off x="1891728" y="72199"/>
-        <a:ext cx="827150" cy="2829053"/>
-      </dsp:txXfrm>
-    </dsp:sp>
-    <dsp:sp modelId="{95C8A2DE-C1F8-4D5A-A3A4-1DC2FA1C0073}">
-      <dsp:nvSpPr>
-        <dsp:cNvPr id="7" name="Chevron 6"/>
-        <dsp:cNvSpPr/>
-      </dsp:nvSpPr>
-      <dsp:spPr bwMode="white">
-        <a:xfrm rot="5400000">
-          <a:off x="-190881" y="2337183"/>
-          <a:ext cx="1272538" cy="890777"/>
-        </a:xfrm>
-        <a:prstGeom prst="chevron">
-          <a:avLst/>
-        </a:prstGeom>
-      </dsp:spPr>
-      <dsp:style>
-        <a:lnRef idx="2">
-          <a:schemeClr val="dk2"/>
-        </a:lnRef>
-        <a:fillRef idx="1">
-          <a:schemeClr val="dk2"/>
-        </a:fillRef>
-        <a:effectRef idx="0">
-          <a:scrgbClr r="0" g="0" b="0"/>
-        </a:effectRef>
-        <a:fontRef idx="minor">
-          <a:schemeClr val="lt1"/>
-        </a:fontRef>
-      </dsp:style>
-      <dsp:txBody>
-        <a:bodyPr rot="-5400000" vert="horz" wrap="square" lIns="8890" tIns="8890" rIns="8890" bIns="8890" anchor="ctr"/>
-        <a:lstStyle>
-          <a:lvl1pPr algn="ctr">
-            <a:defRPr sz="6500"/>
-          </a:lvl1pPr>
-          <a:lvl2pPr marL="285750" indent="-285750" algn="ctr">
-            <a:defRPr sz="5000"/>
-          </a:lvl2pPr>
-          <a:lvl3pPr marL="571500" indent="-285750" algn="ctr">
-            <a:defRPr sz="5000"/>
-          </a:lvl3pPr>
-          <a:lvl4pPr marL="857250" indent="-285750" algn="ctr">
-            <a:defRPr sz="5000"/>
-          </a:lvl4pPr>
-          <a:lvl5pPr marL="1143000" indent="-285750" algn="ctr">
-            <a:defRPr sz="5000"/>
-          </a:lvl5pPr>
-          <a:lvl6pPr marL="1428750" indent="-285750" algn="ctr">
-            <a:defRPr sz="5000"/>
-          </a:lvl6pPr>
-          <a:lvl7pPr marL="1714500" indent="-285750" algn="ctr">
-            <a:defRPr sz="5000"/>
-          </a:lvl7pPr>
-          <a:lvl8pPr marL="2000250" indent="-285750" algn="ctr">
-            <a:defRPr sz="5000"/>
-          </a:lvl8pPr>
-          <a:lvl9pPr marL="2286000" indent="-285750" algn="ctr">
-            <a:defRPr sz="5000"/>
-          </a:lvl9pPr>
-        </a:lstStyle>
-        <a:p>
-          <a:pPr lvl="0">
-            <a:lnSpc>
-              <a:spcPct val="100000"/>
-            </a:lnSpc>
-            <a:spcBef>
-              <a:spcPct val="0"/>
-            </a:spcBef>
-            <a:spcAft>
-              <a:spcPct val="35000"/>
-            </a:spcAft>
-          </a:pPr>
-          <a:r>
-            <a:rPr lang="" altLang="en-US" sz="1400"/>
-            <a:t>Operation</a:t>
-          </a:r>
-          <a:endParaRPr lang="" altLang="en-US" sz="1400"/>
-        </a:p>
-      </dsp:txBody>
-      <dsp:txXfrm rot="5400000">
-        <a:off x="-190881" y="2337183"/>
-        <a:ext cx="1272538" cy="890777"/>
-      </dsp:txXfrm>
-    </dsp:sp>
-    <dsp:sp modelId="{BE17FEF5-EEE1-41BB-96FD-8FBB3FCF3860}">
-      <dsp:nvSpPr>
-        <dsp:cNvPr id="8" name="Round Same Side Corner Rectangle 7"/>
-        <dsp:cNvSpPr/>
-      </dsp:nvSpPr>
-      <dsp:spPr bwMode="white">
-        <a:xfrm rot="5400000">
-          <a:off x="1891728" y="1145350"/>
-          <a:ext cx="827150" cy="2829053"/>
-        </a:xfrm>
-        <a:prstGeom prst="round2SameRect">
-          <a:avLst/>
-        </a:prstGeom>
-      </dsp:spPr>
-      <dsp:style>
-        <a:lnRef idx="2">
-          <a:schemeClr val="dk2"/>
-        </a:lnRef>
-        <a:fillRef idx="1">
-          <a:schemeClr val="lt2">
-            <a:alpha val="90000"/>
-          </a:schemeClr>
-        </a:fillRef>
-        <a:effectRef idx="0">
-          <a:scrgbClr r="0" g="0" b="0"/>
-        </a:effectRef>
-        <a:fontRef idx="minor"/>
-      </dsp:style>
-      <dsp:txBody>
-        <a:bodyPr rot="-5400000" vert="horz" wrap="square" lIns="99568" tIns="8890" rIns="8890" bIns="8890" anchor="ctr"/>
-        <a:lstStyle>
-          <a:lvl1pPr algn="l">
-            <a:defRPr sz="6500"/>
-          </a:lvl1pPr>
-          <a:lvl2pPr marL="285750" indent="-285750" algn="l">
-            <a:defRPr sz="6500"/>
-          </a:lvl2pPr>
-          <a:lvl3pPr marL="571500" indent="-285750" algn="l">
-            <a:defRPr sz="6500"/>
-          </a:lvl3pPr>
-          <a:lvl4pPr marL="857250" indent="-285750" algn="l">
-            <a:defRPr sz="6500"/>
-          </a:lvl4pPr>
-          <a:lvl5pPr marL="1143000" indent="-285750" algn="l">
-            <a:defRPr sz="6500"/>
-          </a:lvl5pPr>
-          <a:lvl6pPr marL="1428750" indent="-285750" algn="l">
-            <a:defRPr sz="6500"/>
-          </a:lvl6pPr>
-          <a:lvl7pPr marL="1714500" indent="-285750" algn="l">
-            <a:defRPr sz="6500"/>
-          </a:lvl7pPr>
-          <a:lvl8pPr marL="2000250" indent="-285750" algn="l">
-            <a:defRPr sz="6500"/>
-          </a:lvl8pPr>
-          <a:lvl9pPr marL="2286000" indent="-285750" algn="l">
-            <a:defRPr sz="6500"/>
-          </a:lvl9pPr>
-        </a:lstStyle>
-        <a:p>
-          <a:pPr marL="114300" lvl="1" indent="-114300">
-            <a:lnSpc>
-              <a:spcPct val="100000"/>
-            </a:lnSpc>
-            <a:spcBef>
-              <a:spcPct val="0"/>
-            </a:spcBef>
-            <a:spcAft>
-              <a:spcPct val="15000"/>
-            </a:spcAft>
-            <a:buChar char="•"/>
-          </a:pPr>
-          <a:r>
-            <a:rPr lang="" altLang="en-US" sz="1400">
-              <a:solidFill>
-                <a:schemeClr val="dk1"/>
-              </a:solidFill>
-            </a:rPr>
-            <a:t>Educational Wind Tunnel</a:t>
-          </a:r>
-          <a:endParaRPr lang="en-US" sz="1400">
-            <a:solidFill>
-              <a:schemeClr val="dk1"/>
-            </a:solidFill>
-          </a:endParaRPr>
-        </a:p>
-        <a:p>
-          <a:pPr marL="114300" lvl="1" indent="-114300">
-            <a:lnSpc>
-              <a:spcPct val="100000"/>
-            </a:lnSpc>
-            <a:spcBef>
-              <a:spcPct val="0"/>
-            </a:spcBef>
-            <a:spcAft>
-              <a:spcPct val="15000"/>
-            </a:spcAft>
-            <a:buChar char="•"/>
-          </a:pPr>
-          <a:r>
-            <a:rPr lang="" altLang="en-US" sz="1400">
-              <a:solidFill>
-                <a:schemeClr val="dk1"/>
-              </a:solidFill>
-            </a:rPr>
-            <a:t>ARM cluster</a:t>
-          </a:r>
-          <a:endParaRPr lang="" altLang="en-US" sz="1400">
-            <a:solidFill>
-              <a:schemeClr val="dk1"/>
-            </a:solidFill>
-          </a:endParaRPr>
-        </a:p>
-      </dsp:txBody>
-      <dsp:txXfrm rot="5400000">
-        <a:off x="1891728" y="1145350"/>
-        <a:ext cx="827150" cy="2829053"/>
-      </dsp:txXfrm>
-    </dsp:sp>
-  </dsp:spTree>
-</dsp:drawing>
-</file>
-
-<file path=ppt/diagrams/layout1.xml><?xml version="1.0" encoding="utf-8"?>
-<dgm:layoutDef xmlns:dgm="http://schemas.openxmlformats.org/drawingml/2006/diagram" xmlns:a="http://schemas.openxmlformats.org/drawingml/2006/main" uniqueId="urn:microsoft.com/office/officeart/2005/8/layout/chevron2">
-  <dgm:title val=""/>
-  <dgm:desc val=""/>
-  <dgm:catLst>
-    <dgm:cat type="process" pri="12000"/>
-    <dgm:cat type="list" pri="16000"/>
-    <dgm:cat type="convert" pri="11000"/>
-  </dgm:catLst>
-  <dgm:sampData>
-    <dgm:dataModel>
-      <dgm:ptLst>
-        <dgm:pt modelId="0" type="doc"/>
-        <dgm:pt modelId="1">
-          <dgm:prSet phldr="1"/>
-        </dgm:pt>
-        <dgm:pt modelId="11">
-          <dgm:prSet phldr="1"/>
-        </dgm:pt>
-        <dgm:pt modelId="12">
-          <dgm:prSet phldr="1"/>
-        </dgm:pt>
-        <dgm:pt modelId="2">
-          <dgm:prSet phldr="1"/>
-        </dgm:pt>
-        <dgm:pt modelId="21">
-          <dgm:prSet phldr="1"/>
-        </dgm:pt>
-        <dgm:pt modelId="22">
-          <dgm:prSet phldr="1"/>
-        </dgm:pt>
-        <dgm:pt modelId="3">
-          <dgm:prSet phldr="1"/>
-        </dgm:pt>
-        <dgm:pt modelId="31">
-          <dgm:prSet phldr="1"/>
-        </dgm:pt>
-        <dgm:pt modelId="32">
-          <dgm:prSet phldr="1"/>
-        </dgm:pt>
-      </dgm:ptLst>
-      <dgm:cxnLst>
-        <dgm:cxn modelId="4" srcId="0" destId="1" srcOrd="0" destOrd="0"/>
-        <dgm:cxn modelId="5" srcId="0" destId="2" srcOrd="1" destOrd="0"/>
-        <dgm:cxn modelId="6" srcId="0" destId="3" srcOrd="2" destOrd="0"/>
-        <dgm:cxn modelId="13" srcId="1" destId="11" srcOrd="0" destOrd="0"/>
-        <dgm:cxn modelId="14" srcId="1" destId="12" srcOrd="1" destOrd="0"/>
-        <dgm:cxn modelId="23" srcId="2" destId="21" srcOrd="0" destOrd="0"/>
-        <dgm:cxn modelId="24" srcId="2" destId="22" srcOrd="1" destOrd="0"/>
-        <dgm:cxn modelId="33" srcId="3" destId="31" srcOrd="0" destOrd="0"/>
-        <dgm:cxn modelId="34" srcId="3" destId="32" srcOrd="1" destOrd="0"/>
-      </dgm:cxnLst>
-      <dgm:bg/>
-      <dgm:whole/>
-    </dgm:dataModel>
-  </dgm:sampData>
-  <dgm:styleData>
-    <dgm:dataModel>
-      <dgm:ptLst>
-        <dgm:pt modelId="0" type="doc">
-          <dgm:prSet qsTypeId="urn:microsoft.com/office/officeart/2005/8/quickstyle/simple5"/>
-        </dgm:pt>
-        <dgm:pt modelId="1"/>
-      </dgm:ptLst>
-      <dgm:cxnLst>
-        <dgm:cxn modelId="4" srcId="0" destId="1" srcOrd="0" destOrd="0"/>
-      </dgm:cxnLst>
-      <dgm:bg/>
-      <dgm:whole/>
-    </dgm:dataModel>
-  </dgm:styleData>
-  <dgm:clrData>
-    <dgm:dataModel>
-      <dgm:ptLst>
-        <dgm:pt modelId="0" type="doc">
-          <dgm:prSet csTypeId="urn:microsoft.com/office/officeart/2005/8/colors/accent6_5"/>
-        </dgm:pt>
-        <dgm:pt modelId="1"/>
-        <dgm:pt modelId="11"/>
-        <dgm:pt modelId="2"/>
-        <dgm:pt modelId="21"/>
-        <dgm:pt modelId="3"/>
-        <dgm:pt modelId="31"/>
-        <dgm:pt modelId="4"/>
-        <dgm:pt modelId="41"/>
-      </dgm:ptLst>
-      <dgm:cxnLst>
-        <dgm:cxn modelId="5" srcId="0" destId="1" srcOrd="0" destOrd="0"/>
-        <dgm:cxn modelId="6" srcId="0" destId="2" srcOrd="1" destOrd="0"/>
-        <dgm:cxn modelId="7" srcId="0" destId="3" srcOrd="2" destOrd="0"/>
-        <dgm:cxn modelId="8" srcId="0" destId="4" srcOrd="3" destOrd="0"/>
-        <dgm:cxn modelId="13" srcId="1" destId="11" srcOrd="0" destOrd="0"/>
-        <dgm:cxn modelId="23" srcId="2" destId="21" srcOrd="0" destOrd="0"/>
-        <dgm:cxn modelId="33" srcId="3" destId="31" srcOrd="0" destOrd="0"/>
-        <dgm:cxn modelId="43" srcId="4" destId="41" srcOrd="0" destOrd="0"/>
-      </dgm:cxnLst>
-      <dgm:bg/>
-      <dgm:whole/>
-    </dgm:dataModel>
-  </dgm:clrData>
-  <dgm:layoutNode name="linearFlow">
-    <dgm:varLst>
-      <dgm:dir/>
-      <dgm:animLvl val="lvl"/>
-      <dgm:resizeHandles val="exact"/>
-    </dgm:varLst>
-    <dgm:alg type="lin">
-      <dgm:param type="linDir" val="fromT"/>
-      <dgm:param type="nodeHorzAlign" val="l"/>
-    </dgm:alg>
-    <dgm:shape xmlns:r="http://schemas.openxmlformats.org/officeDocument/2006/relationships" r:blip="">
-      <dgm:adjLst/>
-    </dgm:shape>
-    <dgm:presOf/>
-    <dgm:constrLst>
-      <dgm:constr type="h" for="ch" forName="composite" refType="h"/>
-      <dgm:constr type="w" for="ch" forName="composite" refType="w"/>
-      <dgm:constr type="h" for="des" forName="parentText" op="equ"/>
-      <dgm:constr type="h" for="ch" forName="sp" val="-14.88"/>
-      <dgm:constr type="h" for="ch" forName="sp" refType="w" refFor="des" refForName="parentText" op="gte" fact="-0.3"/>
-      <dgm:constr type="primFontSz" for="des" forName="parentText" op="equ" val="65"/>
-      <dgm:constr type="primFontSz" for="des" forName="descendantText" op="equ" val="65"/>
-    </dgm:constrLst>
-    <dgm:ruleLst/>
-    <dgm:forEach name="Name0" axis="ch" ptType="node">
-      <dgm:layoutNode name="composite">
-        <dgm:alg type="composite"/>
-        <dgm:shape xmlns:r="http://schemas.openxmlformats.org/officeDocument/2006/relationships" r:blip="">
-          <dgm:adjLst/>
-        </dgm:shape>
-        <dgm:presOf/>
-        <dgm:choose name="Name1">
-          <dgm:if name="Name2" func="var" arg="dir" op="equ" val="norm">
-            <dgm:constrLst>
-              <dgm:constr type="t" for="ch" forName="parentText"/>
-              <dgm:constr type="l" for="ch" forName="parentText"/>
-              <dgm:constr type="w" for="ch" forName="parentText" refType="w" fact="0.4"/>
-              <dgm:constr type="h" for="ch" forName="parentText" refType="h"/>
-              <dgm:constr type="w" for="ch" forName="parentText" refType="w" op="lte" fact="0.5"/>
-              <dgm:constr type="w" for="ch" forName="parentText" refType="h" refFor="ch" refForName="parentText" op="lte" fact="0.7"/>
-              <dgm:constr type="h" for="ch" forName="parentText" refType="w" refFor="ch" refForName="parentText" op="lte" fact="3"/>
-              <dgm:constr type="l" for="ch" forName="descendantText" refType="w" refFor="ch" refForName="parentText"/>
-              <dgm:constr type="w" for="ch" forName="descendantText" refType="w"/>
-              <dgm:constr type="wOff" for="ch" forName="descendantText" refType="w" refFor="ch" refForName="parentText" fact="-1"/>
-              <dgm:constr type="t" for="ch" forName="descendantText"/>
-              <dgm:constr type="b" for="ch" forName="descendantText" refType="h" refFor="ch" refForName="parentText"/>
-              <dgm:constr type="bOff" for="ch" forName="descendantText" refType="w" refFor="ch" refForName="parentText" fact="-0.5"/>
-            </dgm:constrLst>
-          </dgm:if>
-          <dgm:else name="Name3">
-            <dgm:constrLst>
-              <dgm:constr type="t" for="ch" forName="parentText"/>
-              <dgm:constr type="r" for="ch" forName="parentText" refType="w"/>
-              <dgm:constr type="w" for="ch" forName="parentText" refType="w" fact="0.4"/>
-              <dgm:constr type="h" for="ch" forName="parentText" refType="h"/>
-              <dgm:constr type="w" for="ch" forName="parentText" refType="w" op="lte" fact="0.5"/>
-              <dgm:constr type="w" for="ch" forName="parentText" refType="h" refFor="ch" refForName="parentText" op="lte" fact="0.7"/>
-              <dgm:constr type="h" for="ch" forName="parentText" refType="w" refFor="ch" refForName="parentText" op="lte" fact="3"/>
-              <dgm:constr type="l" for="ch" forName="descendantText"/>
-              <dgm:constr type="w" for="ch" forName="descendantText" refType="w"/>
-              <dgm:constr type="wOff" for="ch" forName="descendantText" refType="w" refFor="ch" refForName="parentText" fact="-1"/>
-              <dgm:constr type="t" for="ch" forName="descendantText"/>
-              <dgm:constr type="b" for="ch" forName="descendantText" refType="h" refFor="ch" refForName="parentText"/>
-              <dgm:constr type="bOff" for="ch" forName="descendantText" refType="w" refFor="ch" refForName="parentText" fact="-0.5"/>
-            </dgm:constrLst>
-          </dgm:else>
-        </dgm:choose>
-        <dgm:ruleLst/>
-        <dgm:layoutNode name="parentText" styleLbl="alignNode1">
-          <dgm:varLst>
-            <dgm:chMax val="1"/>
-            <dgm:bulletEnabled val="1"/>
-          </dgm:varLst>
-          <dgm:alg type="tx"/>
-          <dgm:shape xmlns:r="http://schemas.openxmlformats.org/officeDocument/2006/relationships" type="chevron" r:blip="" rot="90">
-            <dgm:adjLst/>
-          </dgm:shape>
-          <dgm:presOf axis="self" ptType="node"/>
-          <dgm:constrLst>
-            <dgm:constr type="lMarg" refType="primFontSz" fact="0.05"/>
-            <dgm:constr type="rMarg" refType="primFontSz" fact="0.05"/>
-            <dgm:constr type="tMarg" refType="primFontSz" fact="0.05"/>
-            <dgm:constr type="bMarg" refType="primFontSz" fact="0.05"/>
-          </dgm:constrLst>
-          <dgm:ruleLst>
-            <dgm:rule type="h" val="100" fact="NaN" max="NaN"/>
-            <dgm:rule type="primFontSz" val="24" fact="NaN" max="NaN"/>
-            <dgm:rule type="h" val="110" fact="NaN" max="NaN"/>
-            <dgm:rule type="primFontSz" val="18" fact="NaN" max="NaN"/>
-            <dgm:rule type="h" val="INF" fact="NaN" max="NaN"/>
-            <dgm:rule type="primFontSz" val="5" fact="NaN" max="NaN"/>
-          </dgm:ruleLst>
-        </dgm:layoutNode>
-        <dgm:layoutNode name="descendantText" styleLbl="alignAcc1">
-          <dgm:varLst>
-            <dgm:bulletEnabled val="1"/>
-          </dgm:varLst>
-          <dgm:choose name="Name4">
-            <dgm:if name="Name5" func="var" arg="dir" op="equ" val="norm">
-              <dgm:alg type="tx">
-                <dgm:param type="stBulletLvl" val="1"/>
-                <dgm:param type="txAnchorVertCh" val="mid"/>
-              </dgm:alg>
-              <dgm:shape xmlns:r="http://schemas.openxmlformats.org/officeDocument/2006/relationships" type="round2SameRect" r:blip="" rot="90">
-                <dgm:adjLst/>
-              </dgm:shape>
-            </dgm:if>
-            <dgm:else name="Name6">
-              <dgm:alg type="tx">
-                <dgm:param type="stBulletLvl" val="1"/>
-                <dgm:param type="txAnchorVertCh" val="mid"/>
-              </dgm:alg>
-              <dgm:shape xmlns:r="http://schemas.openxmlformats.org/officeDocument/2006/relationships" type="round2SameRect" r:blip="" rot="-90">
-                <dgm:adjLst/>
-              </dgm:shape>
-            </dgm:else>
-          </dgm:choose>
-          <dgm:presOf axis="des" ptType="node"/>
-          <dgm:choose name="Name7">
-            <dgm:if name="Name8" func="var" arg="dir" op="equ" val="norm">
-              <dgm:constrLst>
-                <dgm:constr type="secFontSz" refType="primFontSz"/>
-                <dgm:constr type="tMarg" refType="primFontSz" fact="0.05"/>
-                <dgm:constr type="bMarg" refType="primFontSz" fact="0.05"/>
-                <dgm:constr type="rMarg" refType="primFontSz" fact="0.05"/>
-              </dgm:constrLst>
-            </dgm:if>
-            <dgm:else name="Name9">
-              <dgm:constrLst>
-                <dgm:constr type="secFontSz" refType="primFontSz"/>
-                <dgm:constr type="tMarg" refType="primFontSz" fact="0.05"/>
-                <dgm:constr type="bMarg" refType="primFontSz" fact="0.05"/>
-                <dgm:constr type="lMarg" refType="primFontSz" fact="0.05"/>
-              </dgm:constrLst>
-            </dgm:else>
-          </dgm:choose>
-          <dgm:ruleLst>
-            <dgm:rule type="primFontSz" val="5" fact="NaN" max="NaN"/>
-          </dgm:ruleLst>
-        </dgm:layoutNode>
-      </dgm:layoutNode>
-      <dgm:forEach name="Name10" axis="followSib" ptType="sibTrans" cnt="1">
-        <dgm:layoutNode name="sp">
-          <dgm:alg type="sp"/>
-          <dgm:shape xmlns:r="http://schemas.openxmlformats.org/officeDocument/2006/relationships" r:blip="">
-            <dgm:adjLst/>
-          </dgm:shape>
-          <dgm:presOf axis="self"/>
-          <dgm:constrLst>
-            <dgm:constr type="w" val="1"/>
-            <dgm:constr type="h" val="37.5"/>
-          </dgm:constrLst>
-          <dgm:ruleLst/>
-        </dgm:layoutNode>
-      </dgm:forEach>
-    </dgm:forEach>
-  </dgm:layoutNode>
-</dgm:layoutDef>
-</file>
-
-<file path=ppt/diagrams/quickStyle1.xml><?xml version="1.0" encoding="utf-8"?>
-<dgm:styleDef xmlns:dgm="http://schemas.openxmlformats.org/drawingml/2006/diagram" xmlns:a="http://schemas.openxmlformats.org/drawingml/2006/main" uniqueId="urn:microsoft.com/office/officeart/2005/8/quickstyle/simple1">
-  <dgm:title val=""/>
-  <dgm:desc val=""/>
-  <dgm:catLst>
-    <dgm:cat type="simple" pri="10100"/>
-  </dgm:catLst>
-  <dgm:scene3d>
-    <a:camera prst="orthographicFront"/>
-    <a:lightRig rig="threePt" dir="t"/>
-  </dgm:scene3d>
-  <dgm:styleLbl name="alignAcc1">
-    <dgm:scene3d>
-      <a:camera prst="orthographicFront"/>
-      <a:lightRig rig="threePt" dir="t"/>
-    </dgm:scene3d>
-    <dgm:txPr/>
-    <dgm:style>
-      <a:lnRef idx="2">
-        <a:scrgbClr r="0" g="0" b="0"/>
-      </a:lnRef>
-      <a:fillRef idx="1">
-        <a:scrgbClr r="0" g="0" b="0"/>
-      </a:fillRef>
-      <a:effectRef idx="0">
-        <a:scrgbClr r="0" g="0" b="0"/>
-      </a:effectRef>
-      <a:fontRef idx="minor"/>
-    </dgm:style>
-  </dgm:styleLbl>
-  <dgm:styleLbl name="alignAccFollowNode1">
-    <dgm:scene3d>
-      <a:camera prst="orthographicFront"/>
-      <a:lightRig rig="threePt" dir="t"/>
-    </dgm:scene3d>
-    <dgm:txPr/>
-    <dgm:style>
-      <a:lnRef idx="2">
-        <a:scrgbClr r="0" g="0" b="0"/>
-      </a:lnRef>
-      <a:fillRef idx="1">
-        <a:scrgbClr r="0" g="0" b="0"/>
-      </a:fillRef>
-      <a:effectRef idx="0">
-        <a:scrgbClr r="0" g="0" b="0"/>
-      </a:effectRef>
-      <a:fontRef idx="minor"/>
-    </dgm:style>
-  </dgm:styleLbl>
-  <dgm:styleLbl name="alignImgPlace1">
-    <dgm:scene3d>
-      <a:camera prst="orthographicFront"/>
-      <a:lightRig rig="threePt" dir="t"/>
-    </dgm:scene3d>
-    <dgm:txPr/>
-    <dgm:style>
-      <a:lnRef idx="2">
-        <a:scrgbClr r="0" g="0" b="0"/>
-      </a:lnRef>
-      <a:fillRef idx="1">
-        <a:scrgbClr r="0" g="0" b="0"/>
-      </a:fillRef>
-      <a:effectRef idx="0">
-        <a:scrgbClr r="0" g="0" b="0"/>
-      </a:effectRef>
-      <a:fontRef idx="minor"/>
-    </dgm:style>
-  </dgm:styleLbl>
-  <dgm:styleLbl name="alignNode1">
-    <dgm:scene3d>
-      <a:camera prst="orthographicFront"/>
-      <a:lightRig rig="threePt" dir="t"/>
-    </dgm:scene3d>
-    <dgm:txPr/>
-    <dgm:style>
-      <a:lnRef idx="2">
-        <a:scrgbClr r="0" g="0" b="0"/>
-      </a:lnRef>
-      <a:fillRef idx="1">
-        <a:scrgbClr r="0" g="0" b="0"/>
-      </a:fillRef>
-      <a:effectRef idx="0">
-        <a:scrgbClr r="0" g="0" b="0"/>
-      </a:effectRef>
-      <a:fontRef idx="minor">
-        <a:schemeClr val="lt1"/>
-      </a:fontRef>
-    </dgm:style>
-  </dgm:styleLbl>
-  <dgm:styleLbl name="asst0">
-    <dgm:scene3d>
-      <a:camera prst="orthographicFront"/>
-      <a:lightRig rig="threePt" dir="t"/>
-    </dgm:scene3d>
-    <dgm:txPr/>
-    <dgm:style>
-      <a:lnRef idx="2">
-        <a:scrgbClr r="0" g="0" b="0"/>
-      </a:lnRef>
-      <a:fillRef idx="1">
-        <a:scrgbClr r="0" g="0" b="0"/>
-      </a:fillRef>
-      <a:effectRef idx="0">
-        <a:scrgbClr r="0" g="0" b="0"/>
-      </a:effectRef>
-      <a:fontRef idx="minor">
-        <a:schemeClr val="lt1"/>
-      </a:fontRef>
-    </dgm:style>
-  </dgm:styleLbl>
-  <dgm:styleLbl name="asst1">
-    <dgm:scene3d>
-      <a:camera prst="orthographicFront"/>
-      <a:lightRig rig="threePt" dir="t"/>
-    </dgm:scene3d>
-    <dgm:txPr/>
-    <dgm:style>
-      <a:lnRef idx="2">
-        <a:scrgbClr r="0" g="0" b="0"/>
-      </a:lnRef>
-      <a:fillRef idx="1">
-        <a:scrgbClr r="0" g="0" b="0"/>
-      </a:fillRef>
-      <a:effectRef idx="0">
-        <a:scrgbClr r="0" g="0" b="0"/>
-      </a:effectRef>
-      <a:fontRef idx="minor">
-        <a:schemeClr val="lt1"/>
-      </a:fontRef>
-    </dgm:style>
-  </dgm:styleLbl>
-  <dgm:styleLbl name="asst2">
-    <dgm:scene3d>
-      <a:camera prst="orthographicFront"/>
-      <a:lightRig rig="threePt" dir="t"/>
-    </dgm:scene3d>
-    <dgm:txPr/>
-    <dgm:style>
-      <a:lnRef idx="2">
-        <a:scrgbClr r="0" g="0" b="0"/>
-      </a:lnRef>
-      <a:fillRef idx="1">
-        <a:scrgbClr r="0" g="0" b="0"/>
-      </a:fillRef>
-      <a:effectRef idx="0">
-        <a:scrgbClr r="0" g="0" b="0"/>
-      </a:effectRef>
-      <a:fontRef idx="minor">
-        <a:schemeClr val="lt1"/>
-      </a:fontRef>
-    </dgm:style>
-  </dgm:styleLbl>
-  <dgm:styleLbl name="asst3">
-    <dgm:scene3d>
-      <a:camera prst="orthographicFront"/>
-      <a:lightRig rig="threePt" dir="t"/>
-    </dgm:scene3d>
-    <dgm:txPr/>
-    <dgm:style>
-      <a:lnRef idx="2">
-        <a:scrgbClr r="0" g="0" b="0"/>
-      </a:lnRef>
-      <a:fillRef idx="1">
-        <a:scrgbClr r="0" g="0" b="0"/>
-      </a:fillRef>
-      <a:effectRef idx="0">
-        <a:scrgbClr r="0" g="0" b="0"/>
-      </a:effectRef>
-      <a:fontRef idx="minor">
-        <a:schemeClr val="lt1"/>
-      </a:fontRef>
-    </dgm:style>
-  </dgm:styleLbl>
-  <dgm:styleLbl name="asst4">
-    <dgm:scene3d>
-      <a:camera prst="orthographicFront"/>
-      <a:lightRig rig="threePt" dir="t"/>
-    </dgm:scene3d>
-    <dgm:txPr/>
-    <dgm:style>
-      <a:lnRef idx="2">
-        <a:scrgbClr r="0" g="0" b="0"/>
-      </a:lnRef>
-      <a:fillRef idx="1">
-        <a:scrgbClr r="0" g="0" b="0"/>
-      </a:fillRef>
-      <a:effectRef idx="0">
-        <a:scrgbClr r="0" g="0" b="0"/>
-      </a:effectRef>
-      <a:fontRef idx="minor">
-        <a:schemeClr val="lt1"/>
-      </a:fontRef>
-    </dgm:style>
-  </dgm:styleLbl>
-  <dgm:styleLbl name="bgAcc1">
-    <dgm:scene3d>
-      <a:camera prst="orthographicFront"/>
-      <a:lightRig rig="threePt" dir="t"/>
-    </dgm:scene3d>
-    <dgm:txPr/>
-    <dgm:style>
-      <a:lnRef idx="2">
-        <a:scrgbClr r="0" g="0" b="0"/>
-      </a:lnRef>
-      <a:fillRef idx="1">
-        <a:scrgbClr r="0" g="0" b="0"/>
-      </a:fillRef>
-      <a:effectRef idx="0">
-        <a:scrgbClr r="0" g="0" b="0"/>
-      </a:effectRef>
-      <a:fontRef idx="minor"/>
-    </dgm:style>
-  </dgm:styleLbl>
-  <dgm:styleLbl name="bgAccFollowNode1">
-    <dgm:scene3d>
-      <a:camera prst="orthographicFront"/>
-      <a:lightRig rig="threePt" dir="t"/>
-    </dgm:scene3d>
-    <dgm:txPr/>
-    <dgm:style>
-      <a:lnRef idx="2">
-        <a:scrgbClr r="0" g="0" b="0"/>
-      </a:lnRef>
-      <a:fillRef idx="1">
-        <a:scrgbClr r="0" g="0" b="0"/>
-      </a:fillRef>
-      <a:effectRef idx="0">
-        <a:scrgbClr r="0" g="0" b="0"/>
-      </a:effectRef>
-      <a:fontRef idx="minor"/>
-    </dgm:style>
-  </dgm:styleLbl>
-  <dgm:styleLbl name="bgImgPlace1">
-    <dgm:scene3d>
-      <a:camera prst="orthographicFront"/>
-      <a:lightRig rig="threePt" dir="t"/>
-    </dgm:scene3d>
-    <dgm:txPr/>
-    <dgm:style>
-      <a:lnRef idx="2">
-        <a:scrgbClr r="0" g="0" b="0"/>
-      </a:lnRef>
-      <a:fillRef idx="1">
-        <a:scrgbClr r="0" g="0" b="0"/>
-      </a:fillRef>
-      <a:effectRef idx="0">
-        <a:scrgbClr r="0" g="0" b="0"/>
-      </a:effectRef>
-      <a:fontRef idx="minor"/>
-    </dgm:style>
-  </dgm:styleLbl>
-  <dgm:styleLbl name="bgShp">
-    <dgm:scene3d>
-      <a:camera prst="orthographicFront"/>
-      <a:lightRig rig="threePt" dir="t"/>
-    </dgm:scene3d>
-    <dgm:txPr/>
-    <dgm:style>
-      <a:lnRef idx="0">
-        <a:scrgbClr r="0" g="0" b="0"/>
-      </a:lnRef>
-      <a:fillRef idx="1">
-        <a:scrgbClr r="0" g="0" b="0"/>
-      </a:fillRef>
-      <a:effectRef idx="0">
-        <a:scrgbClr r="0" g="0" b="0"/>
-      </a:effectRef>
-      <a:fontRef idx="minor"/>
-    </dgm:style>
-  </dgm:styleLbl>
-  <dgm:styleLbl name="bgSibTrans2D1">
-    <dgm:scene3d>
-      <a:camera prst="orthographicFront"/>
-      <a:lightRig rig="threePt" dir="t"/>
-    </dgm:scene3d>
-    <dgm:txPr/>
-    <dgm:style>
-      <a:lnRef idx="0">
-        <a:scrgbClr r="0" g="0" b="0"/>
-      </a:lnRef>
-      <a:fillRef idx="1">
-        <a:scrgbClr r="0" g="0" b="0"/>
-      </a:fillRef>
-      <a:effectRef idx="0">
-        <a:scrgbClr r="0" g="0" b="0"/>
-      </a:effectRef>
-      <a:fontRef idx="minor">
-        <a:schemeClr val="lt1"/>
-      </a:fontRef>
-    </dgm:style>
-  </dgm:styleLbl>
-  <dgm:styleLbl name="callout">
-    <dgm:scene3d>
-      <a:camera prst="orthographicFront"/>
-      <a:lightRig rig="threePt" dir="t"/>
-    </dgm:scene3d>
-    <dgm:txPr/>
-    <dgm:style>
-      <a:lnRef idx="2">
-        <a:scrgbClr r="0" g="0" b="0"/>
-      </a:lnRef>
-      <a:fillRef idx="1">
-        <a:scrgbClr r="0" g="0" b="0"/>
-      </a:fillRef>
-      <a:effectRef idx="0">
-        <a:scrgbClr r="0" g="0" b="0"/>
-      </a:effectRef>
-      <a:fontRef idx="minor"/>
-    </dgm:style>
-  </dgm:styleLbl>
-  <dgm:styleLbl name="conFgAcc1">
-    <dgm:scene3d>
-      <a:camera prst="orthographicFront"/>
-      <a:lightRig rig="threePt" dir="t"/>
-    </dgm:scene3d>
-    <dgm:txPr/>
-    <dgm:style>
-      <a:lnRef idx="2">
-        <a:scrgbClr r="0" g="0" b="0"/>
-      </a:lnRef>
-      <a:fillRef idx="1">
-        <a:scrgbClr r="0" g="0" b="0"/>
-      </a:fillRef>
-      <a:effectRef idx="0">
-        <a:scrgbClr r="0" g="0" b="0"/>
-      </a:effectRef>
-      <a:fontRef idx="minor"/>
-    </dgm:style>
-  </dgm:styleLbl>
-  <dgm:styleLbl name="dkBgShp">
-    <dgm:scene3d>
-      <a:camera prst="orthographicFront"/>
-      <a:lightRig rig="threePt" dir="t"/>
-    </dgm:scene3d>
-    <dgm:txPr/>
-    <dgm:style>
-      <a:lnRef idx="0">
-        <a:scrgbClr r="0" g="0" b="0"/>
-      </a:lnRef>
-      <a:fillRef idx="1">
-        <a:scrgbClr r="0" g="0" b="0"/>
-      </a:fillRef>
-      <a:effectRef idx="0">
-        <a:scrgbClr r="0" g="0" b="0"/>
-      </a:effectRef>
-      <a:fontRef idx="minor"/>
-    </dgm:style>
-  </dgm:styleLbl>
-  <dgm:styleLbl name="fgAcc0">
-    <dgm:scene3d>
-      <a:camera prst="orthographicFront"/>
-      <a:lightRig rig="threePt" dir="t"/>
-    </dgm:scene3d>
-    <dgm:txPr/>
-    <dgm:style>
-      <a:lnRef idx="2">
-        <a:scrgbClr r="0" g="0" b="0"/>
-      </a:lnRef>
-      <a:fillRef idx="1">
-        <a:scrgbClr r="0" g="0" b="0"/>
-      </a:fillRef>
-      <a:effectRef idx="0">
-        <a:scrgbClr r="0" g="0" b="0"/>
-      </a:effectRef>
-      <a:fontRef idx="minor"/>
-    </dgm:style>
-  </dgm:styleLbl>
-  <dgm:styleLbl name="fgAcc1">
-    <dgm:scene3d>
-      <a:camera prst="orthographicFront"/>
-      <a:lightRig rig="threePt" dir="t"/>
-    </dgm:scene3d>
-    <dgm:txPr/>
-    <dgm:style>
-      <a:lnRef idx="2">
-        <a:scrgbClr r="0" g="0" b="0"/>
-      </a:lnRef>
-      <a:fillRef idx="1">
-        <a:scrgbClr r="0" g="0" b="0"/>
-      </a:fillRef>
-      <a:effectRef idx="0">
-        <a:scrgbClr r="0" g="0" b="0"/>
-      </a:effectRef>
-      <a:fontRef idx="minor"/>
-    </dgm:style>
-  </dgm:styleLbl>
-  <dgm:styleLbl name="fgAcc2">
-    <dgm:scene3d>
-      <a:camera prst="orthographicFront"/>
-      <a:lightRig rig="threePt" dir="t"/>
-    </dgm:scene3d>
-    <dgm:txPr/>
-    <dgm:style>
-      <a:lnRef idx="2">
-        <a:scrgbClr r="0" g="0" b="0"/>
-      </a:lnRef>
-      <a:fillRef idx="1">
-        <a:scrgbClr r="0" g="0" b="0"/>
-      </a:fillRef>
-      <a:effectRef idx="0">
-        <a:scrgbClr r="0" g="0" b="0"/>
-      </a:effectRef>
-      <a:fontRef idx="minor"/>
-    </dgm:style>
-  </dgm:styleLbl>
-  <dgm:styleLbl name="fgAcc3">
-    <dgm:scene3d>
-      <a:camera prst="orthographicFront"/>
-      <a:lightRig rig="threePt" dir="t"/>
-    </dgm:scene3d>
-    <dgm:txPr/>
-    <dgm:style>
-      <a:lnRef idx="2">
-        <a:scrgbClr r="0" g="0" b="0"/>
-      </a:lnRef>
-      <a:fillRef idx="1">
-        <a:scrgbClr r="0" g="0" b="0"/>
-      </a:fillRef>
-      <a:effectRef idx="0">
-        <a:scrgbClr r="0" g="0" b="0"/>
-      </a:effectRef>
-      <a:fontRef idx="minor"/>
-    </dgm:style>
-  </dgm:styleLbl>
-  <dgm:styleLbl name="fgAcc4">
-    <dgm:scene3d>
-      <a:camera prst="orthographicFront"/>
-      <a:lightRig rig="threePt" dir="t"/>
-    </dgm:scene3d>
-    <dgm:txPr/>
-    <dgm:style>
-      <a:lnRef idx="2">
-        <a:scrgbClr r="0" g="0" b="0"/>
-      </a:lnRef>
-      <a:fillRef idx="1">
-        <a:scrgbClr r="0" g="0" b="0"/>
-      </a:fillRef>
-      <a:effectRef idx="0">
-        <a:scrgbClr r="0" g="0" b="0"/>
-      </a:effectRef>
-      <a:fontRef idx="minor"/>
-    </dgm:style>
-  </dgm:styleLbl>
-  <dgm:styleLbl name="fgAccFollowNode1">
-    <dgm:scene3d>
-      <a:camera prst="orthographicFront"/>
-      <a:lightRig rig="threePt" dir="t"/>
-    </dgm:scene3d>
-    <dgm:txPr/>
-    <dgm:style>
-      <a:lnRef idx="2">
-        <a:scrgbClr r="0" g="0" b="0"/>
-      </a:lnRef>
-      <a:fillRef idx="1">
-        <a:scrgbClr r="0" g="0" b="0"/>
-      </a:fillRef>
-      <a:effectRef idx="0">
-        <a:scrgbClr r="0" g="0" b="0"/>
-      </a:effectRef>
-      <a:fontRef idx="minor"/>
-    </dgm:style>
-  </dgm:styleLbl>
-  <dgm:styleLbl name="fgImgPlace1">
-    <dgm:scene3d>
-      <a:camera prst="orthographicFront"/>
-      <a:lightRig rig="threePt" dir="t"/>
-    </dgm:scene3d>
-    <dgm:txPr/>
-    <dgm:style>
-      <a:lnRef idx="2">
-        <a:scrgbClr r="0" g="0" b="0"/>
-      </a:lnRef>
-      <a:fillRef idx="1">
-        <a:scrgbClr r="0" g="0" b="0"/>
-      </a:fillRef>
-      <a:effectRef idx="0">
-        <a:scrgbClr r="0" g="0" b="0"/>
-      </a:effectRef>
-      <a:fontRef idx="minor"/>
-    </dgm:style>
-  </dgm:styleLbl>
-  <dgm:styleLbl name="fgShp">
-    <dgm:scene3d>
-      <a:camera prst="orthographicFront"/>
-      <a:lightRig rig="threePt" dir="t"/>
-    </dgm:scene3d>
-    <dgm:txPr/>
-    <dgm:style>
-      <a:lnRef idx="2">
-        <a:scrgbClr r="0" g="0" b="0"/>
-      </a:lnRef>
-      <a:fillRef idx="1">
-        <a:scrgbClr r="0" g="0" b="0"/>
-      </a:fillRef>
-      <a:effectRef idx="0">
-        <a:scrgbClr r="0" g="0" b="0"/>
-      </a:effectRef>
-      <a:fontRef idx="minor"/>
-    </dgm:style>
-  </dgm:styleLbl>
-  <dgm:styleLbl name="fgSibTrans2D1">
-    <dgm:scene3d>
-      <a:camera prst="orthographicFront"/>
-      <a:lightRig rig="threePt" dir="t"/>
-    </dgm:scene3d>
-    <dgm:txPr/>
-    <dgm:style>
-      <a:lnRef idx="0">
-        <a:scrgbClr r="0" g="0" b="0"/>
-      </a:lnRef>
-      <a:fillRef idx="1">
-        <a:scrgbClr r="0" g="0" b="0"/>
-      </a:fillRef>
-      <a:effectRef idx="0">
-        <a:scrgbClr r="0" g="0" b="0"/>
-      </a:effectRef>
-      <a:fontRef idx="minor">
-        <a:schemeClr val="lt1"/>
-      </a:fontRef>
-    </dgm:style>
-  </dgm:styleLbl>
-  <dgm:styleLbl name="lnNode1">
-    <dgm:scene3d>
-      <a:camera prst="orthographicFront"/>
-      <a:lightRig rig="threePt" dir="t"/>
-    </dgm:scene3d>
-    <dgm:txPr/>
-    <dgm:style>
-      <a:lnRef idx="2">
-        <a:scrgbClr r="0" g="0" b="0"/>
-      </a:lnRef>
-      <a:fillRef idx="1">
-        <a:scrgbClr r="0" g="0" b="0"/>
-      </a:fillRef>
-      <a:effectRef idx="0">
-        <a:scrgbClr r="0" g="0" b="0"/>
-      </a:effectRef>
-      <a:fontRef idx="minor">
-        <a:schemeClr val="lt1"/>
-      </a:fontRef>
-    </dgm:style>
-  </dgm:styleLbl>
-  <dgm:styleLbl name="node0">
-    <dgm:scene3d>
-      <a:camera prst="orthographicFront"/>
-      <a:lightRig rig="threePt" dir="t"/>
-    </dgm:scene3d>
-    <dgm:txPr/>
-    <dgm:style>
-      <a:lnRef idx="2">
-        <a:scrgbClr r="0" g="0" b="0"/>
-      </a:lnRef>
-      <a:fillRef idx="1">
-        <a:scrgbClr r="0" g="0" b="0"/>
-      </a:fillRef>
-      <a:effectRef idx="0">
-        <a:scrgbClr r="0" g="0" b="0"/>
-      </a:effectRef>
-      <a:fontRef idx="minor">
-        <a:schemeClr val="lt1"/>
-      </a:fontRef>
-    </dgm:style>
-  </dgm:styleLbl>
-  <dgm:styleLbl name="node1">
-    <dgm:scene3d>
-      <a:camera prst="orthographicFront"/>
-      <a:lightRig rig="threePt" dir="t"/>
-    </dgm:scene3d>
-    <dgm:txPr/>
-    <dgm:style>
-      <a:lnRef idx="2">
-        <a:scrgbClr r="0" g="0" b="0"/>
-      </a:lnRef>
-      <a:fillRef idx="1">
-        <a:scrgbClr r="0" g="0" b="0"/>
-      </a:fillRef>
-      <a:effectRef idx="0">
-        <a:scrgbClr r="0" g="0" b="0"/>
-      </a:effectRef>
-      <a:fontRef idx="minor">
-        <a:schemeClr val="lt1"/>
-      </a:fontRef>
-    </dgm:style>
-  </dgm:styleLbl>
-  <dgm:styleLbl name="node2">
-    <dgm:scene3d>
-      <a:camera prst="orthographicFront"/>
-      <a:lightRig rig="threePt" dir="t"/>
-    </dgm:scene3d>
-    <dgm:txPr/>
-    <dgm:style>
-      <a:lnRef idx="2">
-        <a:scrgbClr r="0" g="0" b="0"/>
-      </a:lnRef>
-      <a:fillRef idx="1">
-        <a:scrgbClr r="0" g="0" b="0"/>
-      </a:fillRef>
-      <a:effectRef idx="0">
-        <a:scrgbClr r="0" g="0" b="0"/>
-      </a:effectRef>
-      <a:fontRef idx="minor">
-        <a:schemeClr val="lt1"/>
-      </a:fontRef>
-    </dgm:style>
-  </dgm:styleLbl>
-  <dgm:styleLbl name="node3">
-    <dgm:scene3d>
-      <a:camera prst="orthographicFront"/>
-      <a:lightRig rig="threePt" dir="t"/>
-    </dgm:scene3d>
-    <dgm:txPr/>
-    <dgm:style>
-      <a:lnRef idx="2">
-        <a:scrgbClr r="0" g="0" b="0"/>
-      </a:lnRef>
-      <a:fillRef idx="1">
-        <a:scrgbClr r="0" g="0" b="0"/>
-      </a:fillRef>
-      <a:effectRef idx="0">
-        <a:scrgbClr r="0" g="0" b="0"/>
-      </a:effectRef>
-      <a:fontRef idx="minor">
-        <a:schemeClr val="lt1"/>
-      </a:fontRef>
-    </dgm:style>
-  </dgm:styleLbl>
-  <dgm:styleLbl name="node4">
-    <dgm:scene3d>
-      <a:camera prst="orthographicFront"/>
-      <a:lightRig rig="threePt" dir="t"/>
-    </dgm:scene3d>
-    <dgm:txPr/>
-    <dgm:style>
-      <a:lnRef idx="2">
-        <a:scrgbClr r="0" g="0" b="0"/>
-      </a:lnRef>
-      <a:fillRef idx="1">
-        <a:scrgbClr r="0" g="0" b="0"/>
-      </a:fillRef>
-      <a:effectRef idx="0">
-        <a:scrgbClr r="0" g="0" b="0"/>
-      </a:effectRef>
-      <a:fontRef idx="minor">
-        <a:schemeClr val="lt1"/>
-      </a:fontRef>
-    </dgm:style>
-  </dgm:styleLbl>
-  <dgm:styleLbl name="parChTrans1D1">
-    <dgm:scene3d>
-      <a:camera prst="orthographicFront"/>
-      <a:lightRig rig="threePt" dir="t"/>
-    </dgm:scene3d>
-    <dgm:txPr/>
-    <dgm:style>
-      <a:lnRef idx="2">
-        <a:scrgbClr r="0" g="0" b="0"/>
-      </a:lnRef>
-      <a:fillRef idx="0">
-        <a:scrgbClr r="0" g="0" b="0"/>
-      </a:fillRef>
-      <a:effectRef idx="0">
-        <a:scrgbClr r="0" g="0" b="0"/>
-      </a:effectRef>
-      <a:fontRef idx="minor"/>
-    </dgm:style>
-  </dgm:styleLbl>
-  <dgm:styleLbl name="parChTrans1D2">
-    <dgm:scene3d>
-      <a:camera prst="orthographicFront"/>
-      <a:lightRig rig="threePt" dir="t"/>
-    </dgm:scene3d>
-    <dgm:txPr/>
-    <dgm:style>
-      <a:lnRef idx="2">
-        <a:scrgbClr r="0" g="0" b="0"/>
-      </a:lnRef>
-      <a:fillRef idx="0">
-        <a:scrgbClr r="0" g="0" b="0"/>
-      </a:fillRef>
-      <a:effectRef idx="0">
-        <a:scrgbClr r="0" g="0" b="0"/>
-      </a:effectRef>
-      <a:fontRef idx="minor"/>
-    </dgm:style>
-  </dgm:styleLbl>
-  <dgm:styleLbl name="parChTrans1D3">
-    <dgm:scene3d>
-      <a:camera prst="orthographicFront"/>
-      <a:lightRig rig="threePt" dir="t"/>
-    </dgm:scene3d>
-    <dgm:txPr/>
-    <dgm:style>
-      <a:lnRef idx="2">
-        <a:scrgbClr r="0" g="0" b="0"/>
-      </a:lnRef>
-      <a:fillRef idx="0">
-        <a:scrgbClr r="0" g="0" b="0"/>
-      </a:fillRef>
-      <a:effectRef idx="0">
-        <a:scrgbClr r="0" g="0" b="0"/>
-      </a:effectRef>
-      <a:fontRef idx="minor"/>
-    </dgm:style>
-  </dgm:styleLbl>
-  <dgm:styleLbl name="parChTrans1D4">
-    <dgm:scene3d>
-      <a:camera prst="orthographicFront"/>
-      <a:lightRig rig="threePt" dir="t"/>
-    </dgm:scene3d>
-    <dgm:txPr/>
-    <dgm:style>
-      <a:lnRef idx="2">
-        <a:scrgbClr r="0" g="0" b="0"/>
-      </a:lnRef>
-      <a:fillRef idx="0">
-        <a:scrgbClr r="0" g="0" b="0"/>
-      </a:fillRef>
-      <a:effectRef idx="0">
-        <a:scrgbClr r="0" g="0" b="0"/>
-      </a:effectRef>
-      <a:fontRef idx="minor"/>
-    </dgm:style>
-  </dgm:styleLbl>
-  <dgm:styleLbl name="parChTrans2D1">
-    <dgm:scene3d>
-      <a:camera prst="orthographicFront"/>
-      <a:lightRig rig="threePt" dir="t"/>
-    </dgm:scene3d>
-    <dgm:txPr/>
-    <dgm:style>
-      <a:lnRef idx="2">
-        <a:scrgbClr r="0" g="0" b="0"/>
-      </a:lnRef>
-      <a:fillRef idx="1">
-        <a:scrgbClr r="0" g="0" b="0"/>
-      </a:fillRef>
-      <a:effectRef idx="0">
-        <a:scrgbClr r="0" g="0" b="0"/>
-      </a:effectRef>
-      <a:fontRef idx="minor">
-        <a:schemeClr val="lt1"/>
-      </a:fontRef>
-    </dgm:style>
-  </dgm:styleLbl>
-  <dgm:styleLbl name="parChTrans2D2">
-    <dgm:scene3d>
-      <a:camera prst="orthographicFront"/>
-      <a:lightRig rig="threePt" dir="t"/>
-    </dgm:scene3d>
-    <dgm:txPr/>
-    <dgm:style>
-      <a:lnRef idx="2">
-        <a:scrgbClr r="0" g="0" b="0"/>
-      </a:lnRef>
-      <a:fillRef idx="1">
-        <a:scrgbClr r="0" g="0" b="0"/>
-      </a:fillRef>
-      <a:effectRef idx="0">
-        <a:scrgbClr r="0" g="0" b="0"/>
-      </a:effectRef>
-      <a:fontRef idx="minor">
-        <a:schemeClr val="lt1"/>
-      </a:fontRef>
-    </dgm:style>
-  </dgm:styleLbl>
-  <dgm:styleLbl name="parChTrans2D3">
-    <dgm:scene3d>
-      <a:camera prst="orthographicFront"/>
-      <a:lightRig rig="threePt" dir="t"/>
-    </dgm:scene3d>
-    <dgm:txPr/>
-    <dgm:style>
-      <a:lnRef idx="2">
-        <a:scrgbClr r="0" g="0" b="0"/>
-      </a:lnRef>
-      <a:fillRef idx="1">
-        <a:scrgbClr r="0" g="0" b="0"/>
-      </a:fillRef>
-      <a:effectRef idx="0">
-        <a:scrgbClr r="0" g="0" b="0"/>
-      </a:effectRef>
-      <a:fontRef idx="minor">
-        <a:schemeClr val="lt1"/>
-      </a:fontRef>
-    </dgm:style>
-  </dgm:styleLbl>
-  <dgm:styleLbl name="parChTrans2D4">
-    <dgm:scene3d>
-      <a:camera prst="orthographicFront"/>
-      <a:lightRig rig="threePt" dir="t"/>
-    </dgm:scene3d>
-    <dgm:txPr/>
-    <dgm:style>
-      <a:lnRef idx="2">
-        <a:scrgbClr r="0" g="0" b="0"/>
-      </a:lnRef>
-      <a:fillRef idx="1">
-        <a:scrgbClr r="0" g="0" b="0"/>
-      </a:fillRef>
-      <a:effectRef idx="0">
-        <a:scrgbClr r="0" g="0" b="0"/>
-      </a:effectRef>
-      <a:fontRef idx="minor">
-        <a:schemeClr val="lt1"/>
-      </a:fontRef>
-    </dgm:style>
-  </dgm:styleLbl>
-  <dgm:styleLbl name="revTx">
-    <dgm:scene3d>
-      <a:camera prst="orthographicFront"/>
-      <a:lightRig rig="threePt" dir="t"/>
-    </dgm:scene3d>
-    <dgm:txPr/>
-    <dgm:style>
-      <a:lnRef idx="0">
-        <a:scrgbClr r="0" g="0" b="0"/>
-      </a:lnRef>
-      <a:fillRef idx="0">
-        <a:scrgbClr r="0" g="0" b="0"/>
-      </a:fillRef>
-      <a:effectRef idx="0">
-        <a:scrgbClr r="0" g="0" b="0"/>
-      </a:effectRef>
-      <a:fontRef idx="minor"/>
-    </dgm:style>
-  </dgm:styleLbl>
-  <dgm:styleLbl name="sibTrans1D1">
-    <dgm:scene3d>
-      <a:camera prst="orthographicFront"/>
-      <a:lightRig rig="threePt" dir="t"/>
-    </dgm:scene3d>
-    <dgm:txPr/>
-    <dgm:style>
-      <a:lnRef idx="1">
-        <a:scrgbClr r="0" g="0" b="0"/>
-      </a:lnRef>
-      <a:fillRef idx="0">
-        <a:scrgbClr r="0" g="0" b="0"/>
-      </a:fillRef>
-      <a:effectRef idx="0">
-        <a:scrgbClr r="0" g="0" b="0"/>
-      </a:effectRef>
-      <a:fontRef idx="minor"/>
-    </dgm:style>
-  </dgm:styleLbl>
-  <dgm:styleLbl name="sibTrans2D1">
-    <dgm:scene3d>
-      <a:camera prst="orthographicFront"/>
-      <a:lightRig rig="threePt" dir="t"/>
-    </dgm:scene3d>
-    <dgm:txPr/>
-    <dgm:style>
-      <a:lnRef idx="0">
-        <a:scrgbClr r="0" g="0" b="0"/>
-      </a:lnRef>
-      <a:fillRef idx="1">
-        <a:scrgbClr r="0" g="0" b="0"/>
-      </a:fillRef>
-      <a:effectRef idx="0">
-        <a:scrgbClr r="0" g="0" b="0"/>
-      </a:effectRef>
-      <a:fontRef idx="minor">
-        <a:schemeClr val="lt1"/>
-      </a:fontRef>
-    </dgm:style>
-  </dgm:styleLbl>
-  <dgm:styleLbl name="solidAlignAcc1">
-    <dgm:scene3d>
-      <a:camera prst="orthographicFront"/>
-      <a:lightRig rig="threePt" dir="t"/>
-    </dgm:scene3d>
-    <dgm:txPr/>
-    <dgm:style>
-      <a:lnRef idx="2">
-        <a:scrgbClr r="0" g="0" b="0"/>
-      </a:lnRef>
-      <a:fillRef idx="1">
-        <a:scrgbClr r="0" g="0" b="0"/>
-      </a:fillRef>
-      <a:effectRef idx="0">
-        <a:scrgbClr r="0" g="0" b="0"/>
-      </a:effectRef>
-      <a:fontRef idx="minor"/>
-    </dgm:style>
-  </dgm:styleLbl>
-  <dgm:styleLbl name="solidBgAcc1">
-    <dgm:scene3d>
-      <a:camera prst="orthographicFront"/>
-      <a:lightRig rig="threePt" dir="t"/>
-    </dgm:scene3d>
-    <dgm:txPr/>
-    <dgm:style>
-      <a:lnRef idx="2">
-        <a:scrgbClr r="0" g="0" b="0"/>
-      </a:lnRef>
-      <a:fillRef idx="1">
-        <a:scrgbClr r="0" g="0" b="0"/>
-      </a:fillRef>
-      <a:effectRef idx="0">
-        <a:scrgbClr r="0" g="0" b="0"/>
-      </a:effectRef>
-      <a:fontRef idx="minor"/>
-    </dgm:style>
-  </dgm:styleLbl>
-  <dgm:styleLbl name="solidFgAcc1">
-    <dgm:scene3d>
-      <a:camera prst="orthographicFront"/>
-      <a:lightRig rig="threePt" dir="t"/>
-    </dgm:scene3d>
-    <dgm:txPr/>
-    <dgm:style>
-      <a:lnRef idx="2">
-        <a:scrgbClr r="0" g="0" b="0"/>
-      </a:lnRef>
-      <a:fillRef idx="1">
-        <a:scrgbClr r="0" g="0" b="0"/>
-      </a:fillRef>
-      <a:effectRef idx="0">
-        <a:scrgbClr r="0" g="0" b="0"/>
-      </a:effectRef>
-      <a:fontRef idx="minor"/>
-    </dgm:style>
-  </dgm:styleLbl>
-  <dgm:styleLbl name="trAlignAcc1">
-    <dgm:scene3d>
-      <a:camera prst="orthographicFront"/>
-      <a:lightRig rig="threePt" dir="t"/>
-    </dgm:scene3d>
-    <dgm:txPr/>
-    <dgm:style>
-      <a:lnRef idx="1">
-        <a:scrgbClr r="0" g="0" b="0"/>
-      </a:lnRef>
-      <a:fillRef idx="1">
-        <a:scrgbClr r="0" g="0" b="0"/>
-      </a:fillRef>
-      <a:effectRef idx="0">
-        <a:scrgbClr r="0" g="0" b="0"/>
-      </a:effectRef>
-      <a:fontRef idx="minor"/>
-    </dgm:style>
-  </dgm:styleLbl>
-  <dgm:styleLbl name="trBgShp">
-    <dgm:scene3d>
-      <a:camera prst="orthographicFront"/>
-      <a:lightRig rig="threePt" dir="t"/>
-    </dgm:scene3d>
-    <dgm:txPr/>
-    <dgm:style>
-      <a:lnRef idx="0">
-        <a:scrgbClr r="0" g="0" b="0"/>
-      </a:lnRef>
-      <a:fillRef idx="1">
-        <a:scrgbClr r="0" g="0" b="0"/>
-      </a:fillRef>
-      <a:effectRef idx="0">
-        <a:scrgbClr r="0" g="0" b="0"/>
-      </a:effectRef>
-      <a:fontRef idx="minor"/>
-    </dgm:style>
-  </dgm:styleLbl>
-  <dgm:styleLbl name="vennNode1">
-    <dgm:scene3d>
-      <a:camera prst="orthographicFront"/>
-      <a:lightRig rig="threePt" dir="t"/>
-    </dgm:scene3d>
-    <dgm:txPr/>
-    <dgm:style>
-      <a:lnRef idx="2">
-        <a:scrgbClr r="0" g="0" b="0"/>
-      </a:lnRef>
-      <a:fillRef idx="1">
-        <a:scrgbClr r="0" g="0" b="0"/>
-      </a:fillRef>
-      <a:effectRef idx="0">
-        <a:scrgbClr r="0" g="0" b="0"/>
-      </a:effectRef>
-      <a:fontRef idx="minor">
-        <a:schemeClr val="tx1"/>
-      </a:fontRef>
-    </dgm:style>
-  </dgm:styleLbl>
-</dgm:styleDef>
 </file>
 
 <file path=ppt/handoutMasters/handoutMaster1.xml><?xml version="1.0" encoding="utf-8"?>
@@ -6383,7 +3212,7 @@
         <a:spcBef>
           <a:spcPts val="1000"/>
         </a:spcBef>
-        <a:buFont typeface="Arial" panose="02080604020202020204" pitchFamily="34" charset="0"/>
+        <a:buFont typeface="Arial" panose="020B0604020202020204" pitchFamily="34" charset="0"/>
         <a:buChar char="•"/>
         <a:defRPr sz="2400" kern="1200">
           <a:solidFill>
@@ -6401,7 +3230,7 @@
         <a:spcBef>
           <a:spcPts val="500"/>
         </a:spcBef>
-        <a:buFont typeface="Arial" panose="02080604020202020204" pitchFamily="34" charset="0"/>
+        <a:buFont typeface="Arial" panose="020B0604020202020204" pitchFamily="34" charset="0"/>
         <a:buChar char="•"/>
         <a:defRPr sz="2000" kern="1200">
           <a:solidFill>
@@ -6419,7 +3248,7 @@
         <a:spcBef>
           <a:spcPts val="500"/>
         </a:spcBef>
-        <a:buFont typeface="Arial" panose="02080604020202020204" pitchFamily="34" charset="0"/>
+        <a:buFont typeface="Arial" panose="020B0604020202020204" pitchFamily="34" charset="0"/>
         <a:buChar char="•"/>
         <a:defRPr sz="1800" kern="1200">
           <a:solidFill>
@@ -6437,7 +3266,7 @@
         <a:spcBef>
           <a:spcPts val="500"/>
         </a:spcBef>
-        <a:buFont typeface="Arial" panose="02080604020202020204" pitchFamily="34" charset="0"/>
+        <a:buFont typeface="Arial" panose="020B0604020202020204" pitchFamily="34" charset="0"/>
         <a:buChar char="•"/>
         <a:defRPr sz="1800" kern="1200">
           <a:solidFill>
@@ -6455,7 +3284,7 @@
         <a:spcBef>
           <a:spcPts val="500"/>
         </a:spcBef>
-        <a:buFont typeface="Arial" panose="02080604020202020204" pitchFamily="34" charset="0"/>
+        <a:buFont typeface="Arial" panose="020B0604020202020204" pitchFamily="34" charset="0"/>
         <a:buChar char="•"/>
         <a:defRPr sz="1800" kern="1200">
           <a:solidFill>
@@ -6473,7 +3302,7 @@
         <a:spcBef>
           <a:spcPts val="500"/>
         </a:spcBef>
-        <a:buFont typeface="Arial" panose="02080604020202020204" pitchFamily="34" charset="0"/>
+        <a:buFont typeface="Arial" panose="020B0604020202020204" pitchFamily="34" charset="0"/>
         <a:buChar char="•"/>
         <a:defRPr sz="1800" kern="1200">
           <a:solidFill>
@@ -6491,7 +3320,7 @@
         <a:spcBef>
           <a:spcPts val="500"/>
         </a:spcBef>
-        <a:buFont typeface="Arial" panose="02080604020202020204" pitchFamily="34" charset="0"/>
+        <a:buFont typeface="Arial" panose="020B0604020202020204" pitchFamily="34" charset="0"/>
         <a:buChar char="•"/>
         <a:defRPr sz="1800" kern="1200">
           <a:solidFill>
@@ -6509,7 +3338,7 @@
         <a:spcBef>
           <a:spcPts val="500"/>
         </a:spcBef>
-        <a:buFont typeface="Arial" panose="02080604020202020204" pitchFamily="34" charset="0"/>
+        <a:buFont typeface="Arial" panose="020B0604020202020204" pitchFamily="34" charset="0"/>
         <a:buChar char="•"/>
         <a:defRPr sz="1800" kern="1200">
           <a:solidFill>
@@ -6527,7 +3356,7 @@
         <a:spcBef>
           <a:spcPts val="500"/>
         </a:spcBef>
-        <a:buFont typeface="Arial" panose="02080604020202020204" pitchFamily="34" charset="0"/>
+        <a:buFont typeface="Arial" panose="020B0604020202020204" pitchFamily="34" charset="0"/>
         <a:buChar char="•"/>
         <a:defRPr sz="1800" kern="1200">
           <a:solidFill>
@@ -6648,431 +3477,772 @@
         <p:nvPr/>
       </p:nvGrpSpPr>
       <p:grpSpPr/>
-      <p:pic>
-        <p:nvPicPr>
-          <p:cNvPr id="4" name="Picture 3" descr="airfoil"/>
-          <p:cNvPicPr>
-            <a:picLocks noChangeAspect="1"/>
-          </p:cNvPicPr>
-          <p:nvPr/>
-        </p:nvPicPr>
-        <p:blipFill>
-          <a:blip r:embed="rId1"/>
-          <a:stretch>
-            <a:fillRect/>
-          </a:stretch>
-        </p:blipFill>
-        <p:spPr>
-          <a:xfrm>
-            <a:off x="1581785" y="2033270"/>
-            <a:ext cx="4520565" cy="2576195"/>
-          </a:xfrm>
-          <a:prstGeom prst="rect">
-            <a:avLst/>
-          </a:prstGeom>
-        </p:spPr>
-      </p:pic>
-      <p:sp>
-        <p:nvSpPr>
-          <p:cNvPr id="5" name="Text Box 4"/>
-          <p:cNvSpPr txBox="1"/>
-          <p:nvPr/>
-        </p:nvSpPr>
-        <p:spPr>
-          <a:xfrm>
-            <a:off x="6938010" y="1094105"/>
-            <a:ext cx="2972435" cy="368300"/>
-          </a:xfrm>
-          <a:prstGeom prst="rect">
-            <a:avLst/>
-          </a:prstGeom>
-          <a:noFill/>
-        </p:spPr>
-        <p:txBody>
-          <a:bodyPr wrap="square" rtlCol="0">
-            <a:spAutoFit/>
-          </a:bodyPr>
-          <a:p>
-            <a:pPr algn="ctr"/>
-            <a:r>
-              <a:rPr lang="en-US" altLang="en-US"/>
-              <a:t>Digital Twin for Airfoil</a:t>
-            </a:r>
-            <a:endParaRPr lang="en-US" altLang="en-US"/>
-          </a:p>
-        </p:txBody>
-      </p:sp>
       <p:graphicFrame>
         <p:nvGraphicFramePr>
-          <p:cNvPr id="6" name="Diagram 5"/>
+          <p:cNvPr id="4" name="Table 3"/>
           <p:cNvGraphicFramePr/>
           <p:nvPr/>
         </p:nvGraphicFramePr>
         <p:xfrm>
-          <a:off x="6564630" y="1760220"/>
-          <a:ext cx="3719830" cy="3418840"/>
+          <a:off x="1127760" y="1379220"/>
+          <a:ext cx="10073640" cy="3814445"/>
         </p:xfrm>
         <a:graphic>
-          <a:graphicData uri="http://schemas.openxmlformats.org/drawingml/2006/diagram">
-            <dgm:relIds xmlns:dgm="http://schemas.openxmlformats.org/drawingml/2006/diagram" xmlns:r="http://schemas.openxmlformats.org/officeDocument/2006/relationships" r:dm="rId2" r:lo="rId3" r:qs="rId4" r:cs="rId5"/>
+          <a:graphicData uri="http://schemas.openxmlformats.org/drawingml/2006/table">
+            <a:tbl>
+              <a:tblPr firstRow="1" bandRow="1">
+                <a:tableStyleId>{5C22544A-7EE6-4342-B048-85BDC9FD1C3A}</a:tableStyleId>
+              </a:tblPr>
+              <a:tblGrid>
+                <a:gridCol w="1678940"/>
+                <a:gridCol w="1678940"/>
+                <a:gridCol w="1678940"/>
+                <a:gridCol w="1678940"/>
+                <a:gridCol w="1678940"/>
+                <a:gridCol w="1678940"/>
+              </a:tblGrid>
+              <a:tr h="0">
+                <a:tc>
+                  <a:txBody>
+                    <a:bodyPr/>
+                    <a:p>
+                      <a:pPr>
+                        <a:buNone/>
+                      </a:pPr>
+                      <a:r>
+                        <a:rPr lang="en-US"/>
+                        <a:t>Computational Geometry</a:t>
+                      </a:r>
+                      <a:endParaRPr lang="en-US"/>
+                    </a:p>
+                  </a:txBody>
+                  <a:tcPr/>
+                </a:tc>
+                <a:tc>
+                  <a:txBody>
+                    <a:bodyPr/>
+                    <a:p>
+                      <a:pPr>
+                        <a:buNone/>
+                      </a:pPr>
+                      <a:r>
+                        <a:rPr lang="en-US"/>
+                        <a:t>Numerical Methods</a:t>
+                      </a:r>
+                      <a:endParaRPr lang="en-US"/>
+                    </a:p>
+                  </a:txBody>
+                  <a:tcPr/>
+                </a:tc>
+                <a:tc>
+                  <a:txBody>
+                    <a:bodyPr/>
+                    <a:p>
+                      <a:pPr>
+                        <a:buNone/>
+                      </a:pPr>
+                      <a:r>
+                        <a:rPr lang="en-US"/>
+                        <a:t>Computer Graphics</a:t>
+                      </a:r>
+                      <a:endParaRPr lang="en-US"/>
+                    </a:p>
+                  </a:txBody>
+                  <a:tcPr/>
+                </a:tc>
+                <a:tc>
+                  <a:txBody>
+                    <a:bodyPr/>
+                    <a:p>
+                      <a:pPr>
+                        <a:buNone/>
+                      </a:pPr>
+                      <a:r>
+                        <a:rPr lang="en-US"/>
+                        <a:t>Computer Images</a:t>
+                      </a:r>
+                      <a:endParaRPr lang="en-US"/>
+                    </a:p>
+                  </a:txBody>
+                  <a:tcPr/>
+                </a:tc>
+                <a:tc>
+                  <a:txBody>
+                    <a:bodyPr/>
+                    <a:p>
+                      <a:pPr>
+                        <a:buNone/>
+                      </a:pPr>
+                      <a:r>
+                        <a:rPr lang="en-US"/>
+                        <a:t>IDE</a:t>
+                      </a:r>
+                      <a:endParaRPr lang="en-US"/>
+                    </a:p>
+                  </a:txBody>
+                  <a:tcPr/>
+                </a:tc>
+                <a:tc>
+                  <a:txBody>
+                    <a:bodyPr/>
+                    <a:p>
+                      <a:pPr>
+                        <a:buNone/>
+                      </a:pPr>
+                      <a:r>
+                        <a:rPr lang="en-US"/>
+                        <a:t>Framework</a:t>
+                      </a:r>
+                      <a:endParaRPr lang="en-US"/>
+                    </a:p>
+                  </a:txBody>
+                  <a:tcPr/>
+                </a:tc>
+              </a:tr>
+              <a:tr h="396875">
+                <a:tc>
+                  <a:txBody>
+                    <a:bodyPr/>
+                    <a:p>
+                      <a:pPr>
+                        <a:buNone/>
+                      </a:pPr>
+                      <a:r>
+                        <a:rPr lang="en-US"/>
+                        <a:t>occ</a:t>
+                      </a:r>
+                      <a:endParaRPr lang="en-US"/>
+                    </a:p>
+                  </a:txBody>
+                  <a:tcPr/>
+                </a:tc>
+                <a:tc>
+                  <a:txBody>
+                    <a:bodyPr/>
+                    <a:p>
+                      <a:pPr>
+                        <a:buNone/>
+                      </a:pPr>
+                      <a:r>
+                        <a:rPr lang="en-US"/>
+                        <a:t>M++</a:t>
+                      </a:r>
+                      <a:endParaRPr lang="en-US"/>
+                    </a:p>
+                  </a:txBody>
+                  <a:tcPr/>
+                </a:tc>
+                <a:tc>
+                  <a:txBody>
+                    <a:bodyPr/>
+                    <a:p>
+                      <a:pPr>
+                        <a:buNone/>
+                      </a:pPr>
+                      <a:r>
+                        <a:rPr lang="en-US"/>
+                        <a:t>vtk</a:t>
+                      </a:r>
+                      <a:endParaRPr lang="en-US"/>
+                    </a:p>
+                  </a:txBody>
+                  <a:tcPr/>
+                </a:tc>
+                <a:tc>
+                  <a:txBody>
+                    <a:bodyPr/>
+                    <a:p>
+                      <a:pPr>
+                        <a:buNone/>
+                      </a:pPr>
+                      <a:endParaRPr lang="en-US"/>
+                    </a:p>
+                  </a:txBody>
+                  <a:tcPr/>
+                </a:tc>
+                <a:tc>
+                  <a:txBody>
+                    <a:bodyPr/>
+                    <a:p>
+                      <a:pPr>
+                        <a:buNone/>
+                      </a:pPr>
+                      <a:r>
+                        <a:rPr lang="en-US"/>
+                        <a:t>Qt</a:t>
+                      </a:r>
+                      <a:endParaRPr lang="en-US"/>
+                    </a:p>
+                  </a:txBody>
+                  <a:tcPr/>
+                </a:tc>
+                <a:tc>
+                  <a:txBody>
+                    <a:bodyPr/>
+                    <a:p>
+                      <a:pPr>
+                        <a:buNone/>
+                      </a:pPr>
+                      <a:r>
+                        <a:rPr lang="en-US"/>
+                        <a:t>FENGSim</a:t>
+                      </a:r>
+                      <a:endParaRPr lang="en-US"/>
+                    </a:p>
+                  </a:txBody>
+                  <a:tcPr/>
+                </a:tc>
+              </a:tr>
+              <a:tr h="396875">
+                <a:tc>
+                  <a:txBody>
+                    <a:bodyPr/>
+                    <a:p>
+                      <a:pPr>
+                        <a:buNone/>
+                      </a:pPr>
+                      <a:r>
+                        <a:rPr lang="en-US"/>
+                        <a:t>cgal</a:t>
+                      </a:r>
+                      <a:endParaRPr lang="en-US"/>
+                    </a:p>
+                  </a:txBody>
+                  <a:tcPr/>
+                </a:tc>
+                <a:tc>
+                  <a:txBody>
+                    <a:bodyPr/>
+                    <a:p>
+                      <a:pPr>
+                        <a:buNone/>
+                      </a:pPr>
+                      <a:endParaRPr lang="en-US"/>
+                    </a:p>
+                  </a:txBody>
+                  <a:tcPr/>
+                </a:tc>
+                <a:tc>
+                  <a:txBody>
+                    <a:bodyPr/>
+                    <a:p>
+                      <a:pPr>
+                        <a:buNone/>
+                      </a:pPr>
+                      <a:endParaRPr lang="en-US"/>
+                    </a:p>
+                  </a:txBody>
+                  <a:tcPr/>
+                </a:tc>
+                <a:tc>
+                  <a:txBody>
+                    <a:bodyPr/>
+                    <a:p>
+                      <a:pPr>
+                        <a:buNone/>
+                      </a:pPr>
+                      <a:endParaRPr lang="en-US"/>
+                    </a:p>
+                  </a:txBody>
+                  <a:tcPr/>
+                </a:tc>
+                <a:tc>
+                  <a:txBody>
+                    <a:bodyPr/>
+                    <a:p>
+                      <a:pPr>
+                        <a:buNone/>
+                      </a:pPr>
+                      <a:endParaRPr lang="en-US"/>
+                    </a:p>
+                  </a:txBody>
+                  <a:tcPr/>
+                </a:tc>
+                <a:tc>
+                  <a:txBody>
+                    <a:bodyPr/>
+                    <a:p>
+                      <a:pPr>
+                        <a:buNone/>
+                      </a:pPr>
+                      <a:endParaRPr lang="en-US"/>
+                    </a:p>
+                  </a:txBody>
+                  <a:tcPr/>
+                </a:tc>
+              </a:tr>
+              <a:tr h="396875">
+                <a:tc>
+                  <a:txBody>
+                    <a:bodyPr/>
+                    <a:p>
+                      <a:pPr>
+                        <a:buNone/>
+                      </a:pPr>
+                      <a:r>
+                        <a:rPr lang="en-US"/>
+                        <a:t>triangle</a:t>
+                      </a:r>
+                      <a:endParaRPr lang="en-US"/>
+                    </a:p>
+                  </a:txBody>
+                  <a:tcPr/>
+                </a:tc>
+                <a:tc>
+                  <a:txBody>
+                    <a:bodyPr/>
+                    <a:p>
+                      <a:pPr>
+                        <a:buNone/>
+                      </a:pPr>
+                      <a:endParaRPr lang="en-US"/>
+                    </a:p>
+                  </a:txBody>
+                  <a:tcPr/>
+                </a:tc>
+                <a:tc>
+                  <a:txBody>
+                    <a:bodyPr/>
+                    <a:p>
+                      <a:pPr>
+                        <a:buNone/>
+                      </a:pPr>
+                      <a:endParaRPr lang="en-US"/>
+                    </a:p>
+                  </a:txBody>
+                  <a:tcPr/>
+                </a:tc>
+                <a:tc>
+                  <a:txBody>
+                    <a:bodyPr/>
+                    <a:p>
+                      <a:pPr>
+                        <a:buNone/>
+                      </a:pPr>
+                      <a:endParaRPr lang="en-US"/>
+                    </a:p>
+                  </a:txBody>
+                  <a:tcPr/>
+                </a:tc>
+                <a:tc>
+                  <a:txBody>
+                    <a:bodyPr/>
+                    <a:p>
+                      <a:pPr>
+                        <a:buNone/>
+                      </a:pPr>
+                      <a:endParaRPr lang="en-US"/>
+                    </a:p>
+                  </a:txBody>
+                  <a:tcPr/>
+                </a:tc>
+                <a:tc>
+                  <a:txBody>
+                    <a:bodyPr/>
+                    <a:p>
+                      <a:pPr>
+                        <a:buNone/>
+                      </a:pPr>
+                      <a:endParaRPr lang="en-US"/>
+                    </a:p>
+                  </a:txBody>
+                  <a:tcPr/>
+                </a:tc>
+              </a:tr>
+              <a:tr h="396875">
+                <a:tc>
+                  <a:txBody>
+                    <a:bodyPr/>
+                    <a:p>
+                      <a:pPr>
+                        <a:buNone/>
+                      </a:pPr>
+                      <a:r>
+                        <a:rPr lang="en-US"/>
+                        <a:t>tetgen</a:t>
+                      </a:r>
+                      <a:endParaRPr lang="en-US"/>
+                    </a:p>
+                  </a:txBody>
+                  <a:tcPr/>
+                </a:tc>
+                <a:tc>
+                  <a:txBody>
+                    <a:bodyPr/>
+                    <a:p>
+                      <a:pPr>
+                        <a:buNone/>
+                      </a:pPr>
+                      <a:endParaRPr lang="en-US"/>
+                    </a:p>
+                  </a:txBody>
+                  <a:tcPr/>
+                </a:tc>
+                <a:tc>
+                  <a:txBody>
+                    <a:bodyPr/>
+                    <a:p>
+                      <a:pPr>
+                        <a:buNone/>
+                      </a:pPr>
+                      <a:endParaRPr lang="en-US"/>
+                    </a:p>
+                  </a:txBody>
+                  <a:tcPr/>
+                </a:tc>
+                <a:tc>
+                  <a:txBody>
+                    <a:bodyPr/>
+                    <a:p>
+                      <a:pPr>
+                        <a:buNone/>
+                      </a:pPr>
+                      <a:endParaRPr lang="en-US"/>
+                    </a:p>
+                  </a:txBody>
+                  <a:tcPr/>
+                </a:tc>
+                <a:tc>
+                  <a:txBody>
+                    <a:bodyPr/>
+                    <a:p>
+                      <a:pPr>
+                        <a:buNone/>
+                      </a:pPr>
+                      <a:endParaRPr lang="en-US"/>
+                    </a:p>
+                  </a:txBody>
+                  <a:tcPr/>
+                </a:tc>
+                <a:tc>
+                  <a:txBody>
+                    <a:bodyPr/>
+                    <a:p>
+                      <a:pPr>
+                        <a:buNone/>
+                      </a:pPr>
+                      <a:endParaRPr lang="en-US"/>
+                    </a:p>
+                  </a:txBody>
+                  <a:tcPr/>
+                </a:tc>
+              </a:tr>
+              <a:tr h="396875">
+                <a:tc>
+                  <a:txBody>
+                    <a:bodyPr/>
+                    <a:p>
+                      <a:pPr>
+                        <a:buNone/>
+                      </a:pPr>
+                      <a:r>
+                        <a:rPr lang="en-US"/>
+                        <a:t>gmsh</a:t>
+                      </a:r>
+                      <a:endParaRPr lang="en-US"/>
+                    </a:p>
+                  </a:txBody>
+                  <a:tcPr/>
+                </a:tc>
+                <a:tc>
+                  <a:txBody>
+                    <a:bodyPr/>
+                    <a:p>
+                      <a:pPr>
+                        <a:buNone/>
+                      </a:pPr>
+                      <a:endParaRPr lang="en-US"/>
+                    </a:p>
+                  </a:txBody>
+                  <a:tcPr/>
+                </a:tc>
+                <a:tc>
+                  <a:txBody>
+                    <a:bodyPr/>
+                    <a:p>
+                      <a:pPr>
+                        <a:buNone/>
+                      </a:pPr>
+                      <a:endParaRPr lang="en-US"/>
+                    </a:p>
+                  </a:txBody>
+                  <a:tcPr/>
+                </a:tc>
+                <a:tc>
+                  <a:txBody>
+                    <a:bodyPr/>
+                    <a:p>
+                      <a:pPr>
+                        <a:buNone/>
+                      </a:pPr>
+                      <a:endParaRPr lang="en-US"/>
+                    </a:p>
+                  </a:txBody>
+                  <a:tcPr/>
+                </a:tc>
+                <a:tc>
+                  <a:txBody>
+                    <a:bodyPr/>
+                    <a:p>
+                      <a:pPr>
+                        <a:buNone/>
+                      </a:pPr>
+                      <a:endParaRPr lang="en-US"/>
+                    </a:p>
+                  </a:txBody>
+                  <a:tcPr/>
+                </a:tc>
+                <a:tc>
+                  <a:txBody>
+                    <a:bodyPr/>
+                    <a:p>
+                      <a:pPr>
+                        <a:buNone/>
+                      </a:pPr>
+                      <a:endParaRPr lang="en-US"/>
+                    </a:p>
+                  </a:txBody>
+                  <a:tcPr/>
+                </a:tc>
+              </a:tr>
+              <a:tr h="396875">
+                <a:tc>
+                  <a:txBody>
+                    <a:bodyPr/>
+                    <a:p>
+                      <a:pPr>
+                        <a:buNone/>
+                      </a:pPr>
+                      <a:r>
+                        <a:rPr lang="en-US"/>
+                        <a:t>slice2mesh</a:t>
+                      </a:r>
+                      <a:endParaRPr lang="en-US"/>
+                    </a:p>
+                  </a:txBody>
+                  <a:tcPr/>
+                </a:tc>
+                <a:tc>
+                  <a:txBody>
+                    <a:bodyPr/>
+                    <a:p>
+                      <a:pPr>
+                        <a:buNone/>
+                      </a:pPr>
+                      <a:endParaRPr lang="en-US"/>
+                    </a:p>
+                  </a:txBody>
+                  <a:tcPr/>
+                </a:tc>
+                <a:tc>
+                  <a:txBody>
+                    <a:bodyPr/>
+                    <a:p>
+                      <a:pPr>
+                        <a:buNone/>
+                      </a:pPr>
+                      <a:endParaRPr lang="en-US"/>
+                    </a:p>
+                  </a:txBody>
+                  <a:tcPr/>
+                </a:tc>
+                <a:tc>
+                  <a:txBody>
+                    <a:bodyPr/>
+                    <a:p>
+                      <a:pPr>
+                        <a:buNone/>
+                      </a:pPr>
+                      <a:endParaRPr lang="en-US"/>
+                    </a:p>
+                  </a:txBody>
+                  <a:tcPr/>
+                </a:tc>
+                <a:tc>
+                  <a:txBody>
+                    <a:bodyPr/>
+                    <a:p>
+                      <a:pPr>
+                        <a:buNone/>
+                      </a:pPr>
+                      <a:endParaRPr lang="en-US"/>
+                    </a:p>
+                  </a:txBody>
+                  <a:tcPr/>
+                </a:tc>
+                <a:tc>
+                  <a:txBody>
+                    <a:bodyPr/>
+                    <a:p>
+                      <a:pPr>
+                        <a:buNone/>
+                      </a:pPr>
+                      <a:endParaRPr lang="en-US"/>
+                    </a:p>
+                  </a:txBody>
+                  <a:tcPr/>
+                </a:tc>
+              </a:tr>
+              <a:tr h="396875">
+                <a:tc>
+                  <a:txBody>
+                    <a:bodyPr/>
+                    <a:p>
+                      <a:pPr>
+                        <a:buNone/>
+                      </a:pPr>
+                      <a:r>
+                        <a:rPr lang="en-US"/>
+                        <a:t>cinolib</a:t>
+                      </a:r>
+                      <a:endParaRPr lang="en-US"/>
+                    </a:p>
+                  </a:txBody>
+                  <a:tcPr/>
+                </a:tc>
+                <a:tc>
+                  <a:txBody>
+                    <a:bodyPr/>
+                    <a:p>
+                      <a:pPr>
+                        <a:buNone/>
+                      </a:pPr>
+                      <a:endParaRPr lang="en-US"/>
+                    </a:p>
+                  </a:txBody>
+                  <a:tcPr/>
+                </a:tc>
+                <a:tc>
+                  <a:txBody>
+                    <a:bodyPr/>
+                    <a:p>
+                      <a:pPr>
+                        <a:buNone/>
+                      </a:pPr>
+                      <a:endParaRPr lang="en-US"/>
+                    </a:p>
+                  </a:txBody>
+                  <a:tcPr/>
+                </a:tc>
+                <a:tc>
+                  <a:txBody>
+                    <a:bodyPr/>
+                    <a:p>
+                      <a:pPr>
+                        <a:buNone/>
+                      </a:pPr>
+                      <a:endParaRPr lang="en-US"/>
+                    </a:p>
+                  </a:txBody>
+                  <a:tcPr/>
+                </a:tc>
+                <a:tc>
+                  <a:txBody>
+                    <a:bodyPr/>
+                    <a:p>
+                      <a:pPr>
+                        <a:buNone/>
+                      </a:pPr>
+                      <a:endParaRPr lang="en-US"/>
+                    </a:p>
+                  </a:txBody>
+                  <a:tcPr/>
+                </a:tc>
+                <a:tc>
+                  <a:txBody>
+                    <a:bodyPr/>
+                    <a:p>
+                      <a:pPr>
+                        <a:buNone/>
+                      </a:pPr>
+                      <a:endParaRPr lang="en-US"/>
+                    </a:p>
+                  </a:txBody>
+                  <a:tcPr/>
+                </a:tc>
+              </a:tr>
+              <a:tr h="396875">
+                <a:tc>
+                  <a:txBody>
+                    <a:bodyPr/>
+                    <a:p>
+                      <a:pPr>
+                        <a:buNone/>
+                      </a:pPr>
+                      <a:r>
+                        <a:rPr lang="en-US"/>
+                        <a:t>pcl</a:t>
+                      </a:r>
+                      <a:endParaRPr lang="en-US"/>
+                    </a:p>
+                  </a:txBody>
+                  <a:tcPr/>
+                </a:tc>
+                <a:tc>
+                  <a:txBody>
+                    <a:bodyPr/>
+                    <a:p>
+                      <a:pPr>
+                        <a:buNone/>
+                      </a:pPr>
+                      <a:endParaRPr lang="en-US"/>
+                    </a:p>
+                  </a:txBody>
+                  <a:tcPr/>
+                </a:tc>
+                <a:tc>
+                  <a:txBody>
+                    <a:bodyPr/>
+                    <a:p>
+                      <a:pPr>
+                        <a:buNone/>
+                      </a:pPr>
+                      <a:endParaRPr lang="en-US"/>
+                    </a:p>
+                  </a:txBody>
+                  <a:tcPr/>
+                </a:tc>
+                <a:tc>
+                  <a:txBody>
+                    <a:bodyPr/>
+                    <a:p>
+                      <a:pPr>
+                        <a:buNone/>
+                      </a:pPr>
+                      <a:endParaRPr lang="en-US"/>
+                    </a:p>
+                  </a:txBody>
+                  <a:tcPr/>
+                </a:tc>
+                <a:tc>
+                  <a:txBody>
+                    <a:bodyPr/>
+                    <a:p>
+                      <a:pPr>
+                        <a:buNone/>
+                      </a:pPr>
+                      <a:endParaRPr lang="en-US"/>
+                    </a:p>
+                  </a:txBody>
+                  <a:tcPr/>
+                </a:tc>
+                <a:tc>
+                  <a:txBody>
+                    <a:bodyPr/>
+                    <a:p>
+                      <a:pPr>
+                        <a:buNone/>
+                      </a:pPr>
+                      <a:endParaRPr lang="en-US"/>
+                    </a:p>
+                  </a:txBody>
+                  <a:tcPr/>
+                </a:tc>
+              </a:tr>
+            </a:tbl>
           </a:graphicData>
         </a:graphic>
       </p:graphicFrame>
-    </p:spTree>
-  </p:cSld>
-  <p:clrMapOvr>
-    <a:masterClrMapping/>
-  </p:clrMapOvr>
-</p:sld>
-</file>
-
-<file path=ppt/slides/slide2.xml><?xml version="1.0" encoding="utf-8"?>
-<p:sld xmlns:a="http://schemas.openxmlformats.org/drawingml/2006/main" xmlns:r="http://schemas.openxmlformats.org/officeDocument/2006/relationships" xmlns:p="http://schemas.openxmlformats.org/presentationml/2006/main">
-  <p:cSld>
-    <p:spTree>
-      <p:nvGrpSpPr>
-        <p:cNvPr id="1" name=""/>
-        <p:cNvGrpSpPr/>
-        <p:nvPr/>
-      </p:nvGrpSpPr>
-      <p:grpSpPr/>
-      <p:sp>
-        <p:nvSpPr>
-          <p:cNvPr id="2" name="Title 1"/>
-          <p:cNvSpPr>
-            <a:spLocks noGrp="1"/>
-          </p:cNvSpPr>
-          <p:nvPr>
-            <p:ph type="title"/>
-          </p:nvPr>
-        </p:nvSpPr>
-        <p:spPr/>
-        <p:txBody>
-          <a:bodyPr/>
-          <a:p>
-            <a:endParaRPr lang="en-US"/>
-          </a:p>
-        </p:txBody>
-      </p:sp>
-      <p:sp>
-        <p:nvSpPr>
-          <p:cNvPr id="3" name="Content Placeholder 2"/>
-          <p:cNvSpPr>
-            <a:spLocks noGrp="1"/>
-          </p:cNvSpPr>
-          <p:nvPr>
-            <p:ph idx="1"/>
-          </p:nvPr>
-        </p:nvSpPr>
-        <p:spPr/>
-        <p:txBody>
-          <a:bodyPr/>
-          <a:p>
-            <a:endParaRPr lang="en-US"/>
-          </a:p>
-        </p:txBody>
-      </p:sp>
-      <p:sp>
-        <p:nvSpPr>
-          <p:cNvPr id="4" name="Rectangle 3"/>
-          <p:cNvSpPr/>
-          <p:nvPr/>
-        </p:nvSpPr>
-        <p:spPr>
-          <a:xfrm>
-            <a:off x="2568575" y="1346835"/>
-            <a:ext cx="7266305" cy="1198880"/>
-          </a:xfrm>
-          <a:prstGeom prst="rect">
-            <a:avLst/>
-          </a:prstGeom>
-          <a:noFill/>
-          <a:ln>
-            <a:noFill/>
-          </a:ln>
-        </p:spPr>
-        <p:txBody>
-          <a:bodyPr wrap="none" rtlCol="0" anchor="t">
-            <a:spAutoFit/>
-          </a:bodyPr>
-          <a:p>
-            <a:pPr algn="ctr"/>
-            <a:r>
-              <a:rPr lang="en-US" altLang="en-US" sz="7200" b="1">
-                <a:gradFill>
-                  <a:gsLst>
-                    <a:gs pos="0">
-                      <a:schemeClr val="accent5">
-                        <a:lumMod val="50000"/>
-                      </a:schemeClr>
-                    </a:gs>
-                    <a:gs pos="50000">
-                      <a:schemeClr val="accent5"/>
-                    </a:gs>
-                    <a:gs pos="100000">
-                      <a:schemeClr val="accent5">
-                        <a:lumMod val="60000"/>
-                        <a:lumOff val="40000"/>
-                      </a:schemeClr>
-                    </a:gs>
-                  </a:gsLst>
-                  <a:lin ang="5400000"/>
-                </a:gradFill>
-                <a:effectLst>
-                  <a:reflection blurRad="6350" stA="53000" endA="300" endPos="35500" dir="5400000" sy="-90000" algn="bl" rotWithShape="0"/>
-                </a:effectLst>
-              </a:rPr>
-              <a:t>OpenCAEPoro</a:t>
-            </a:r>
-            <a:endParaRPr lang="en-US" altLang="en-US" sz="7200" b="1">
-              <a:gradFill>
-                <a:gsLst>
-                  <a:gs pos="0">
-                    <a:schemeClr val="accent5">
-                      <a:lumMod val="50000"/>
-                    </a:schemeClr>
-                  </a:gs>
-                  <a:gs pos="50000">
-                    <a:schemeClr val="accent5"/>
-                  </a:gs>
-                  <a:gs pos="100000">
-                    <a:schemeClr val="accent5">
-                      <a:lumMod val="60000"/>
-                      <a:lumOff val="40000"/>
-                    </a:schemeClr>
-                  </a:gs>
-                </a:gsLst>
-                <a:lin ang="5400000"/>
-              </a:gradFill>
-              <a:effectLst>
-                <a:reflection blurRad="6350" stA="53000" endA="300" endPos="35500" dir="5400000" sy="-90000" algn="bl" rotWithShape="0"/>
-              </a:effectLst>
-            </a:endParaRPr>
-          </a:p>
-        </p:txBody>
-      </p:sp>
-      <p:sp>
-        <p:nvSpPr>
-          <p:cNvPr id="5" name="Rectangle 4"/>
-          <p:cNvSpPr/>
-          <p:nvPr/>
-        </p:nvSpPr>
-        <p:spPr>
-          <a:xfrm>
-            <a:off x="5044758" y="3537585"/>
-            <a:ext cx="2738120" cy="1198880"/>
-          </a:xfrm>
-          <a:prstGeom prst="rect">
-            <a:avLst/>
-          </a:prstGeom>
-          <a:noFill/>
-          <a:ln>
-            <a:noFill/>
-          </a:ln>
-        </p:spPr>
-        <p:txBody>
-          <a:bodyPr wrap="none" rtlCol="0" anchor="t">
-            <a:spAutoFit/>
-          </a:bodyPr>
-          <a:p>
-            <a:pPr algn="ctr"/>
-            <a:r>
-              <a:rPr lang="en-US" altLang="en-US" sz="7200" b="1">
-                <a:gradFill>
-                  <a:gsLst>
-                    <a:gs pos="0">
-                      <a:schemeClr val="accent5">
-                        <a:lumMod val="50000"/>
-                      </a:schemeClr>
-                    </a:gs>
-                    <a:gs pos="50000">
-                      <a:schemeClr val="accent5"/>
-                    </a:gs>
-                    <a:gs pos="100000">
-                      <a:schemeClr val="accent5">
-                        <a:lumMod val="60000"/>
-                        <a:lumOff val="40000"/>
-                      </a:schemeClr>
-                    </a:gs>
-                  </a:gsLst>
-                  <a:lin ang="5400000"/>
-                </a:gradFill>
-                <a:effectLst>
-                  <a:reflection blurRad="6350" stA="53000" endA="300" endPos="35500" dir="5400000" sy="-90000" algn="bl" rotWithShape="0"/>
-                </a:effectLst>
-              </a:rPr>
-              <a:t>FASP</a:t>
-            </a:r>
-            <a:endParaRPr lang="en-US" altLang="en-US" sz="7200" b="1">
-              <a:gradFill>
-                <a:gsLst>
-                  <a:gs pos="0">
-                    <a:schemeClr val="accent5">
-                      <a:lumMod val="50000"/>
-                    </a:schemeClr>
-                  </a:gs>
-                  <a:gs pos="50000">
-                    <a:schemeClr val="accent5"/>
-                  </a:gs>
-                  <a:gs pos="100000">
-                    <a:schemeClr val="accent5">
-                      <a:lumMod val="60000"/>
-                      <a:lumOff val="40000"/>
-                    </a:schemeClr>
-                  </a:gs>
-                </a:gsLst>
-                <a:lin ang="5400000"/>
-              </a:gradFill>
-              <a:effectLst>
-                <a:reflection blurRad="6350" stA="53000" endA="300" endPos="35500" dir="5400000" sy="-90000" algn="bl" rotWithShape="0"/>
-              </a:effectLst>
-            </a:endParaRPr>
-          </a:p>
-        </p:txBody>
-      </p:sp>
-    </p:spTree>
-  </p:cSld>
-  <p:clrMapOvr>
-    <a:masterClrMapping/>
-  </p:clrMapOvr>
-</p:sld>
-</file>
-
-<file path=ppt/slides/slide3.xml><?xml version="1.0" encoding="utf-8"?>
-<p:sld xmlns:a="http://schemas.openxmlformats.org/drawingml/2006/main" xmlns:r="http://schemas.openxmlformats.org/officeDocument/2006/relationships" xmlns:p="http://schemas.openxmlformats.org/presentationml/2006/main">
-  <p:cSld>
-    <p:spTree>
-      <p:nvGrpSpPr>
-        <p:cNvPr id="1" name=""/>
-        <p:cNvGrpSpPr/>
-        <p:nvPr/>
-      </p:nvGrpSpPr>
-      <p:grpSpPr/>
-      <p:sp>
-        <p:nvSpPr>
-          <p:cNvPr id="2" name="Title 1"/>
-          <p:cNvSpPr>
-            <a:spLocks noGrp="1"/>
-          </p:cNvSpPr>
-          <p:nvPr>
-            <p:ph type="title"/>
-          </p:nvPr>
-        </p:nvSpPr>
-        <p:spPr/>
-        <p:txBody>
-          <a:bodyPr/>
-          <a:p>
-            <a:endParaRPr lang="en-US"/>
-          </a:p>
-        </p:txBody>
-      </p:sp>
-      <p:sp>
-        <p:nvSpPr>
-          <p:cNvPr id="3" name="Content Placeholder 2"/>
-          <p:cNvSpPr>
-            <a:spLocks noGrp="1"/>
-          </p:cNvSpPr>
-          <p:nvPr>
-            <p:ph idx="1"/>
-          </p:nvPr>
-        </p:nvSpPr>
-        <p:spPr/>
-        <p:txBody>
-          <a:bodyPr/>
-          <a:p>
-            <a:endParaRPr lang="en-US"/>
-          </a:p>
-        </p:txBody>
-      </p:sp>
-      <p:pic>
-        <p:nvPicPr>
-          <p:cNvPr id="5" name="Picture 4" descr="opencaeporo"/>
-          <p:cNvPicPr>
-            <a:picLocks noChangeAspect="1"/>
-          </p:cNvPicPr>
-          <p:nvPr/>
-        </p:nvPicPr>
-        <p:blipFill>
-          <a:blip r:embed="rId1"/>
-          <a:stretch>
-            <a:fillRect/>
-          </a:stretch>
-        </p:blipFill>
-        <p:spPr>
-          <a:xfrm>
-            <a:off x="5776595" y="2466340"/>
-            <a:ext cx="2039620" cy="2268220"/>
-          </a:xfrm>
-          <a:prstGeom prst="rect">
-            <a:avLst/>
-          </a:prstGeom>
-        </p:spPr>
-      </p:pic>
-      <p:grpSp>
-        <p:nvGrpSpPr>
-          <p:cNvPr id="4" name="Group 3"/>
-          <p:cNvGrpSpPr/>
-          <p:nvPr/>
-        </p:nvGrpSpPr>
-        <p:grpSpPr>
-          <a:xfrm>
-            <a:off x="1232535" y="2466340"/>
-            <a:ext cx="9883775" cy="1662430"/>
-            <a:chOff x="1941" y="3884"/>
-            <a:chExt cx="15565" cy="2618"/>
-          </a:xfrm>
-        </p:grpSpPr>
-        <p:pic>
-          <p:nvPicPr>
-            <p:cNvPr id="7" name="Picture 6" descr="Fengsim_logo_hi"/>
-            <p:cNvPicPr>
-              <a:picLocks noChangeAspect="1"/>
-            </p:cNvPicPr>
-            <p:nvPr/>
-          </p:nvPicPr>
-          <p:blipFill>
-            <a:blip r:embed="rId2"/>
-            <a:srcRect l="11552" t="20832" r="9790" b="12331"/>
-            <a:stretch>
-              <a:fillRect/>
-            </a:stretch>
-          </p:blipFill>
-          <p:spPr>
-            <a:xfrm>
-              <a:off x="1941" y="3884"/>
-              <a:ext cx="6693" cy="2618"/>
-            </a:xfrm>
-            <a:prstGeom prst="rect">
-              <a:avLst/>
-            </a:prstGeom>
-          </p:spPr>
-        </p:pic>
-        <p:pic>
-          <p:nvPicPr>
-            <p:cNvPr id="8" name="Picture 7" descr="fasp"/>
-            <p:cNvPicPr>
-              <a:picLocks noChangeAspect="1"/>
-            </p:cNvPicPr>
-            <p:nvPr/>
-          </p:nvPicPr>
-          <p:blipFill>
-            <a:blip r:embed="rId3"/>
-            <a:srcRect t="10710" b="27226"/>
-            <a:stretch>
-              <a:fillRect/>
-            </a:stretch>
-          </p:blipFill>
-          <p:spPr>
-            <a:xfrm>
-              <a:off x="12772" y="4472"/>
-              <a:ext cx="4735" cy="1443"/>
-            </a:xfrm>
-            <a:prstGeom prst="rect">
-              <a:avLst/>
-            </a:prstGeom>
-          </p:spPr>
-        </p:pic>
-      </p:grpSp>
     </p:spTree>
   </p:cSld>
   <p:clrMapOvr>

--- a/images/Presentation1.pptx
+++ b/images/Presentation1.pptx
@@ -3212,7 +3212,7 @@
         <a:spcBef>
           <a:spcPts val="1000"/>
         </a:spcBef>
-        <a:buFont typeface="Arial" panose="020B0604020202020204" pitchFamily="34" charset="0"/>
+        <a:buFont typeface="Arial" panose="02080604020202020204" pitchFamily="34" charset="0"/>
         <a:buChar char="•"/>
         <a:defRPr sz="2400" kern="1200">
           <a:solidFill>
@@ -3230,7 +3230,7 @@
         <a:spcBef>
           <a:spcPts val="500"/>
         </a:spcBef>
-        <a:buFont typeface="Arial" panose="020B0604020202020204" pitchFamily="34" charset="0"/>
+        <a:buFont typeface="Arial" panose="02080604020202020204" pitchFamily="34" charset="0"/>
         <a:buChar char="•"/>
         <a:defRPr sz="2000" kern="1200">
           <a:solidFill>
@@ -3248,7 +3248,7 @@
         <a:spcBef>
           <a:spcPts val="500"/>
         </a:spcBef>
-        <a:buFont typeface="Arial" panose="020B0604020202020204" pitchFamily="34" charset="0"/>
+        <a:buFont typeface="Arial" panose="02080604020202020204" pitchFamily="34" charset="0"/>
         <a:buChar char="•"/>
         <a:defRPr sz="1800" kern="1200">
           <a:solidFill>
@@ -3266,7 +3266,7 @@
         <a:spcBef>
           <a:spcPts val="500"/>
         </a:spcBef>
-        <a:buFont typeface="Arial" panose="020B0604020202020204" pitchFamily="34" charset="0"/>
+        <a:buFont typeface="Arial" panose="02080604020202020204" pitchFamily="34" charset="0"/>
         <a:buChar char="•"/>
         <a:defRPr sz="1800" kern="1200">
           <a:solidFill>
@@ -3284,7 +3284,7 @@
         <a:spcBef>
           <a:spcPts val="500"/>
         </a:spcBef>
-        <a:buFont typeface="Arial" panose="020B0604020202020204" pitchFamily="34" charset="0"/>
+        <a:buFont typeface="Arial" panose="02080604020202020204" pitchFamily="34" charset="0"/>
         <a:buChar char="•"/>
         <a:defRPr sz="1800" kern="1200">
           <a:solidFill>
@@ -3302,7 +3302,7 @@
         <a:spcBef>
           <a:spcPts val="500"/>
         </a:spcBef>
-        <a:buFont typeface="Arial" panose="020B0604020202020204" pitchFamily="34" charset="0"/>
+        <a:buFont typeface="Arial" panose="02080604020202020204" pitchFamily="34" charset="0"/>
         <a:buChar char="•"/>
         <a:defRPr sz="1800" kern="1200">
           <a:solidFill>
@@ -3320,7 +3320,7 @@
         <a:spcBef>
           <a:spcPts val="500"/>
         </a:spcBef>
-        <a:buFont typeface="Arial" panose="020B0604020202020204" pitchFamily="34" charset="0"/>
+        <a:buFont typeface="Arial" panose="02080604020202020204" pitchFamily="34" charset="0"/>
         <a:buChar char="•"/>
         <a:defRPr sz="1800" kern="1200">
           <a:solidFill>
@@ -3338,7 +3338,7 @@
         <a:spcBef>
           <a:spcPts val="500"/>
         </a:spcBef>
-        <a:buFont typeface="Arial" panose="020B0604020202020204" pitchFamily="34" charset="0"/>
+        <a:buFont typeface="Arial" panose="02080604020202020204" pitchFamily="34" charset="0"/>
         <a:buChar char="•"/>
         <a:defRPr sz="1800" kern="1200">
           <a:solidFill>
@@ -3356,7 +3356,7 @@
         <a:spcBef>
           <a:spcPts val="500"/>
         </a:spcBef>
-        <a:buFont typeface="Arial" panose="020B0604020202020204" pitchFamily="34" charset="0"/>
+        <a:buFont typeface="Arial" panose="02080604020202020204" pitchFamily="34" charset="0"/>
         <a:buChar char="•"/>
         <a:defRPr sz="1800" kern="1200">
           <a:solidFill>
@@ -3479,30 +3479,28 @@
       <p:grpSpPr/>
       <p:graphicFrame>
         <p:nvGraphicFramePr>
-          <p:cNvPr id="4" name="Table 3"/>
+          <p:cNvPr id="2" name="Table 1"/>
           <p:cNvGraphicFramePr/>
           <p:nvPr/>
         </p:nvGraphicFramePr>
         <p:xfrm>
-          <a:off x="1127760" y="1379220"/>
-          <a:ext cx="10073640" cy="3814445"/>
+          <a:off x="1971040" y="759460"/>
+          <a:ext cx="8534400" cy="4831080"/>
         </p:xfrm>
         <a:graphic>
           <a:graphicData uri="http://schemas.openxmlformats.org/drawingml/2006/table">
             <a:tbl>
-              <a:tblPr firstRow="1" bandRow="1">
+              <a:tblPr firstCol="1">
                 <a:tableStyleId>{5C22544A-7EE6-4342-B048-85BDC9FD1C3A}</a:tableStyleId>
               </a:tblPr>
               <a:tblGrid>
-                <a:gridCol w="1678940"/>
-                <a:gridCol w="1678940"/>
-                <a:gridCol w="1678940"/>
-                <a:gridCol w="1678940"/>
-                <a:gridCol w="1678940"/>
-                <a:gridCol w="1678940"/>
+                <a:gridCol w="2133600"/>
+                <a:gridCol w="2133600"/>
+                <a:gridCol w="2133600"/>
+                <a:gridCol w="2133600"/>
               </a:tblGrid>
-              <a:tr h="0">
-                <a:tc>
+              <a:tr h="381000">
+                <a:tc rowSpan="5">
                   <a:txBody>
                     <a:bodyPr/>
                     <a:p>
@@ -3510,10 +3508,10 @@
                         <a:buNone/>
                       </a:pPr>
                       <a:r>
-                        <a:rPr lang="en-US"/>
-                        <a:t>Computational Geometry</a:t>
+                        <a:rPr lang="en-US" altLang="en-US"/>
+                        <a:t>计算几何</a:t>
                       </a:r>
-                      <a:endParaRPr lang="en-US"/>
+                      <a:endParaRPr lang="en-US" altLang="en-US"/>
                     </a:p>
                   </a:txBody>
                   <a:tcPr/>
@@ -3526,10 +3524,10 @@
                         <a:buNone/>
                       </a:pPr>
                       <a:r>
-                        <a:rPr lang="en-US"/>
-                        <a:t>Numerical Methods</a:t>
+                        <a:rPr lang="en-US" altLang="en-US"/>
+                        <a:t>occ</a:t>
                       </a:r>
-                      <a:endParaRPr lang="en-US"/>
+                      <a:endParaRPr lang="en-US" altLang="en-US"/>
                     </a:p>
                   </a:txBody>
                   <a:tcPr/>
@@ -3542,10 +3540,10 @@
                         <a:buNone/>
                       </a:pPr>
                       <a:r>
-                        <a:rPr lang="en-US"/>
-                        <a:t>Computer Graphics</a:t>
+                        <a:rPr lang="en-US" altLang="en-US"/>
+                        <a:t>cgal</a:t>
                       </a:r>
-                      <a:endParaRPr lang="en-US"/>
+                      <a:endParaRPr lang="en-US" altLang="en-US"/>
                     </a:p>
                   </a:txBody>
                   <a:tcPr/>
@@ -3558,10 +3556,31 @@
                         <a:buNone/>
                       </a:pPr>
                       <a:r>
-                        <a:rPr lang="en-US"/>
-                        <a:t>Computer Images</a:t>
+                        <a:rPr lang="en-US" altLang="en-US"/>
+                        <a:t>triangle</a:t>
                       </a:r>
-                      <a:endParaRPr lang="en-US"/>
+                      <a:endParaRPr lang="en-US" altLang="en-US"/>
+                    </a:p>
+                  </a:txBody>
+                  <a:tcPr/>
+                </a:tc>
+              </a:tr>
+              <a:tr h="381000">
+                <a:tc vMerge="1">
+                  <a:tcPr/>
+                </a:tc>
+                <a:tc>
+                  <a:txBody>
+                    <a:bodyPr/>
+                    <a:p>
+                      <a:pPr>
+                        <a:buNone/>
+                      </a:pPr>
+                      <a:r>
+                        <a:rPr lang="en-US" altLang="en-US"/>
+                        <a:t>tetgen</a:t>
+                      </a:r>
+                      <a:endParaRPr lang="en-US" altLang="en-US"/>
                     </a:p>
                   </a:txBody>
                   <a:tcPr/>
@@ -3574,10 +3593,10 @@
                         <a:buNone/>
                       </a:pPr>
                       <a:r>
-                        <a:rPr lang="en-US"/>
-                        <a:t>IDE</a:t>
+                        <a:rPr lang="en-US" altLang="en-US"/>
+                        <a:t>gmsh</a:t>
                       </a:r>
-                      <a:endParaRPr lang="en-US"/>
+                      <a:endParaRPr lang="en-US" altLang="en-US"/>
                     </a:p>
                   </a:txBody>
                   <a:tcPr/>
@@ -3590,16 +3609,19 @@
                         <a:buNone/>
                       </a:pPr>
                       <a:r>
-                        <a:rPr lang="en-US"/>
-                        <a:t>Framework</a:t>
+                        <a:rPr lang="en-US" altLang="en-US"/>
+                        <a:t>slice2mesh</a:t>
                       </a:r>
-                      <a:endParaRPr lang="en-US"/>
+                      <a:endParaRPr lang="en-US" altLang="en-US"/>
                     </a:p>
                   </a:txBody>
                   <a:tcPr/>
                 </a:tc>
               </a:tr>
-              <a:tr h="396875">
+              <a:tr h="381000">
+                <a:tc vMerge="1">
+                  <a:tcPr/>
+                </a:tc>
                 <a:tc>
                   <a:txBody>
                     <a:bodyPr/>
@@ -3608,10 +3630,10 @@
                         <a:buNone/>
                       </a:pPr>
                       <a:r>
-                        <a:rPr lang="en-US"/>
-                        <a:t>occ</a:t>
+                        <a:rPr lang="en-US" altLang="en-US"/>
+                        <a:t>cinolib</a:t>
                       </a:r>
-                      <a:endParaRPr lang="en-US"/>
+                      <a:endParaRPr lang="en-US" altLang="en-US"/>
                     </a:p>
                   </a:txBody>
                   <a:tcPr/>
@@ -3624,10 +3646,10 @@
                         <a:buNone/>
                       </a:pPr>
                       <a:r>
-                        <a:rPr lang="en-US"/>
-                        <a:t>M++</a:t>
+                        <a:rPr lang="en-US" altLang="en-US"/>
+                        <a:t>pcl</a:t>
                       </a:r>
-                      <a:endParaRPr lang="en-US"/>
+                      <a:endParaRPr lang="en-US" altLang="en-US"/>
                     </a:p>
                   </a:txBody>
                   <a:tcPr/>
@@ -3640,12 +3662,17 @@
                         <a:buNone/>
                       </a:pPr>
                       <a:r>
-                        <a:rPr lang="en-US"/>
-                        <a:t>vtk</a:t>
+                        <a:rPr lang="en-US" altLang="en-US"/>
+                        <a:t>gklib</a:t>
                       </a:r>
-                      <a:endParaRPr lang="en-US"/>
+                      <a:endParaRPr lang="en-US" altLang="en-US"/>
                     </a:p>
                   </a:txBody>
+                  <a:tcPr/>
+                </a:tc>
+              </a:tr>
+              <a:tr h="381000">
+                <a:tc vMerge="1">
                   <a:tcPr/>
                 </a:tc>
                 <a:tc>
@@ -3655,7 +3682,11 @@
                       <a:pPr>
                         <a:buNone/>
                       </a:pPr>
-                      <a:endParaRPr lang="en-US"/>
+                      <a:r>
+                        <a:rPr lang="en-US" altLang="en-US"/>
+                        <a:t>metis</a:t>
+                      </a:r>
+                      <a:endParaRPr lang="en-US" altLang="en-US"/>
                     </a:p>
                   </a:txBody>
                   <a:tcPr/>
@@ -3668,10 +3699,10 @@
                         <a:buNone/>
                       </a:pPr>
                       <a:r>
-                        <a:rPr lang="en-US"/>
-                        <a:t>Qt</a:t>
+                        <a:rPr lang="en-US" altLang="en-US"/>
+                        <a:t>zoltan</a:t>
                       </a:r>
-                      <a:endParaRPr lang="en-US"/>
+                      <a:endParaRPr lang="en-US" altLang="en-US"/>
                     </a:p>
                   </a:txBody>
                   <a:tcPr/>
@@ -3684,16 +3715,19 @@
                         <a:buNone/>
                       </a:pPr>
                       <a:r>
-                        <a:rPr lang="en-US"/>
-                        <a:t>FENGSim</a:t>
+                        <a:rPr lang="en-US" altLang="en-US"/>
+                        <a:t>mstk</a:t>
                       </a:r>
-                      <a:endParaRPr lang="en-US"/>
+                      <a:endParaRPr lang="en-US" altLang="en-US"/>
                     </a:p>
                   </a:txBody>
                   <a:tcPr/>
                 </a:tc>
               </a:tr>
-              <a:tr h="396875">
+              <a:tr h="381000">
+                <a:tc vMerge="1">
+                  <a:tcPr/>
+                </a:tc>
                 <a:tc>
                   <a:txBody>
                     <a:bodyPr/>
@@ -3702,10 +3736,10 @@
                         <a:buNone/>
                       </a:pPr>
                       <a:r>
-                        <a:rPr lang="en-US"/>
-                        <a:t>cgal</a:t>
+                        <a:rPr lang="en-US" altLang="en-US"/>
+                        <a:t>jali</a:t>
                       </a:r>
-                      <a:endParaRPr lang="en-US"/>
+                      <a:endParaRPr lang="en-US" altLang="en-US"/>
                     </a:p>
                   </a:txBody>
                   <a:tcPr/>
@@ -3717,7 +3751,11 @@
                       <a:pPr>
                         <a:buNone/>
                       </a:pPr>
-                      <a:endParaRPr lang="en-US"/>
+                      <a:r>
+                        <a:rPr lang="en-US" altLang="en-US"/>
+                        <a:t>wonton</a:t>
+                      </a:r>
+                      <a:endParaRPr lang="en-US" altLang="en-US"/>
                     </a:p>
                   </a:txBody>
                   <a:tcPr/>
@@ -3729,7 +3767,29 @@
                       <a:pPr>
                         <a:buNone/>
                       </a:pPr>
-                      <a:endParaRPr lang="en-US"/>
+                      <a:r>
+                        <a:rPr lang="en-US" altLang="en-US"/>
+                        <a:t>mesquite</a:t>
+                      </a:r>
+                      <a:endParaRPr lang="en-US" altLang="en-US"/>
+                    </a:p>
+                  </a:txBody>
+                  <a:tcPr/>
+                </a:tc>
+              </a:tr>
+              <a:tr h="381000">
+                <a:tc>
+                  <a:txBody>
+                    <a:bodyPr/>
+                    <a:p>
+                      <a:pPr>
+                        <a:buNone/>
+                      </a:pPr>
+                      <a:r>
+                        <a:rPr lang="en-US" altLang="en-US"/>
+                        <a:t>数值分析</a:t>
+                      </a:r>
+                      <a:endParaRPr lang="en-US" altLang="en-US"/>
                     </a:p>
                   </a:txBody>
                   <a:tcPr/>
@@ -3741,7 +3801,188 @@
                       <a:pPr>
                         <a:buNone/>
                       </a:pPr>
-                      <a:endParaRPr lang="en-US"/>
+                      <a:r>
+                        <a:rPr lang="en-US" altLang="en-US"/>
+                        <a:t>portage</a:t>
+                      </a:r>
+                      <a:endParaRPr lang="en-US" altLang="en-US"/>
+                    </a:p>
+                  </a:txBody>
+                  <a:tcPr/>
+                </a:tc>
+                <a:tc>
+                  <a:txBody>
+                    <a:bodyPr/>
+                    <a:p>
+                      <a:pPr>
+                        <a:buNone/>
+                      </a:pPr>
+                      <a:endParaRPr lang="en-US" altLang="en-US"/>
+                    </a:p>
+                  </a:txBody>
+                  <a:tcPr/>
+                </a:tc>
+                <a:tc>
+                  <a:txBody>
+                    <a:bodyPr/>
+                    <a:p>
+                      <a:pPr>
+                        <a:buNone/>
+                      </a:pPr>
+                      <a:endParaRPr lang="en-US" altLang="en-US"/>
+                    </a:p>
+                  </a:txBody>
+                  <a:tcPr/>
+                </a:tc>
+              </a:tr>
+              <a:tr h="381000">
+                <a:tc rowSpan="2">
+                  <a:txBody>
+                    <a:bodyPr/>
+                    <a:p>
+                      <a:pPr>
+                        <a:buNone/>
+                      </a:pPr>
+                      <a:r>
+                        <a:rPr lang="en-US" altLang="en-US"/>
+                        <a:t>数值方法</a:t>
+                      </a:r>
+                      <a:endParaRPr lang="en-US" altLang="en-US"/>
+                    </a:p>
+                  </a:txBody>
+                  <a:tcPr/>
+                </a:tc>
+                <a:tc>
+                  <a:txBody>
+                    <a:bodyPr/>
+                    <a:p>
+                      <a:pPr>
+                        <a:buNone/>
+                      </a:pPr>
+                      <a:r>
+                        <a:rPr lang="en-US" altLang="en-US"/>
+                        <a:t>m++</a:t>
+                      </a:r>
+                      <a:endParaRPr lang="en-US" altLang="en-US"/>
+                    </a:p>
+                  </a:txBody>
+                  <a:tcPr/>
+                </a:tc>
+                <a:tc>
+                  <a:txBody>
+                    <a:bodyPr/>
+                    <a:p>
+                      <a:pPr>
+                        <a:buNone/>
+                      </a:pPr>
+                      <a:r>
+                        <a:rPr lang="en-US" altLang="en-US"/>
+                        <a:t>calculix</a:t>
+                      </a:r>
+                      <a:endParaRPr lang="en-US" altLang="en-US"/>
+                    </a:p>
+                  </a:txBody>
+                  <a:tcPr/>
+                </a:tc>
+                <a:tc>
+                  <a:txBody>
+                    <a:bodyPr/>
+                    <a:p>
+                      <a:pPr>
+                        <a:buNone/>
+                      </a:pPr>
+                      <a:r>
+                        <a:rPr lang="en-US" altLang="en-US"/>
+                        <a:t>warp3d</a:t>
+                      </a:r>
+                      <a:endParaRPr lang="en-US" altLang="en-US"/>
+                    </a:p>
+                  </a:txBody>
+                  <a:tcPr/>
+                </a:tc>
+              </a:tr>
+              <a:tr h="381000">
+                <a:tc vMerge="1">
+                  <a:tcPr/>
+                </a:tc>
+                <a:tc>
+                  <a:txBody>
+                    <a:bodyPr/>
+                    <a:p>
+                      <a:pPr>
+                        <a:buNone/>
+                      </a:pPr>
+                      <a:r>
+                        <a:rPr lang="en-US" altLang="en-US"/>
+                        <a:t>hyplas</a:t>
+                      </a:r>
+                      <a:endParaRPr lang="en-US" altLang="en-US"/>
+                    </a:p>
+                  </a:txBody>
+                  <a:tcPr/>
+                </a:tc>
+                <a:tc>
+                  <a:txBody>
+                    <a:bodyPr/>
+                    <a:p>
+                      <a:pPr>
+                        <a:buNone/>
+                      </a:pPr>
+                      <a:r>
+                        <a:rPr lang="en-US" altLang="en-US"/>
+                        <a:t>openradioss</a:t>
+                      </a:r>
+                      <a:endParaRPr lang="en-US" altLang="en-US"/>
+                    </a:p>
+                  </a:txBody>
+                  <a:tcPr/>
+                </a:tc>
+                <a:tc>
+                  <a:txBody>
+                    <a:bodyPr/>
+                    <a:p>
+                      <a:pPr>
+                        <a:buNone/>
+                      </a:pPr>
+                      <a:r>
+                        <a:rPr lang="en-US" altLang="en-US"/>
+                        <a:t>code_aster</a:t>
+                      </a:r>
+                      <a:endParaRPr lang="en-US" altLang="en-US"/>
+                    </a:p>
+                  </a:txBody>
+                  <a:tcPr/>
+                </a:tc>
+              </a:tr>
+              <a:tr h="381000">
+                <a:tc>
+                  <a:txBody>
+                    <a:bodyPr/>
+                    <a:p>
+                      <a:pPr>
+                        <a:buNone/>
+                      </a:pPr>
+                      <a:r>
+                        <a:rPr lang="en-US" altLang="en-US"/>
+                        <a:t>计算机图形</a:t>
+                      </a:r>
+                      <a:endParaRPr lang="en-US" altLang="en-US"/>
+                    </a:p>
+                  </a:txBody>
+                  <a:tcPr/>
+                </a:tc>
+                <a:tc>
+                  <a:txBody>
+                    <a:bodyPr/>
+                    <a:p>
+                      <a:pPr>
+                        <a:buNone/>
+                      </a:pPr>
+                      <a:r>
+                        <a:rPr lang="en-US" altLang="en-US"/>
+                        <a:t>vtk</a:t>
+                      </a:r>
+                      <a:endParaRPr lang="en-US" altLang="en-US"/>
                     </a:p>
                   </a:txBody>
                   <a:tcPr/>
@@ -3771,7 +4012,7 @@
                   <a:tcPr/>
                 </a:tc>
               </a:tr>
-              <a:tr h="396875">
+              <a:tr h="381000">
                 <a:tc>
                   <a:txBody>
                     <a:bodyPr/>
@@ -3780,10 +4021,10 @@
                         <a:buNone/>
                       </a:pPr>
                       <a:r>
-                        <a:rPr lang="en-US"/>
-                        <a:t>triangle</a:t>
+                        <a:rPr lang="en-US" altLang="en-US"/>
+                        <a:t>计算机图像</a:t>
                       </a:r>
-                      <a:endParaRPr lang="en-US"/>
+                      <a:endParaRPr lang="en-US" altLang="en-US"/>
                     </a:p>
                   </a:txBody>
                   <a:tcPr/>
@@ -3795,31 +4036,11 @@
                       <a:pPr>
                         <a:buNone/>
                       </a:pPr>
-                      <a:endParaRPr lang="en-US"/>
-                    </a:p>
-                  </a:txBody>
-                  <a:tcPr/>
-                </a:tc>
-                <a:tc>
-                  <a:txBody>
-                    <a:bodyPr/>
-                    <a:p>
-                      <a:pPr>
-                        <a:buNone/>
-                      </a:pPr>
-                      <a:endParaRPr lang="en-US"/>
-                    </a:p>
-                  </a:txBody>
-                  <a:tcPr/>
-                </a:tc>
-                <a:tc>
-                  <a:txBody>
-                    <a:bodyPr/>
-                    <a:p>
-                      <a:pPr>
-                        <a:buNone/>
-                      </a:pPr>
-                      <a:endParaRPr lang="en-US"/>
+                      <a:r>
+                        <a:rPr lang="en-US" altLang="en-US"/>
+                        <a:t>opencv</a:t>
+                      </a:r>
+                      <a:endParaRPr lang="en-US" altLang="en-US"/>
                     </a:p>
                   </a:txBody>
                   <a:tcPr/>
@@ -3849,7 +4070,7 @@
                   <a:tcPr/>
                 </a:tc>
               </a:tr>
-              <a:tr h="396875">
+              <a:tr h="381000">
                 <a:tc>
                   <a:txBody>
                     <a:bodyPr/>
@@ -3858,10 +4079,10 @@
                         <a:buNone/>
                       </a:pPr>
                       <a:r>
-                        <a:rPr lang="en-US"/>
-                        <a:t>tetgen</a:t>
+                        <a:rPr lang="en-US" altLang="en-US"/>
+                        <a:t>图形用户界面</a:t>
                       </a:r>
-                      <a:endParaRPr lang="en-US"/>
+                      <a:endParaRPr lang="en-US" altLang="en-US"/>
                     </a:p>
                   </a:txBody>
                   <a:tcPr/>
@@ -3873,31 +4094,11 @@
                       <a:pPr>
                         <a:buNone/>
                       </a:pPr>
-                      <a:endParaRPr lang="en-US"/>
-                    </a:p>
-                  </a:txBody>
-                  <a:tcPr/>
-                </a:tc>
-                <a:tc>
-                  <a:txBody>
-                    <a:bodyPr/>
-                    <a:p>
-                      <a:pPr>
-                        <a:buNone/>
-                      </a:pPr>
-                      <a:endParaRPr lang="en-US"/>
-                    </a:p>
-                  </a:txBody>
-                  <a:tcPr/>
-                </a:tc>
-                <a:tc>
-                  <a:txBody>
-                    <a:bodyPr/>
-                    <a:p>
-                      <a:pPr>
-                        <a:buNone/>
-                      </a:pPr>
-                      <a:endParaRPr lang="en-US"/>
+                      <a:r>
+                        <a:rPr lang="en-US" altLang="en-US"/>
+                        <a:t>qt</a:t>
+                      </a:r>
+                      <a:endParaRPr lang="en-US" altLang="en-US"/>
                     </a:p>
                   </a:txBody>
                   <a:tcPr/>
@@ -3927,7 +4128,7 @@
                   <a:tcPr/>
                 </a:tc>
               </a:tr>
-              <a:tr h="396875">
+              <a:tr h="381000">
                 <a:tc>
                   <a:txBody>
                     <a:bodyPr/>
@@ -3936,10 +4137,10 @@
                         <a:buNone/>
                       </a:pPr>
                       <a:r>
-                        <a:rPr lang="en-US"/>
-                        <a:t>gmsh</a:t>
+                        <a:rPr lang="en-US" altLang="en-US"/>
+                        <a:t>前后处理</a:t>
                       </a:r>
-                      <a:endParaRPr lang="en-US"/>
+                      <a:endParaRPr lang="en-US" altLang="en-US"/>
                     </a:p>
                   </a:txBody>
                   <a:tcPr/>
@@ -3951,265 +4152,11 @@
                       <a:pPr>
                         <a:buNone/>
                       </a:pPr>
-                      <a:endParaRPr lang="en-US"/>
-                    </a:p>
-                  </a:txBody>
-                  <a:tcPr/>
-                </a:tc>
-                <a:tc>
-                  <a:txBody>
-                    <a:bodyPr/>
-                    <a:p>
-                      <a:pPr>
-                        <a:buNone/>
-                      </a:pPr>
-                      <a:endParaRPr lang="en-US"/>
-                    </a:p>
-                  </a:txBody>
-                  <a:tcPr/>
-                </a:tc>
-                <a:tc>
-                  <a:txBody>
-                    <a:bodyPr/>
-                    <a:p>
-                      <a:pPr>
-                        <a:buNone/>
-                      </a:pPr>
-                      <a:endParaRPr lang="en-US"/>
-                    </a:p>
-                  </a:txBody>
-                  <a:tcPr/>
-                </a:tc>
-                <a:tc>
-                  <a:txBody>
-                    <a:bodyPr/>
-                    <a:p>
-                      <a:pPr>
-                        <a:buNone/>
-                      </a:pPr>
-                      <a:endParaRPr lang="en-US"/>
-                    </a:p>
-                  </a:txBody>
-                  <a:tcPr/>
-                </a:tc>
-                <a:tc>
-                  <a:txBody>
-                    <a:bodyPr/>
-                    <a:p>
-                      <a:pPr>
-                        <a:buNone/>
-                      </a:pPr>
-                      <a:endParaRPr lang="en-US"/>
-                    </a:p>
-                  </a:txBody>
-                  <a:tcPr/>
-                </a:tc>
-              </a:tr>
-              <a:tr h="396875">
-                <a:tc>
-                  <a:txBody>
-                    <a:bodyPr/>
-                    <a:p>
-                      <a:pPr>
-                        <a:buNone/>
-                      </a:pPr>
                       <a:r>
-                        <a:rPr lang="en-US"/>
-                        <a:t>slice2mesh</a:t>
+                        <a:rPr lang="en-US" altLang="en-US"/>
+                        <a:t>fengsim</a:t>
                       </a:r>
-                      <a:endParaRPr lang="en-US"/>
-                    </a:p>
-                  </a:txBody>
-                  <a:tcPr/>
-                </a:tc>
-                <a:tc>
-                  <a:txBody>
-                    <a:bodyPr/>
-                    <a:p>
-                      <a:pPr>
-                        <a:buNone/>
-                      </a:pPr>
-                      <a:endParaRPr lang="en-US"/>
-                    </a:p>
-                  </a:txBody>
-                  <a:tcPr/>
-                </a:tc>
-                <a:tc>
-                  <a:txBody>
-                    <a:bodyPr/>
-                    <a:p>
-                      <a:pPr>
-                        <a:buNone/>
-                      </a:pPr>
-                      <a:endParaRPr lang="en-US"/>
-                    </a:p>
-                  </a:txBody>
-                  <a:tcPr/>
-                </a:tc>
-                <a:tc>
-                  <a:txBody>
-                    <a:bodyPr/>
-                    <a:p>
-                      <a:pPr>
-                        <a:buNone/>
-                      </a:pPr>
-                      <a:endParaRPr lang="en-US"/>
-                    </a:p>
-                  </a:txBody>
-                  <a:tcPr/>
-                </a:tc>
-                <a:tc>
-                  <a:txBody>
-                    <a:bodyPr/>
-                    <a:p>
-                      <a:pPr>
-                        <a:buNone/>
-                      </a:pPr>
-                      <a:endParaRPr lang="en-US"/>
-                    </a:p>
-                  </a:txBody>
-                  <a:tcPr/>
-                </a:tc>
-                <a:tc>
-                  <a:txBody>
-                    <a:bodyPr/>
-                    <a:p>
-                      <a:pPr>
-                        <a:buNone/>
-                      </a:pPr>
-                      <a:endParaRPr lang="en-US"/>
-                    </a:p>
-                  </a:txBody>
-                  <a:tcPr/>
-                </a:tc>
-              </a:tr>
-              <a:tr h="396875">
-                <a:tc>
-                  <a:txBody>
-                    <a:bodyPr/>
-                    <a:p>
-                      <a:pPr>
-                        <a:buNone/>
-                      </a:pPr>
-                      <a:r>
-                        <a:rPr lang="en-US"/>
-                        <a:t>cinolib</a:t>
-                      </a:r>
-                      <a:endParaRPr lang="en-US"/>
-                    </a:p>
-                  </a:txBody>
-                  <a:tcPr/>
-                </a:tc>
-                <a:tc>
-                  <a:txBody>
-                    <a:bodyPr/>
-                    <a:p>
-                      <a:pPr>
-                        <a:buNone/>
-                      </a:pPr>
-                      <a:endParaRPr lang="en-US"/>
-                    </a:p>
-                  </a:txBody>
-                  <a:tcPr/>
-                </a:tc>
-                <a:tc>
-                  <a:txBody>
-                    <a:bodyPr/>
-                    <a:p>
-                      <a:pPr>
-                        <a:buNone/>
-                      </a:pPr>
-                      <a:endParaRPr lang="en-US"/>
-                    </a:p>
-                  </a:txBody>
-                  <a:tcPr/>
-                </a:tc>
-                <a:tc>
-                  <a:txBody>
-                    <a:bodyPr/>
-                    <a:p>
-                      <a:pPr>
-                        <a:buNone/>
-                      </a:pPr>
-                      <a:endParaRPr lang="en-US"/>
-                    </a:p>
-                  </a:txBody>
-                  <a:tcPr/>
-                </a:tc>
-                <a:tc>
-                  <a:txBody>
-                    <a:bodyPr/>
-                    <a:p>
-                      <a:pPr>
-                        <a:buNone/>
-                      </a:pPr>
-                      <a:endParaRPr lang="en-US"/>
-                    </a:p>
-                  </a:txBody>
-                  <a:tcPr/>
-                </a:tc>
-                <a:tc>
-                  <a:txBody>
-                    <a:bodyPr/>
-                    <a:p>
-                      <a:pPr>
-                        <a:buNone/>
-                      </a:pPr>
-                      <a:endParaRPr lang="en-US"/>
-                    </a:p>
-                  </a:txBody>
-                  <a:tcPr/>
-                </a:tc>
-              </a:tr>
-              <a:tr h="396875">
-                <a:tc>
-                  <a:txBody>
-                    <a:bodyPr/>
-                    <a:p>
-                      <a:pPr>
-                        <a:buNone/>
-                      </a:pPr>
-                      <a:r>
-                        <a:rPr lang="en-US"/>
-                        <a:t>pcl</a:t>
-                      </a:r>
-                      <a:endParaRPr lang="en-US"/>
-                    </a:p>
-                  </a:txBody>
-                  <a:tcPr/>
-                </a:tc>
-                <a:tc>
-                  <a:txBody>
-                    <a:bodyPr/>
-                    <a:p>
-                      <a:pPr>
-                        <a:buNone/>
-                      </a:pPr>
-                      <a:endParaRPr lang="en-US"/>
-                    </a:p>
-                  </a:txBody>
-                  <a:tcPr/>
-                </a:tc>
-                <a:tc>
-                  <a:txBody>
-                    <a:bodyPr/>
-                    <a:p>
-                      <a:pPr>
-                        <a:buNone/>
-                      </a:pPr>
-                      <a:endParaRPr lang="en-US"/>
-                    </a:p>
-                  </a:txBody>
-                  <a:tcPr/>
-                </a:tc>
-                <a:tc>
-                  <a:txBody>
-                    <a:bodyPr/>
-                    <a:p>
-                      <a:pPr>
-                        <a:buNone/>
-                      </a:pPr>
-                      <a:endParaRPr lang="en-US"/>
+                      <a:endParaRPr lang="en-US" altLang="en-US"/>
                     </a:p>
                   </a:txBody>
                   <a:tcPr/>

--- a/images/Presentation1.pptx
+++ b/images/Presentation1.pptx
@@ -3212,7 +3212,7 @@
         <a:spcBef>
           <a:spcPts val="1000"/>
         </a:spcBef>
-        <a:buFont typeface="Arial" panose="02080604020202020204" pitchFamily="34" charset="0"/>
+        <a:buFont typeface="Arial" panose="020B0604020202020204" pitchFamily="34" charset="0"/>
         <a:buChar char="•"/>
         <a:defRPr sz="2400" kern="1200">
           <a:solidFill>
@@ -3230,7 +3230,7 @@
         <a:spcBef>
           <a:spcPts val="500"/>
         </a:spcBef>
-        <a:buFont typeface="Arial" panose="02080604020202020204" pitchFamily="34" charset="0"/>
+        <a:buFont typeface="Arial" panose="020B0604020202020204" pitchFamily="34" charset="0"/>
         <a:buChar char="•"/>
         <a:defRPr sz="2000" kern="1200">
           <a:solidFill>
@@ -3248,7 +3248,7 @@
         <a:spcBef>
           <a:spcPts val="500"/>
         </a:spcBef>
-        <a:buFont typeface="Arial" panose="02080604020202020204" pitchFamily="34" charset="0"/>
+        <a:buFont typeface="Arial" panose="020B0604020202020204" pitchFamily="34" charset="0"/>
         <a:buChar char="•"/>
         <a:defRPr sz="1800" kern="1200">
           <a:solidFill>
@@ -3266,7 +3266,7 @@
         <a:spcBef>
           <a:spcPts val="500"/>
         </a:spcBef>
-        <a:buFont typeface="Arial" panose="02080604020202020204" pitchFamily="34" charset="0"/>
+        <a:buFont typeface="Arial" panose="020B0604020202020204" pitchFamily="34" charset="0"/>
         <a:buChar char="•"/>
         <a:defRPr sz="1800" kern="1200">
           <a:solidFill>
@@ -3284,7 +3284,7 @@
         <a:spcBef>
           <a:spcPts val="500"/>
         </a:spcBef>
-        <a:buFont typeface="Arial" panose="02080604020202020204" pitchFamily="34" charset="0"/>
+        <a:buFont typeface="Arial" panose="020B0604020202020204" pitchFamily="34" charset="0"/>
         <a:buChar char="•"/>
         <a:defRPr sz="1800" kern="1200">
           <a:solidFill>
@@ -3302,7 +3302,7 @@
         <a:spcBef>
           <a:spcPts val="500"/>
         </a:spcBef>
-        <a:buFont typeface="Arial" panose="02080604020202020204" pitchFamily="34" charset="0"/>
+        <a:buFont typeface="Arial" panose="020B0604020202020204" pitchFamily="34" charset="0"/>
         <a:buChar char="•"/>
         <a:defRPr sz="1800" kern="1200">
           <a:solidFill>
@@ -3320,7 +3320,7 @@
         <a:spcBef>
           <a:spcPts val="500"/>
         </a:spcBef>
-        <a:buFont typeface="Arial" panose="02080604020202020204" pitchFamily="34" charset="0"/>
+        <a:buFont typeface="Arial" panose="020B0604020202020204" pitchFamily="34" charset="0"/>
         <a:buChar char="•"/>
         <a:defRPr sz="1800" kern="1200">
           <a:solidFill>
@@ -3338,7 +3338,7 @@
         <a:spcBef>
           <a:spcPts val="500"/>
         </a:spcBef>
-        <a:buFont typeface="Arial" panose="02080604020202020204" pitchFamily="34" charset="0"/>
+        <a:buFont typeface="Arial" panose="020B0604020202020204" pitchFamily="34" charset="0"/>
         <a:buChar char="•"/>
         <a:defRPr sz="1800" kern="1200">
           <a:solidFill>
@@ -3356,7 +3356,7 @@
         <a:spcBef>
           <a:spcPts val="500"/>
         </a:spcBef>
-        <a:buFont typeface="Arial" panose="02080604020202020204" pitchFamily="34" charset="0"/>
+        <a:buFont typeface="Arial" panose="020B0604020202020204" pitchFamily="34" charset="0"/>
         <a:buChar char="•"/>
         <a:defRPr sz="1800" kern="1200">
           <a:solidFill>
@@ -3484,8 +3484,8 @@
           <p:nvPr/>
         </p:nvGraphicFramePr>
         <p:xfrm>
-          <a:off x="1971040" y="759460"/>
-          <a:ext cx="8534400" cy="4831080"/>
+          <a:off x="1612265" y="1044575"/>
+          <a:ext cx="8534400" cy="4572000"/>
         </p:xfrm>
         <a:graphic>
           <a:graphicData uri="http://schemas.openxmlformats.org/drawingml/2006/table">
@@ -3494,9 +3494,9 @@
                 <a:tableStyleId>{5C22544A-7EE6-4342-B048-85BDC9FD1C3A}</a:tableStyleId>
               </a:tblPr>
               <a:tblGrid>
-                <a:gridCol w="2133600"/>
-                <a:gridCol w="2133600"/>
-                <a:gridCol w="2133600"/>
+                <a:gridCol w="2322830"/>
+                <a:gridCol w="2313305"/>
+                <a:gridCol w="1764665"/>
                 <a:gridCol w="2133600"/>
               </a:tblGrid>
               <a:tr h="381000">
@@ -3509,7 +3509,7 @@
                       </a:pPr>
                       <a:r>
                         <a:rPr lang="en-US" altLang="en-US"/>
-                        <a:t>计算几何</a:t>
+                        <a:t>geometry</a:t>
                       </a:r>
                       <a:endParaRPr lang="en-US" altLang="en-US"/>
                     </a:p>
@@ -3683,10 +3683,18 @@
                         <a:buNone/>
                       </a:pPr>
                       <a:r>
-                        <a:rPr lang="en-US" altLang="en-US"/>
+                        <a:rPr lang="en-US" altLang="en-US">
+                          <a:solidFill>
+                            <a:schemeClr val="tx1"/>
+                          </a:solidFill>
+                        </a:rPr>
                         <a:t>metis</a:t>
                       </a:r>
-                      <a:endParaRPr lang="en-US" altLang="en-US"/>
+                      <a:endParaRPr lang="en-US" altLang="en-US">
+                        <a:solidFill>
+                          <a:schemeClr val="tx1"/>
+                        </a:solidFill>
+                      </a:endParaRPr>
                     </a:p>
                   </a:txBody>
                   <a:tcPr/>
@@ -3699,10 +3707,18 @@
                         <a:buNone/>
                       </a:pPr>
                       <a:r>
-                        <a:rPr lang="en-US" altLang="en-US"/>
+                        <a:rPr lang="en-US" altLang="en-US">
+                          <a:solidFill>
+                            <a:schemeClr val="tx1"/>
+                          </a:solidFill>
+                        </a:rPr>
                         <a:t>zoltan</a:t>
                       </a:r>
-                      <a:endParaRPr lang="en-US" altLang="en-US"/>
+                      <a:endParaRPr lang="en-US" altLang="en-US">
+                        <a:solidFill>
+                          <a:schemeClr val="tx1"/>
+                        </a:solidFill>
+                      </a:endParaRPr>
                     </a:p>
                   </a:txBody>
                   <a:tcPr/>
@@ -3715,10 +3731,18 @@
                         <a:buNone/>
                       </a:pPr>
                       <a:r>
-                        <a:rPr lang="en-US" altLang="en-US"/>
+                        <a:rPr lang="en-US" altLang="en-US">
+                          <a:solidFill>
+                            <a:schemeClr val="tx1"/>
+                          </a:solidFill>
+                        </a:rPr>
                         <a:t>mstk</a:t>
                       </a:r>
-                      <a:endParaRPr lang="en-US" altLang="en-US"/>
+                      <a:endParaRPr lang="en-US" altLang="en-US">
+                        <a:solidFill>
+                          <a:schemeClr val="tx1"/>
+                        </a:solidFill>
+                      </a:endParaRPr>
                     </a:p>
                   </a:txBody>
                   <a:tcPr/>
@@ -3736,10 +3760,18 @@
                         <a:buNone/>
                       </a:pPr>
                       <a:r>
-                        <a:rPr lang="en-US" altLang="en-US"/>
+                        <a:rPr lang="en-US" altLang="en-US">
+                          <a:solidFill>
+                            <a:schemeClr val="tx1"/>
+                          </a:solidFill>
+                        </a:rPr>
                         <a:t>jali</a:t>
                       </a:r>
-                      <a:endParaRPr lang="en-US" altLang="en-US"/>
+                      <a:endParaRPr lang="en-US" altLang="en-US">
+                        <a:solidFill>
+                          <a:schemeClr val="tx1"/>
+                        </a:solidFill>
+                      </a:endParaRPr>
                     </a:p>
                   </a:txBody>
                   <a:tcPr/>
@@ -3752,10 +3784,18 @@
                         <a:buNone/>
                       </a:pPr>
                       <a:r>
-                        <a:rPr lang="en-US" altLang="en-US"/>
+                        <a:rPr lang="en-US" altLang="en-US">
+                          <a:solidFill>
+                            <a:schemeClr val="tx1"/>
+                          </a:solidFill>
+                        </a:rPr>
                         <a:t>wonton</a:t>
                       </a:r>
-                      <a:endParaRPr lang="en-US" altLang="en-US"/>
+                      <a:endParaRPr lang="en-US" altLang="en-US">
+                        <a:solidFill>
+                          <a:schemeClr val="tx1"/>
+                        </a:solidFill>
+                      </a:endParaRPr>
                     </a:p>
                   </a:txBody>
                   <a:tcPr/>
@@ -3768,10 +3808,18 @@
                         <a:buNone/>
                       </a:pPr>
                       <a:r>
-                        <a:rPr lang="en-US" altLang="en-US"/>
+                        <a:rPr lang="en-US" altLang="en-US">
+                          <a:solidFill>
+                            <a:schemeClr val="tx1"/>
+                          </a:solidFill>
+                        </a:rPr>
                         <a:t>mesquite</a:t>
                       </a:r>
-                      <a:endParaRPr lang="en-US" altLang="en-US"/>
+                      <a:endParaRPr lang="en-US" altLang="en-US">
+                        <a:solidFill>
+                          <a:schemeClr val="tx1"/>
+                        </a:solidFill>
+                      </a:endParaRPr>
                     </a:p>
                   </a:txBody>
                   <a:tcPr/>
@@ -3787,7 +3835,7 @@
                       </a:pPr>
                       <a:r>
                         <a:rPr lang="en-US" altLang="en-US"/>
-                        <a:t>数值分析</a:t>
+                        <a:t>interpolation</a:t>
                       </a:r>
                       <a:endParaRPr lang="en-US" altLang="en-US"/>
                     </a:p>
@@ -3845,7 +3893,7 @@
                       </a:pPr>
                       <a:r>
                         <a:rPr lang="en-US" altLang="en-US"/>
-                        <a:t>数值方法</a:t>
+                        <a:t>numerical methods</a:t>
                       </a:r>
                       <a:endParaRPr lang="en-US" altLang="en-US"/>
                     </a:p>
@@ -3964,7 +4012,7 @@
                       </a:pPr>
                       <a:r>
                         <a:rPr lang="en-US" altLang="en-US"/>
-                        <a:t>计算机图形</a:t>
+                        <a:t>computer graphics</a:t>
                       </a:r>
                       <a:endParaRPr lang="en-US" altLang="en-US"/>
                     </a:p>
@@ -4022,7 +4070,7 @@
                       </a:pPr>
                       <a:r>
                         <a:rPr lang="en-US" altLang="en-US"/>
-                        <a:t>计算机图像</a:t>
+                        <a:t>computer images</a:t>
                       </a:r>
                       <a:endParaRPr lang="en-US" altLang="en-US"/>
                     </a:p>
@@ -4080,7 +4128,7 @@
                       </a:pPr>
                       <a:r>
                         <a:rPr lang="en-US" altLang="en-US"/>
-                        <a:t>图形用户界面</a:t>
+                        <a:t>gui</a:t>
                       </a:r>
                       <a:endParaRPr lang="en-US" altLang="en-US"/>
                     </a:p>
@@ -4138,7 +4186,7 @@
                       </a:pPr>
                       <a:r>
                         <a:rPr lang="en-US" altLang="en-US"/>
-                        <a:t>前后处理</a:t>
+                        <a:t>prepost processing</a:t>
                       </a:r>
                       <a:endParaRPr lang="en-US" altLang="en-US"/>
                     </a:p>
